--- a/OpenAPI.pptx
+++ b/OpenAPI.pptx
@@ -6,26 +6,26 @@
   </p:sldMasterIdLst>
   <p:sldIdLst>
     <p:sldId id="256" r:id="rId2"/>
-    <p:sldId id="288" r:id="rId3"/>
-    <p:sldId id="289" r:id="rId4"/>
-    <p:sldId id="290" r:id="rId5"/>
-    <p:sldId id="291" r:id="rId6"/>
-    <p:sldId id="292" r:id="rId7"/>
-    <p:sldId id="257" r:id="rId8"/>
-    <p:sldId id="282" r:id="rId9"/>
-    <p:sldId id="258" r:id="rId10"/>
-    <p:sldId id="260" r:id="rId11"/>
-    <p:sldId id="261" r:id="rId12"/>
-    <p:sldId id="259" r:id="rId13"/>
-    <p:sldId id="287" r:id="rId14"/>
-    <p:sldId id="293" r:id="rId15"/>
-    <p:sldId id="263" r:id="rId16"/>
-    <p:sldId id="264" r:id="rId17"/>
-    <p:sldId id="274" r:id="rId18"/>
-    <p:sldId id="265" r:id="rId19"/>
-    <p:sldId id="273" r:id="rId20"/>
-    <p:sldId id="266" r:id="rId21"/>
-    <p:sldId id="277" r:id="rId22"/>
+    <p:sldId id="296" r:id="rId3"/>
+    <p:sldId id="300" r:id="rId4"/>
+    <p:sldId id="288" r:id="rId5"/>
+    <p:sldId id="290" r:id="rId6"/>
+    <p:sldId id="291" r:id="rId7"/>
+    <p:sldId id="292" r:id="rId8"/>
+    <p:sldId id="257" r:id="rId9"/>
+    <p:sldId id="282" r:id="rId10"/>
+    <p:sldId id="258" r:id="rId11"/>
+    <p:sldId id="260" r:id="rId12"/>
+    <p:sldId id="261" r:id="rId13"/>
+    <p:sldId id="259" r:id="rId14"/>
+    <p:sldId id="287" r:id="rId15"/>
+    <p:sldId id="293" r:id="rId16"/>
+    <p:sldId id="263" r:id="rId17"/>
+    <p:sldId id="264" r:id="rId18"/>
+    <p:sldId id="274" r:id="rId19"/>
+    <p:sldId id="265" r:id="rId20"/>
+    <p:sldId id="277" r:id="rId21"/>
+    <p:sldId id="273" r:id="rId22"/>
     <p:sldId id="276" r:id="rId23"/>
     <p:sldId id="275" r:id="rId24"/>
     <p:sldId id="267" r:id="rId25"/>
@@ -39,11 +39,14 @@
     <p:sldId id="268" r:id="rId33"/>
     <p:sldId id="279" r:id="rId34"/>
     <p:sldId id="280" r:id="rId35"/>
-    <p:sldId id="269" r:id="rId36"/>
-    <p:sldId id="281" r:id="rId37"/>
-    <p:sldId id="270" r:id="rId38"/>
-    <p:sldId id="295" r:id="rId39"/>
-    <p:sldId id="294" r:id="rId40"/>
+    <p:sldId id="298" r:id="rId36"/>
+    <p:sldId id="301" r:id="rId37"/>
+    <p:sldId id="269" r:id="rId38"/>
+    <p:sldId id="299" r:id="rId39"/>
+    <p:sldId id="281" r:id="rId40"/>
+    <p:sldId id="270" r:id="rId41"/>
+    <p:sldId id="295" r:id="rId42"/>
+    <p:sldId id="294" r:id="rId43"/>
   </p:sldIdLst>
   <p:sldSz cx="12192000" cy="6858000"/>
   <p:notesSz cx="6858000" cy="9144000"/>
@@ -281,7 +284,7 @@
           <a:p>
             <a:fld id="{CAA94819-728F-480F-A909-E4598EC91444}" type="datetimeFigureOut">
               <a:rPr lang="en-GB" smtClean="0"/>
-              <a:t>18/10/2022</a:t>
+              <a:t>13/11/2023</a:t>
             </a:fld>
             <a:endParaRPr lang="en-GB"/>
           </a:p>
@@ -451,7 +454,7 @@
           <a:p>
             <a:fld id="{CAA94819-728F-480F-A909-E4598EC91444}" type="datetimeFigureOut">
               <a:rPr lang="en-GB" smtClean="0"/>
-              <a:t>18/10/2022</a:t>
+              <a:t>13/11/2023</a:t>
             </a:fld>
             <a:endParaRPr lang="en-GB"/>
           </a:p>
@@ -631,7 +634,7 @@
           <a:p>
             <a:fld id="{CAA94819-728F-480F-A909-E4598EC91444}" type="datetimeFigureOut">
               <a:rPr lang="en-GB" smtClean="0"/>
-              <a:t>18/10/2022</a:t>
+              <a:t>13/11/2023</a:t>
             </a:fld>
             <a:endParaRPr lang="en-GB"/>
           </a:p>
@@ -801,7 +804,7 @@
           <a:p>
             <a:fld id="{CAA94819-728F-480F-A909-E4598EC91444}" type="datetimeFigureOut">
               <a:rPr lang="en-GB" smtClean="0"/>
-              <a:t>18/10/2022</a:t>
+              <a:t>13/11/2023</a:t>
             </a:fld>
             <a:endParaRPr lang="en-GB"/>
           </a:p>
@@ -1047,7 +1050,7 @@
           <a:p>
             <a:fld id="{CAA94819-728F-480F-A909-E4598EC91444}" type="datetimeFigureOut">
               <a:rPr lang="en-GB" smtClean="0"/>
-              <a:t>18/10/2022</a:t>
+              <a:t>13/11/2023</a:t>
             </a:fld>
             <a:endParaRPr lang="en-GB"/>
           </a:p>
@@ -1279,7 +1282,7 @@
           <a:p>
             <a:fld id="{CAA94819-728F-480F-A909-E4598EC91444}" type="datetimeFigureOut">
               <a:rPr lang="en-GB" smtClean="0"/>
-              <a:t>18/10/2022</a:t>
+              <a:t>13/11/2023</a:t>
             </a:fld>
             <a:endParaRPr lang="en-GB"/>
           </a:p>
@@ -1646,7 +1649,7 @@
           <a:p>
             <a:fld id="{CAA94819-728F-480F-A909-E4598EC91444}" type="datetimeFigureOut">
               <a:rPr lang="en-GB" smtClean="0"/>
-              <a:t>18/10/2022</a:t>
+              <a:t>13/11/2023</a:t>
             </a:fld>
             <a:endParaRPr lang="en-GB"/>
           </a:p>
@@ -1764,7 +1767,7 @@
           <a:p>
             <a:fld id="{CAA94819-728F-480F-A909-E4598EC91444}" type="datetimeFigureOut">
               <a:rPr lang="en-GB" smtClean="0"/>
-              <a:t>18/10/2022</a:t>
+              <a:t>13/11/2023</a:t>
             </a:fld>
             <a:endParaRPr lang="en-GB"/>
           </a:p>
@@ -1859,7 +1862,7 @@
           <a:p>
             <a:fld id="{CAA94819-728F-480F-A909-E4598EC91444}" type="datetimeFigureOut">
               <a:rPr lang="en-GB" smtClean="0"/>
-              <a:t>18/10/2022</a:t>
+              <a:t>13/11/2023</a:t>
             </a:fld>
             <a:endParaRPr lang="en-GB"/>
           </a:p>
@@ -2136,7 +2139,7 @@
           <a:p>
             <a:fld id="{CAA94819-728F-480F-A909-E4598EC91444}" type="datetimeFigureOut">
               <a:rPr lang="en-GB" smtClean="0"/>
-              <a:t>18/10/2022</a:t>
+              <a:t>13/11/2023</a:t>
             </a:fld>
             <a:endParaRPr lang="en-GB"/>
           </a:p>
@@ -2393,7 +2396,7 @@
           <a:p>
             <a:fld id="{CAA94819-728F-480F-A909-E4598EC91444}" type="datetimeFigureOut">
               <a:rPr lang="en-GB" smtClean="0"/>
-              <a:t>18/10/2022</a:t>
+              <a:t>13/11/2023</a:t>
             </a:fld>
             <a:endParaRPr lang="en-GB"/>
           </a:p>
@@ -2604,7 +2607,7 @@
           <a:p>
             <a:fld id="{CAA94819-728F-480F-A909-E4598EC91444}" type="datetimeFigureOut">
               <a:rPr lang="en-GB" smtClean="0"/>
-              <a:t>18/10/2022</a:t>
+              <a:t>13/11/2023</a:t>
             </a:fld>
             <a:endParaRPr lang="en-GB"/>
           </a:p>
@@ -3159,7 +3162,7 @@
                   </a:schemeClr>
                 </a:solidFill>
               </a:rPr>
-              <a:t>London .NET User Group, October 2022</a:t>
+              <a:t>Build Stuff, November 2023</a:t>
             </a:r>
           </a:p>
         </p:txBody>
@@ -3199,6 +3202,104 @@
           <p:cNvPr id="2" name="Title 1">
             <a:extLst>
               <a:ext uri="{FF2B5EF4-FFF2-40B4-BE49-F238E27FC236}">
+                <a16:creationId xmlns:a16="http://schemas.microsoft.com/office/drawing/2014/main" id="{785C56BE-15F6-5C42-D5C4-4B56BBC6CFCD}"/>
+              </a:ext>
+            </a:extLst>
+          </p:cNvPr>
+          <p:cNvSpPr>
+            <a:spLocks noGrp="1"/>
+          </p:cNvSpPr>
+          <p:nvPr>
+            <p:ph type="title"/>
+          </p:nvPr>
+        </p:nvSpPr>
+        <p:spPr/>
+        <p:txBody>
+          <a:bodyPr/>
+          <a:lstStyle/>
+          <a:p>
+            <a:r>
+              <a:rPr lang="en-GB" dirty="0" err="1"/>
+              <a:t>OpenAPI</a:t>
+            </a:r>
+            <a:r>
+              <a:rPr lang="en-GB" dirty="0"/>
+              <a:t> everywhere else</a:t>
+            </a:r>
+          </a:p>
+        </p:txBody>
+      </p:sp>
+      <p:pic>
+        <p:nvPicPr>
+          <p:cNvPr id="13" name="Picture 12">
+            <a:extLst>
+              <a:ext uri="{FF2B5EF4-FFF2-40B4-BE49-F238E27FC236}">
+                <a16:creationId xmlns:a16="http://schemas.microsoft.com/office/drawing/2014/main" id="{73AA5683-AC1D-BAD9-FD88-4B6942286EDC}"/>
+              </a:ext>
+            </a:extLst>
+          </p:cNvPr>
+          <p:cNvPicPr>
+            <a:picLocks noChangeAspect="1"/>
+          </p:cNvPicPr>
+          <p:nvPr/>
+        </p:nvPicPr>
+        <p:blipFill>
+          <a:blip r:embed="rId2">
+            <a:extLst>
+              <a:ext uri="{28A0092B-C50C-407E-A947-70E740481C1C}">
+                <a14:useLocalDpi xmlns:a14="http://schemas.microsoft.com/office/drawing/2010/main" val="0"/>
+              </a:ext>
+            </a:extLst>
+          </a:blip>
+          <a:stretch>
+            <a:fillRect/>
+          </a:stretch>
+        </p:blipFill>
+        <p:spPr>
+          <a:xfrm>
+            <a:off x="2412675" y="497305"/>
+            <a:ext cx="7366650" cy="6858000"/>
+          </a:xfrm>
+          <a:prstGeom prst="rect">
+            <a:avLst/>
+          </a:prstGeom>
+        </p:spPr>
+      </p:pic>
+    </p:spTree>
+    <p:extLst>
+      <p:ext uri="{BB962C8B-B14F-4D97-AF65-F5344CB8AC3E}">
+        <p14:creationId xmlns:p14="http://schemas.microsoft.com/office/powerpoint/2010/main" val="4175986621"/>
+      </p:ext>
+    </p:extLst>
+  </p:cSld>
+  <p:clrMapOvr>
+    <a:masterClrMapping/>
+  </p:clrMapOvr>
+</p:sld>
+</file>
+
+<file path=ppt/slides/slide11.xml><?xml version="1.0" encoding="utf-8"?>
+<p:sld xmlns:a="http://schemas.openxmlformats.org/drawingml/2006/main" xmlns:r="http://schemas.openxmlformats.org/officeDocument/2006/relationships" xmlns:p="http://schemas.openxmlformats.org/presentationml/2006/main">
+  <p:cSld>
+    <p:spTree>
+      <p:nvGrpSpPr>
+        <p:cNvPr id="1" name=""/>
+        <p:cNvGrpSpPr/>
+        <p:nvPr/>
+      </p:nvGrpSpPr>
+      <p:grpSpPr>
+        <a:xfrm>
+          <a:off x="0" y="0"/>
+          <a:ext cx="0" cy="0"/>
+          <a:chOff x="0" y="0"/>
+          <a:chExt cx="0" cy="0"/>
+        </a:xfrm>
+      </p:grpSpPr>
+      <p:sp>
+        <p:nvSpPr>
+          <p:cNvPr id="2" name="Title 1">
+            <a:extLst>
+              <a:ext uri="{FF2B5EF4-FFF2-40B4-BE49-F238E27FC236}">
                 <a16:creationId xmlns:a16="http://schemas.microsoft.com/office/drawing/2014/main" id="{1E6DACB7-3D64-324C-270F-00FA71175250}"/>
               </a:ext>
             </a:extLst>
@@ -3289,7 +3390,7 @@
 </p:sld>
 </file>
 
-<file path=ppt/slides/slide11.xml><?xml version="1.0" encoding="utf-8"?>
+<file path=ppt/slides/slide12.xml><?xml version="1.0" encoding="utf-8"?>
 <p:sld xmlns:a="http://schemas.openxmlformats.org/drawingml/2006/main" xmlns:r="http://schemas.openxmlformats.org/officeDocument/2006/relationships" xmlns:p="http://schemas.openxmlformats.org/presentationml/2006/main">
   <p:cSld>
     <p:spTree>
@@ -3366,7 +3467,7 @@
 </p:sld>
 </file>
 
-<file path=ppt/slides/slide12.xml><?xml version="1.0" encoding="utf-8"?>
+<file path=ppt/slides/slide13.xml><?xml version="1.0" encoding="utf-8"?>
 <p:sld xmlns:a="http://schemas.openxmlformats.org/drawingml/2006/main" xmlns:r="http://schemas.openxmlformats.org/officeDocument/2006/relationships" xmlns:p="http://schemas.openxmlformats.org/presentationml/2006/main">
   <p:cSld>
     <p:bg>
@@ -3451,7 +3552,7 @@
 </p:sld>
 </file>
 
-<file path=ppt/slides/slide13.xml><?xml version="1.0" encoding="utf-8"?>
+<file path=ppt/slides/slide14.xml><?xml version="1.0" encoding="utf-8"?>
 <p:sld xmlns:a="http://schemas.openxmlformats.org/drawingml/2006/main" xmlns:r="http://schemas.openxmlformats.org/officeDocument/2006/relationships" xmlns:p="http://schemas.openxmlformats.org/presentationml/2006/main">
   <p:cSld>
     <p:spTree>
@@ -4060,7 +4161,7 @@
 </p:sld>
 </file>
 
-<file path=ppt/slides/slide14.xml><?xml version="1.0" encoding="utf-8"?>
+<file path=ppt/slides/slide15.xml><?xml version="1.0" encoding="utf-8"?>
 <p:sld xmlns:a="http://schemas.openxmlformats.org/drawingml/2006/main" xmlns:r="http://schemas.openxmlformats.org/officeDocument/2006/relationships" xmlns:p="http://schemas.openxmlformats.org/presentationml/2006/main">
   <p:cSld>
     <p:spTree>
@@ -4105,113 +4206,47 @@
         </p:blipFill>
         <p:spPr>
           <a:xfrm>
-            <a:off x="503548" y="0"/>
-            <a:ext cx="11184903" cy="6858000"/>
+            <a:off x="1491640" y="1211692"/>
+            <a:ext cx="9208721" cy="5646308"/>
           </a:xfrm>
           <a:prstGeom prst="rect">
             <a:avLst/>
           </a:prstGeom>
         </p:spPr>
       </p:pic>
+      <p:sp>
+        <p:nvSpPr>
+          <p:cNvPr id="2" name="Title 1">
+            <a:extLst>
+              <a:ext uri="{FF2B5EF4-FFF2-40B4-BE49-F238E27FC236}">
+                <a16:creationId xmlns:a16="http://schemas.microsoft.com/office/drawing/2014/main" id="{F293B459-C3C8-EB4E-14CF-176E421AD8DE}"/>
+              </a:ext>
+            </a:extLst>
+          </p:cNvPr>
+          <p:cNvSpPr>
+            <a:spLocks noGrp="1"/>
+          </p:cNvSpPr>
+          <p:nvPr>
+            <p:ph type="title"/>
+          </p:nvPr>
+        </p:nvSpPr>
+        <p:spPr/>
+        <p:txBody>
+          <a:bodyPr/>
+          <a:lstStyle/>
+          <a:p>
+            <a:r>
+              <a:rPr lang="en-US" dirty="0" err="1"/>
+              <a:t>Protobuf</a:t>
+            </a:r>
+            <a:endParaRPr lang="en-GB" dirty="0"/>
+          </a:p>
+        </p:txBody>
+      </p:sp>
     </p:spTree>
     <p:extLst>
       <p:ext uri="{BB962C8B-B14F-4D97-AF65-F5344CB8AC3E}">
         <p14:creationId xmlns:p14="http://schemas.microsoft.com/office/powerpoint/2010/main" val="1426716891"/>
-      </p:ext>
-    </p:extLst>
-  </p:cSld>
-  <p:clrMapOvr>
-    <a:masterClrMapping/>
-  </p:clrMapOvr>
-</p:sld>
-</file>
-
-<file path=ppt/slides/slide15.xml><?xml version="1.0" encoding="utf-8"?>
-<p:sld xmlns:a="http://schemas.openxmlformats.org/drawingml/2006/main" xmlns:r="http://schemas.openxmlformats.org/officeDocument/2006/relationships" xmlns:p="http://schemas.openxmlformats.org/presentationml/2006/main">
-  <p:cSld>
-    <p:spTree>
-      <p:nvGrpSpPr>
-        <p:cNvPr id="1" name=""/>
-        <p:cNvGrpSpPr/>
-        <p:nvPr/>
-      </p:nvGrpSpPr>
-      <p:grpSpPr>
-        <a:xfrm>
-          <a:off x="0" y="0"/>
-          <a:ext cx="0" cy="0"/>
-          <a:chOff x="0" y="0"/>
-          <a:chExt cx="0" cy="0"/>
-        </a:xfrm>
-      </p:grpSpPr>
-      <p:sp>
-        <p:nvSpPr>
-          <p:cNvPr id="2" name="Title 1">
-            <a:extLst>
-              <a:ext uri="{FF2B5EF4-FFF2-40B4-BE49-F238E27FC236}">
-                <a16:creationId xmlns:a16="http://schemas.microsoft.com/office/drawing/2014/main" id="{785C56BE-15F6-5C42-D5C4-4B56BBC6CFCD}"/>
-              </a:ext>
-            </a:extLst>
-          </p:cNvPr>
-          <p:cNvSpPr>
-            <a:spLocks noGrp="1"/>
-          </p:cNvSpPr>
-          <p:nvPr>
-            <p:ph type="title"/>
-          </p:nvPr>
-        </p:nvSpPr>
-        <p:spPr/>
-        <p:txBody>
-          <a:bodyPr/>
-          <a:lstStyle/>
-          <a:p>
-            <a:r>
-              <a:rPr lang="en-GB" dirty="0" err="1"/>
-              <a:t>OpenAPI</a:t>
-            </a:r>
-            <a:endParaRPr lang="en-GB" dirty="0"/>
-          </a:p>
-        </p:txBody>
-      </p:sp>
-      <p:pic>
-        <p:nvPicPr>
-          <p:cNvPr id="13" name="Picture 12">
-            <a:extLst>
-              <a:ext uri="{FF2B5EF4-FFF2-40B4-BE49-F238E27FC236}">
-                <a16:creationId xmlns:a16="http://schemas.microsoft.com/office/drawing/2014/main" id="{73AA5683-AC1D-BAD9-FD88-4B6942286EDC}"/>
-              </a:ext>
-            </a:extLst>
-          </p:cNvPr>
-          <p:cNvPicPr>
-            <a:picLocks noChangeAspect="1"/>
-          </p:cNvPicPr>
-          <p:nvPr/>
-        </p:nvPicPr>
-        <p:blipFill>
-          <a:blip r:embed="rId2">
-            <a:extLst>
-              <a:ext uri="{28A0092B-C50C-407E-A947-70E740481C1C}">
-                <a14:useLocalDpi xmlns:a14="http://schemas.microsoft.com/office/drawing/2010/main" val="0"/>
-              </a:ext>
-            </a:extLst>
-          </a:blip>
-          <a:stretch>
-            <a:fillRect/>
-          </a:stretch>
-        </p:blipFill>
-        <p:spPr>
-          <a:xfrm>
-            <a:off x="2412675" y="497305"/>
-            <a:ext cx="7366650" cy="6858000"/>
-          </a:xfrm>
-          <a:prstGeom prst="rect">
-            <a:avLst/>
-          </a:prstGeom>
-        </p:spPr>
-      </p:pic>
-    </p:spTree>
-    <p:extLst>
-      <p:ext uri="{BB962C8B-B14F-4D97-AF65-F5344CB8AC3E}">
-        <p14:creationId xmlns:p14="http://schemas.microsoft.com/office/powerpoint/2010/main" val="2429589205"/>
       </p:ext>
     </p:extLst>
   </p:cSld>
@@ -4243,6 +4278,101 @@
           <p:cNvPr id="2" name="Title 1">
             <a:extLst>
               <a:ext uri="{FF2B5EF4-FFF2-40B4-BE49-F238E27FC236}">
+                <a16:creationId xmlns:a16="http://schemas.microsoft.com/office/drawing/2014/main" id="{785C56BE-15F6-5C42-D5C4-4B56BBC6CFCD}"/>
+              </a:ext>
+            </a:extLst>
+          </p:cNvPr>
+          <p:cNvSpPr>
+            <a:spLocks noGrp="1"/>
+          </p:cNvSpPr>
+          <p:nvPr>
+            <p:ph type="title"/>
+          </p:nvPr>
+        </p:nvSpPr>
+        <p:spPr/>
+        <p:txBody>
+          <a:bodyPr/>
+          <a:lstStyle/>
+          <a:p>
+            <a:r>
+              <a:rPr lang="en-GB" dirty="0" err="1"/>
+              <a:t>OpenAPI</a:t>
+            </a:r>
+            <a:endParaRPr lang="en-GB" dirty="0"/>
+          </a:p>
+        </p:txBody>
+      </p:sp>
+      <p:pic>
+        <p:nvPicPr>
+          <p:cNvPr id="13" name="Picture 12">
+            <a:extLst>
+              <a:ext uri="{FF2B5EF4-FFF2-40B4-BE49-F238E27FC236}">
+                <a16:creationId xmlns:a16="http://schemas.microsoft.com/office/drawing/2014/main" id="{73AA5683-AC1D-BAD9-FD88-4B6942286EDC}"/>
+              </a:ext>
+            </a:extLst>
+          </p:cNvPr>
+          <p:cNvPicPr>
+            <a:picLocks noChangeAspect="1"/>
+          </p:cNvPicPr>
+          <p:nvPr/>
+        </p:nvPicPr>
+        <p:blipFill>
+          <a:blip r:embed="rId2">
+            <a:extLst>
+              <a:ext uri="{28A0092B-C50C-407E-A947-70E740481C1C}">
+                <a14:useLocalDpi xmlns:a14="http://schemas.microsoft.com/office/drawing/2010/main" val="0"/>
+              </a:ext>
+            </a:extLst>
+          </a:blip>
+          <a:stretch>
+            <a:fillRect/>
+          </a:stretch>
+        </p:blipFill>
+        <p:spPr>
+          <a:xfrm>
+            <a:off x="2645014" y="929897"/>
+            <a:ext cx="6901972" cy="6425407"/>
+          </a:xfrm>
+          <a:prstGeom prst="rect">
+            <a:avLst/>
+          </a:prstGeom>
+        </p:spPr>
+      </p:pic>
+    </p:spTree>
+    <p:extLst>
+      <p:ext uri="{BB962C8B-B14F-4D97-AF65-F5344CB8AC3E}">
+        <p14:creationId xmlns:p14="http://schemas.microsoft.com/office/powerpoint/2010/main" val="2429589205"/>
+      </p:ext>
+    </p:extLst>
+  </p:cSld>
+  <p:clrMapOvr>
+    <a:masterClrMapping/>
+  </p:clrMapOvr>
+</p:sld>
+</file>
+
+<file path=ppt/slides/slide17.xml><?xml version="1.0" encoding="utf-8"?>
+<p:sld xmlns:a="http://schemas.openxmlformats.org/drawingml/2006/main" xmlns:r="http://schemas.openxmlformats.org/officeDocument/2006/relationships" xmlns:p="http://schemas.openxmlformats.org/presentationml/2006/main">
+  <p:cSld>
+    <p:spTree>
+      <p:nvGrpSpPr>
+        <p:cNvPr id="1" name=""/>
+        <p:cNvGrpSpPr/>
+        <p:nvPr/>
+      </p:nvGrpSpPr>
+      <p:grpSpPr>
+        <a:xfrm>
+          <a:off x="0" y="0"/>
+          <a:ext cx="0" cy="0"/>
+          <a:chOff x="0" y="0"/>
+          <a:chExt cx="0" cy="0"/>
+        </a:xfrm>
+      </p:grpSpPr>
+      <p:sp>
+        <p:nvSpPr>
+          <p:cNvPr id="2" name="Title 1">
+            <a:extLst>
+              <a:ext uri="{FF2B5EF4-FFF2-40B4-BE49-F238E27FC236}">
                 <a16:creationId xmlns:a16="http://schemas.microsoft.com/office/drawing/2014/main" id="{4EF03EDA-FD97-7B63-8C42-0AC11307F9C0}"/>
               </a:ext>
             </a:extLst>
@@ -4304,7 +4434,7 @@
 </p:sld>
 </file>
 
-<file path=ppt/slides/slide17.xml><?xml version="1.0" encoding="utf-8"?>
+<file path=ppt/slides/slide18.xml><?xml version="1.0" encoding="utf-8"?>
 <p:sld xmlns:a="http://schemas.openxmlformats.org/drawingml/2006/main" xmlns:r="http://schemas.openxmlformats.org/officeDocument/2006/relationships" xmlns:p="http://schemas.openxmlformats.org/presentationml/2006/main">
   <p:cSld>
     <p:spTree>
@@ -4370,89 +4500,6 @@
 </p:sld>
 </file>
 
-<file path=ppt/slides/slide18.xml><?xml version="1.0" encoding="utf-8"?>
-<p:sld xmlns:a="http://schemas.openxmlformats.org/drawingml/2006/main" xmlns:r="http://schemas.openxmlformats.org/officeDocument/2006/relationships" xmlns:p="http://schemas.openxmlformats.org/presentationml/2006/main">
-  <p:cSld>
-    <p:spTree>
-      <p:nvGrpSpPr>
-        <p:cNvPr id="1" name=""/>
-        <p:cNvGrpSpPr/>
-        <p:nvPr/>
-      </p:nvGrpSpPr>
-      <p:grpSpPr>
-        <a:xfrm>
-          <a:off x="0" y="0"/>
-          <a:ext cx="0" cy="0"/>
-          <a:chOff x="0" y="0"/>
-          <a:chExt cx="0" cy="0"/>
-        </a:xfrm>
-      </p:grpSpPr>
-      <p:sp>
-        <p:nvSpPr>
-          <p:cNvPr id="2" name="Title 1">
-            <a:extLst>
-              <a:ext uri="{FF2B5EF4-FFF2-40B4-BE49-F238E27FC236}">
-                <a16:creationId xmlns:a16="http://schemas.microsoft.com/office/drawing/2014/main" id="{74E7A29E-F7CB-8F90-FB6C-97500FBD8504}"/>
-              </a:ext>
-            </a:extLst>
-          </p:cNvPr>
-          <p:cNvSpPr>
-            <a:spLocks noGrp="1"/>
-          </p:cNvSpPr>
-          <p:nvPr>
-            <p:ph type="title"/>
-          </p:nvPr>
-        </p:nvSpPr>
-        <p:spPr/>
-        <p:txBody>
-          <a:bodyPr/>
-          <a:lstStyle/>
-          <a:p>
-            <a:r>
-              <a:rPr lang="en-GB" dirty="0"/>
-              <a:t>Responses</a:t>
-            </a:r>
-          </a:p>
-        </p:txBody>
-      </p:sp>
-      <p:sp>
-        <p:nvSpPr>
-          <p:cNvPr id="3" name="Text Placeholder 2">
-            <a:extLst>
-              <a:ext uri="{FF2B5EF4-FFF2-40B4-BE49-F238E27FC236}">
-                <a16:creationId xmlns:a16="http://schemas.microsoft.com/office/drawing/2014/main" id="{DE9F0BB5-4BC2-DB44-7F24-D05A668584E1}"/>
-              </a:ext>
-            </a:extLst>
-          </p:cNvPr>
-          <p:cNvSpPr>
-            <a:spLocks noGrp="1"/>
-          </p:cNvSpPr>
-          <p:nvPr>
-            <p:ph type="body" idx="1"/>
-          </p:nvPr>
-        </p:nvSpPr>
-        <p:spPr/>
-        <p:txBody>
-          <a:bodyPr/>
-          <a:lstStyle/>
-          <a:p>
-            <a:endParaRPr lang="en-GB"/>
-          </a:p>
-        </p:txBody>
-      </p:sp>
-    </p:spTree>
-    <p:extLst>
-      <p:ext uri="{BB962C8B-B14F-4D97-AF65-F5344CB8AC3E}">
-        <p14:creationId xmlns:p14="http://schemas.microsoft.com/office/powerpoint/2010/main" val="4142005799"/>
-      </p:ext>
-    </p:extLst>
-  </p:cSld>
-  <p:clrMapOvr>
-    <a:masterClrMapping/>
-  </p:clrMapOvr>
-</p:sld>
-</file>
-
 <file path=ppt/slides/slide19.xml><?xml version="1.0" encoding="utf-8"?>
 <p:sld xmlns:a="http://schemas.openxmlformats.org/drawingml/2006/main" xmlns:r="http://schemas.openxmlformats.org/officeDocument/2006/relationships" xmlns:p="http://schemas.openxmlformats.org/presentationml/2006/main">
   <p:cSld>
@@ -4470,46 +4517,63 @@
           <a:chExt cx="0" cy="0"/>
         </a:xfrm>
       </p:grpSpPr>
-      <p:pic>
-        <p:nvPicPr>
-          <p:cNvPr id="3" name="Picture 2">
+      <p:sp>
+        <p:nvSpPr>
+          <p:cNvPr id="2" name="Title 1">
             <a:extLst>
               <a:ext uri="{FF2B5EF4-FFF2-40B4-BE49-F238E27FC236}">
-                <a16:creationId xmlns:a16="http://schemas.microsoft.com/office/drawing/2014/main" id="{29A5000D-954B-BB73-21C5-D7B483BAA07B}"/>
+                <a16:creationId xmlns:a16="http://schemas.microsoft.com/office/drawing/2014/main" id="{74E7A29E-F7CB-8F90-FB6C-97500FBD8504}"/>
               </a:ext>
             </a:extLst>
           </p:cNvPr>
-          <p:cNvPicPr>
-            <a:picLocks noChangeAspect="1"/>
-          </p:cNvPicPr>
-          <p:nvPr/>
-        </p:nvPicPr>
-        <p:blipFill>
-          <a:blip r:embed="rId2">
-            <a:extLst>
-              <a:ext uri="{28A0092B-C50C-407E-A947-70E740481C1C}">
-                <a14:useLocalDpi xmlns:a14="http://schemas.microsoft.com/office/drawing/2010/main" val="0"/>
-              </a:ext>
-            </a:extLst>
-          </a:blip>
-          <a:stretch>
-            <a:fillRect/>
-          </a:stretch>
-        </p:blipFill>
-        <p:spPr>
-          <a:xfrm>
-            <a:off x="593008" y="0"/>
-            <a:ext cx="11005984" cy="6858000"/>
-          </a:xfrm>
-          <a:prstGeom prst="rect">
-            <a:avLst/>
-          </a:prstGeom>
-        </p:spPr>
-      </p:pic>
+          <p:cNvSpPr>
+            <a:spLocks noGrp="1"/>
+          </p:cNvSpPr>
+          <p:nvPr>
+            <p:ph type="title"/>
+          </p:nvPr>
+        </p:nvSpPr>
+        <p:spPr/>
+        <p:txBody>
+          <a:bodyPr/>
+          <a:lstStyle/>
+          <a:p>
+            <a:r>
+              <a:rPr lang="en-GB" dirty="0"/>
+              <a:t>Responses</a:t>
+            </a:r>
+          </a:p>
+        </p:txBody>
+      </p:sp>
+      <p:sp>
+        <p:nvSpPr>
+          <p:cNvPr id="3" name="Text Placeholder 2">
+            <a:extLst>
+              <a:ext uri="{FF2B5EF4-FFF2-40B4-BE49-F238E27FC236}">
+                <a16:creationId xmlns:a16="http://schemas.microsoft.com/office/drawing/2014/main" id="{DE9F0BB5-4BC2-DB44-7F24-D05A668584E1}"/>
+              </a:ext>
+            </a:extLst>
+          </p:cNvPr>
+          <p:cNvSpPr>
+            <a:spLocks noGrp="1"/>
+          </p:cNvSpPr>
+          <p:nvPr>
+            <p:ph type="body" idx="1"/>
+          </p:nvPr>
+        </p:nvSpPr>
+        <p:spPr/>
+        <p:txBody>
+          <a:bodyPr/>
+          <a:lstStyle/>
+          <a:p>
+            <a:endParaRPr lang="en-GB"/>
+          </a:p>
+        </p:txBody>
+      </p:sp>
     </p:spTree>
     <p:extLst>
       <p:ext uri="{BB962C8B-B14F-4D97-AF65-F5344CB8AC3E}">
-        <p14:creationId xmlns:p14="http://schemas.microsoft.com/office/powerpoint/2010/main" val="2310607970"/>
+        <p14:creationId xmlns:p14="http://schemas.microsoft.com/office/powerpoint/2010/main" val="4142005799"/>
       </p:ext>
     </p:extLst>
   </p:cSld>
@@ -4541,7 +4605,7 @@
           <p:cNvPr id="2" name="Title 1">
             <a:extLst>
               <a:ext uri="{FF2B5EF4-FFF2-40B4-BE49-F238E27FC236}">
-                <a16:creationId xmlns:a16="http://schemas.microsoft.com/office/drawing/2014/main" id="{30132621-450E-6E79-9289-3B1EF279CECD}"/>
+                <a16:creationId xmlns:a16="http://schemas.microsoft.com/office/drawing/2014/main" id="{524A0C4C-FC1A-9078-D9E0-7BF68960DBBD}"/>
               </a:ext>
             </a:extLst>
           </p:cNvPr>
@@ -4558,18 +4622,33 @@
           <a:lstStyle/>
           <a:p>
             <a:r>
-              <a:rPr lang="en-GB" dirty="0"/>
-              <a:t>So what is it?</a:t>
-            </a:r>
-          </a:p>
-        </p:txBody>
-      </p:sp>
-      <p:sp>
-        <p:nvSpPr>
-          <p:cNvPr id="3" name="Text Placeholder 2">
+              <a:rPr lang="en-US" dirty="0">
+                <a:solidFill>
+                  <a:schemeClr val="accent1">
+                    <a:lumMod val="60000"/>
+                    <a:lumOff val="40000"/>
+                  </a:schemeClr>
+                </a:solidFill>
+              </a:rPr>
+              <a:t>www.rendlelabs.com</a:t>
+            </a:r>
+            <a:endParaRPr lang="en-GB" dirty="0">
+              <a:solidFill>
+                <a:schemeClr val="accent1">
+                  <a:lumMod val="60000"/>
+                  <a:lumOff val="40000"/>
+                </a:schemeClr>
+              </a:solidFill>
+            </a:endParaRPr>
+          </a:p>
+        </p:txBody>
+      </p:sp>
+      <p:sp>
+        <p:nvSpPr>
+          <p:cNvPr id="3" name="Content Placeholder 2">
             <a:extLst>
               <a:ext uri="{FF2B5EF4-FFF2-40B4-BE49-F238E27FC236}">
-                <a16:creationId xmlns:a16="http://schemas.microsoft.com/office/drawing/2014/main" id="{3443668D-AE90-210F-6B9D-A7DE5FD63A16}"/>
+                <a16:creationId xmlns:a16="http://schemas.microsoft.com/office/drawing/2014/main" id="{2CE91DA0-7CC4-548B-0944-D80424E9DE87}"/>
               </a:ext>
             </a:extLst>
           </p:cNvPr>
@@ -4577,22 +4656,80 @@
             <a:spLocks noGrp="1"/>
           </p:cNvSpPr>
           <p:nvPr>
-            <p:ph type="body" idx="1"/>
-          </p:nvPr>
-        </p:nvSpPr>
-        <p:spPr/>
-        <p:txBody>
-          <a:bodyPr/>
-          <a:lstStyle/>
-          <a:p>
-            <a:endParaRPr lang="en-GB"/>
+            <p:ph idx="1"/>
+          </p:nvPr>
+        </p:nvSpPr>
+        <p:spPr/>
+        <p:txBody>
+          <a:bodyPr/>
+          <a:lstStyle/>
+          <a:p>
+            <a:pPr marL="0" indent="0">
+              <a:lnSpc>
+                <a:spcPct val="150000"/>
+              </a:lnSpc>
+              <a:buNone/>
+            </a:pPr>
+            <a:r>
+              <a:rPr lang="en-US" dirty="0"/>
+              <a:t>WORKSHOPS</a:t>
+            </a:r>
+          </a:p>
+          <a:p>
+            <a:pPr marL="0" indent="0">
+              <a:lnSpc>
+                <a:spcPct val="150000"/>
+              </a:lnSpc>
+              <a:buNone/>
+            </a:pPr>
+            <a:r>
+              <a:rPr lang="en-US" dirty="0"/>
+              <a:t>High Performance .NET</a:t>
+            </a:r>
+          </a:p>
+          <a:p>
+            <a:pPr marL="0" indent="0">
+              <a:lnSpc>
+                <a:spcPct val="150000"/>
+              </a:lnSpc>
+              <a:buNone/>
+            </a:pPr>
+            <a:r>
+              <a:rPr lang="en-US" dirty="0"/>
+              <a:t>Modern APIs in ASP.NET Core</a:t>
+            </a:r>
+          </a:p>
+          <a:p>
+            <a:pPr marL="0" indent="0">
+              <a:lnSpc>
+                <a:spcPct val="150000"/>
+              </a:lnSpc>
+              <a:buNone/>
+            </a:pPr>
+            <a:r>
+              <a:rPr lang="en-US" dirty="0"/>
+              <a:t>gRPC in ASP.NET Core</a:t>
+            </a:r>
+          </a:p>
+          <a:p>
+            <a:pPr marL="0" indent="0">
+              <a:lnSpc>
+                <a:spcPct val="150000"/>
+              </a:lnSpc>
+              <a:buNone/>
+            </a:pPr>
+            <a:r>
+              <a:rPr lang="en-US" dirty="0"/>
+              <a:t>Effective .NET Migration</a:t>
+            </a:r>
+            <a:endParaRPr lang="en-GB" dirty="0"/>
           </a:p>
         </p:txBody>
       </p:sp>
     </p:spTree>
     <p:extLst>
       <p:ext uri="{BB962C8B-B14F-4D97-AF65-F5344CB8AC3E}">
-        <p14:creationId xmlns:p14="http://schemas.microsoft.com/office/powerpoint/2010/main" val="979219188"/>
+        <p14:creationId xmlns:p14="http://schemas.microsoft.com/office/powerpoint/2010/main" val="2955664230"/>
       </p:ext>
     </p:extLst>
   </p:cSld>
@@ -4619,63 +4756,46 @@
           <a:chExt cx="0" cy="0"/>
         </a:xfrm>
       </p:grpSpPr>
-      <p:sp>
-        <p:nvSpPr>
-          <p:cNvPr id="2" name="Title 1">
+      <p:pic>
+        <p:nvPicPr>
+          <p:cNvPr id="3" name="Picture 2">
             <a:extLst>
               <a:ext uri="{FF2B5EF4-FFF2-40B4-BE49-F238E27FC236}">
-                <a16:creationId xmlns:a16="http://schemas.microsoft.com/office/drawing/2014/main" id="{D48ADE9E-B372-15DD-6575-2D8513B5C72A}"/>
+                <a16:creationId xmlns:a16="http://schemas.microsoft.com/office/drawing/2014/main" id="{A31B2884-4ED8-201A-D2EB-02390A12C3C5}"/>
               </a:ext>
             </a:extLst>
           </p:cNvPr>
-          <p:cNvSpPr>
-            <a:spLocks noGrp="1"/>
-          </p:cNvSpPr>
-          <p:nvPr>
-            <p:ph type="title"/>
-          </p:nvPr>
-        </p:nvSpPr>
-        <p:spPr/>
-        <p:txBody>
-          <a:bodyPr/>
-          <a:lstStyle/>
-          <a:p>
-            <a:r>
-              <a:rPr lang="en-GB" dirty="0"/>
-              <a:t>Schema</a:t>
-            </a:r>
-          </a:p>
-        </p:txBody>
-      </p:sp>
-      <p:sp>
-        <p:nvSpPr>
-          <p:cNvPr id="3" name="Text Placeholder 2">
-            <a:extLst>
-              <a:ext uri="{FF2B5EF4-FFF2-40B4-BE49-F238E27FC236}">
-                <a16:creationId xmlns:a16="http://schemas.microsoft.com/office/drawing/2014/main" id="{DEC9FBC6-62F4-A687-6D82-04219F030EEF}"/>
-              </a:ext>
-            </a:extLst>
-          </p:cNvPr>
-          <p:cNvSpPr>
-            <a:spLocks noGrp="1"/>
-          </p:cNvSpPr>
-          <p:nvPr>
-            <p:ph type="body" idx="1"/>
-          </p:nvPr>
-        </p:nvSpPr>
-        <p:spPr/>
-        <p:txBody>
-          <a:bodyPr/>
-          <a:lstStyle/>
-          <a:p>
-            <a:endParaRPr lang="en-GB"/>
-          </a:p>
-        </p:txBody>
-      </p:sp>
+          <p:cNvPicPr>
+            <a:picLocks noChangeAspect="1"/>
+          </p:cNvPicPr>
+          <p:nvPr/>
+        </p:nvPicPr>
+        <p:blipFill>
+          <a:blip r:embed="rId2">
+            <a:extLst>
+              <a:ext uri="{28A0092B-C50C-407E-A947-70E740481C1C}">
+                <a14:useLocalDpi xmlns:a14="http://schemas.microsoft.com/office/drawing/2010/main" val="0"/>
+              </a:ext>
+            </a:extLst>
+          </a:blip>
+          <a:stretch>
+            <a:fillRect/>
+          </a:stretch>
+        </p:blipFill>
+        <p:spPr>
+          <a:xfrm>
+            <a:off x="3288591" y="0"/>
+            <a:ext cx="5614817" cy="6858000"/>
+          </a:xfrm>
+          <a:prstGeom prst="rect">
+            <a:avLst/>
+          </a:prstGeom>
+        </p:spPr>
+      </p:pic>
     </p:spTree>
     <p:extLst>
       <p:ext uri="{BB962C8B-B14F-4D97-AF65-F5344CB8AC3E}">
-        <p14:creationId xmlns:p14="http://schemas.microsoft.com/office/powerpoint/2010/main" val="1721395135"/>
+        <p14:creationId xmlns:p14="http://schemas.microsoft.com/office/powerpoint/2010/main" val="218749938"/>
       </p:ext>
     </p:extLst>
   </p:cSld>
@@ -4707,7 +4827,7 @@
           <p:cNvPr id="3" name="Picture 2">
             <a:extLst>
               <a:ext uri="{FF2B5EF4-FFF2-40B4-BE49-F238E27FC236}">
-                <a16:creationId xmlns:a16="http://schemas.microsoft.com/office/drawing/2014/main" id="{A31B2884-4ED8-201A-D2EB-02390A12C3C5}"/>
+                <a16:creationId xmlns:a16="http://schemas.microsoft.com/office/drawing/2014/main" id="{29A5000D-954B-BB73-21C5-D7B483BAA07B}"/>
               </a:ext>
             </a:extLst>
           </p:cNvPr>
@@ -4730,8 +4850,8 @@
         </p:blipFill>
         <p:spPr>
           <a:xfrm>
-            <a:off x="3288591" y="0"/>
-            <a:ext cx="5614817" cy="6858000"/>
+            <a:off x="593008" y="0"/>
+            <a:ext cx="11005984" cy="6858000"/>
           </a:xfrm>
           <a:prstGeom prst="rect">
             <a:avLst/>
@@ -4741,7 +4861,7 @@
     </p:spTree>
     <p:extLst>
       <p:ext uri="{BB962C8B-B14F-4D97-AF65-F5344CB8AC3E}">
-        <p14:creationId xmlns:p14="http://schemas.microsoft.com/office/powerpoint/2010/main" val="218749938"/>
+        <p14:creationId xmlns:p14="http://schemas.microsoft.com/office/powerpoint/2010/main" val="2310607970"/>
       </p:ext>
     </p:extLst>
   </p:cSld>
@@ -5445,7 +5565,7 @@
           <p:cNvPr id="2" name="Title 1">
             <a:extLst>
               <a:ext uri="{FF2B5EF4-FFF2-40B4-BE49-F238E27FC236}">
-                <a16:creationId xmlns:a16="http://schemas.microsoft.com/office/drawing/2014/main" id="{30132621-450E-6E79-9289-3B1EF279CECD}"/>
+                <a16:creationId xmlns:a16="http://schemas.microsoft.com/office/drawing/2014/main" id="{5EA775F5-B46F-E879-4F98-7A997EBB5503}"/>
               </a:ext>
             </a:extLst>
           </p:cNvPr>
@@ -5453,27 +5573,40 @@
             <a:spLocks noGrp="1"/>
           </p:cNvSpPr>
           <p:nvPr>
-            <p:ph type="title"/>
-          </p:nvPr>
-        </p:nvSpPr>
-        <p:spPr/>
-        <p:txBody>
-          <a:bodyPr/>
-          <a:lstStyle/>
-          <a:p>
+            <p:ph type="ctrTitle"/>
+          </p:nvPr>
+        </p:nvSpPr>
+        <p:spPr/>
+        <p:txBody>
+          <a:bodyPr>
+            <a:normAutofit fontScale="90000"/>
+          </a:bodyPr>
+          <a:lstStyle/>
+          <a:p>
+            <a:r>
+              <a:rPr lang="en-GB" dirty="0" err="1"/>
+              <a:t>OpenAPI</a:t>
+            </a:r>
             <a:r>
               <a:rPr lang="en-GB" dirty="0"/>
-              <a:t>So what is it?</a:t>
-            </a:r>
-          </a:p>
-        </p:txBody>
-      </p:sp>
-      <p:sp>
-        <p:nvSpPr>
-          <p:cNvPr id="3" name="Text Placeholder 2">
+              <a:t>:</a:t>
+            </a:r>
+            <a:br>
+              <a:rPr lang="en-GB" dirty="0"/>
+            </a:br>
+            <a:r>
+              <a:rPr lang="en-GB" dirty="0"/>
+              <a:t>You're Doing It Wrong</a:t>
+            </a:r>
+          </a:p>
+        </p:txBody>
+      </p:sp>
+      <p:sp>
+        <p:nvSpPr>
+          <p:cNvPr id="3" name="Subtitle 2">
             <a:extLst>
               <a:ext uri="{FF2B5EF4-FFF2-40B4-BE49-F238E27FC236}">
-                <a16:creationId xmlns:a16="http://schemas.microsoft.com/office/drawing/2014/main" id="{3443668D-AE90-210F-6B9D-A7DE5FD63A16}"/>
+                <a16:creationId xmlns:a16="http://schemas.microsoft.com/office/drawing/2014/main" id="{6DB961EC-142C-AE87-B8E2-9CE37A742C14}"/>
               </a:ext>
             </a:extLst>
           </p:cNvPr>
@@ -5481,52 +5614,63 @@
             <a:spLocks noGrp="1"/>
           </p:cNvSpPr>
           <p:nvPr>
-            <p:ph type="body" idx="1"/>
-          </p:nvPr>
-        </p:nvSpPr>
-        <p:spPr/>
-        <p:txBody>
-          <a:bodyPr/>
-          <a:lstStyle/>
-          <a:p>
-            <a:r>
-              <a:rPr lang="en-GB" b="0" i="0" dirty="0">
-                <a:solidFill>
-                  <a:schemeClr val="tx1">
-                    <a:lumMod val="75000"/>
-                  </a:schemeClr>
-                </a:solidFill>
-                <a:effectLst/>
-              </a:rPr>
-              <a:t>I've never seen one before, no one has,</a:t>
-            </a:r>
-          </a:p>
-          <a:p>
-            <a:r>
-              <a:rPr lang="en-GB" b="0" i="0" dirty="0">
-                <a:solidFill>
-                  <a:schemeClr val="tx1">
-                    <a:lumMod val="75000"/>
-                  </a:schemeClr>
-                </a:solidFill>
-                <a:effectLst/>
-              </a:rPr>
-              <a:t>but I'm guessing it's a white hole.</a:t>
-            </a:r>
+            <p:ph type="subTitle" idx="1"/>
+          </p:nvPr>
+        </p:nvSpPr>
+        <p:spPr/>
+        <p:txBody>
+          <a:bodyPr>
+            <a:normAutofit lnSpcReduction="10000"/>
+          </a:bodyPr>
+          <a:lstStyle/>
+          <a:p>
             <a:endParaRPr lang="en-GB" dirty="0">
               <a:solidFill>
                 <a:schemeClr val="tx1">
-                  <a:lumMod val="75000"/>
+                  <a:lumMod val="95000"/>
                 </a:schemeClr>
               </a:solidFill>
             </a:endParaRPr>
           </a:p>
+          <a:p>
+            <a:r>
+              <a:rPr lang="en-GB" dirty="0">
+                <a:solidFill>
+                  <a:schemeClr val="tx1">
+                    <a:lumMod val="95000"/>
+                  </a:schemeClr>
+                </a:solidFill>
+              </a:rPr>
+              <a:t>@markrendle</a:t>
+            </a:r>
+          </a:p>
+          <a:p>
+            <a:endParaRPr lang="en-GB" dirty="0">
+              <a:solidFill>
+                <a:schemeClr val="tx1">
+                  <a:lumMod val="95000"/>
+                </a:schemeClr>
+              </a:solidFill>
+            </a:endParaRPr>
+          </a:p>
+          <a:p>
+            <a:r>
+              <a:rPr lang="en-GB" dirty="0">
+                <a:solidFill>
+                  <a:schemeClr val="tx1">
+                    <a:lumMod val="95000"/>
+                  </a:schemeClr>
+                </a:solidFill>
+              </a:rPr>
+              <a:t>Build Stuff, November 2023</a:t>
+            </a:r>
+          </a:p>
         </p:txBody>
       </p:sp>
     </p:spTree>
     <p:extLst>
       <p:ext uri="{BB962C8B-B14F-4D97-AF65-F5344CB8AC3E}">
-        <p14:creationId xmlns:p14="http://schemas.microsoft.com/office/powerpoint/2010/main" val="3635109872"/>
+        <p14:creationId xmlns:p14="http://schemas.microsoft.com/office/powerpoint/2010/main" val="206638470"/>
       </p:ext>
     </p:extLst>
   </p:cSld>
@@ -5930,7 +6074,7 @@
           <p:cNvPr id="2" name="Title 1">
             <a:extLst>
               <a:ext uri="{FF2B5EF4-FFF2-40B4-BE49-F238E27FC236}">
-                <a16:creationId xmlns:a16="http://schemas.microsoft.com/office/drawing/2014/main" id="{5592EC0B-A3CD-B223-512D-74AAB33C0BA8}"/>
+                <a16:creationId xmlns:a16="http://schemas.microsoft.com/office/drawing/2014/main" id="{F6F5B75C-0AFC-7732-86D5-DED091C47957}"/>
               </a:ext>
             </a:extLst>
           </p:cNvPr>
@@ -5948,17 +6092,17 @@
           <a:p>
             <a:r>
               <a:rPr lang="en-GB" dirty="0"/>
-              <a:t>Tools</a:t>
-            </a:r>
-          </a:p>
-        </p:txBody>
-      </p:sp>
-      <p:sp>
-        <p:nvSpPr>
-          <p:cNvPr id="3" name="Content Placeholder 2">
+              <a:t>Moonwalk</a:t>
+            </a:r>
+          </a:p>
+        </p:txBody>
+      </p:sp>
+      <p:sp>
+        <p:nvSpPr>
+          <p:cNvPr id="3" name="Text Placeholder 2">
             <a:extLst>
               <a:ext uri="{FF2B5EF4-FFF2-40B4-BE49-F238E27FC236}">
-                <a16:creationId xmlns:a16="http://schemas.microsoft.com/office/drawing/2014/main" id="{71B67435-0E9A-06CE-2486-38134A2A38D4}"/>
+                <a16:creationId xmlns:a16="http://schemas.microsoft.com/office/drawing/2014/main" id="{978CAE5E-1C90-9580-F5BA-F7B6A64B5033}"/>
               </a:ext>
             </a:extLst>
           </p:cNvPr>
@@ -5966,167 +6110,27 @@
             <a:spLocks noGrp="1"/>
           </p:cNvSpPr>
           <p:nvPr>
-            <p:ph idx="1"/>
-          </p:nvPr>
-        </p:nvSpPr>
-        <p:spPr/>
-        <p:txBody>
-          <a:bodyPr>
-            <a:normAutofit/>
-          </a:bodyPr>
-          <a:lstStyle/>
-          <a:p>
-            <a:pPr>
-              <a:spcBef>
-                <a:spcPts val="3600"/>
-              </a:spcBef>
-            </a:pPr>
+            <p:ph type="body" idx="1"/>
+          </p:nvPr>
+        </p:nvSpPr>
+        <p:spPr/>
+        <p:txBody>
+          <a:bodyPr/>
+          <a:lstStyle/>
+          <a:p>
+            <a:r>
+              <a:rPr lang="en-GB" dirty="0" err="1"/>
+              <a:t>OpenAPI</a:t>
+            </a:r>
             <a:r>
               <a:rPr lang="en-GB" dirty="0"/>
-              <a:t>Swagger UI</a:t>
-            </a:r>
-          </a:p>
-          <a:p>
-            <a:pPr>
-              <a:spcBef>
-                <a:spcPts val="3600"/>
-              </a:spcBef>
-            </a:pPr>
-            <a:r>
-              <a:rPr lang="en-GB" dirty="0" err="1"/>
-              <a:t>Redoc</a:t>
-            </a:r>
-            <a:br>
+              <a:t> 4.0?</a:t>
+            </a:r>
+          </a:p>
+          <a:p>
+            <a:r>
               <a:rPr lang="en-GB" dirty="0"/>
-            </a:br>
-            <a:r>
-              <a:rPr lang="en-GB" sz="1600" dirty="0">
-                <a:solidFill>
-                  <a:schemeClr val="accent2">
-                    <a:lumMod val="60000"/>
-                    <a:lumOff val="40000"/>
-                  </a:schemeClr>
-                </a:solidFill>
-              </a:rPr>
-              <a:t>github.com/</a:t>
-            </a:r>
-            <a:r>
-              <a:rPr lang="en-GB" sz="1600" dirty="0" err="1">
-                <a:solidFill>
-                  <a:schemeClr val="accent2">
-                    <a:lumMod val="60000"/>
-                    <a:lumOff val="40000"/>
-                  </a:schemeClr>
-                </a:solidFill>
-              </a:rPr>
-              <a:t>Redocly</a:t>
-            </a:r>
-            <a:r>
-              <a:rPr lang="en-GB" sz="1600" dirty="0">
-                <a:solidFill>
-                  <a:schemeClr val="accent2">
-                    <a:lumMod val="60000"/>
-                    <a:lumOff val="40000"/>
-                  </a:schemeClr>
-                </a:solidFill>
-              </a:rPr>
-              <a:t>/</a:t>
-            </a:r>
-            <a:r>
-              <a:rPr lang="en-GB" sz="1600" dirty="0" err="1">
-                <a:solidFill>
-                  <a:schemeClr val="accent2">
-                    <a:lumMod val="60000"/>
-                    <a:lumOff val="40000"/>
-                  </a:schemeClr>
-                </a:solidFill>
-              </a:rPr>
-              <a:t>redoc</a:t>
-            </a:r>
-            <a:endParaRPr lang="en-GB" sz="1600" dirty="0">
-              <a:solidFill>
-                <a:schemeClr val="accent2">
-                  <a:lumMod val="60000"/>
-                  <a:lumOff val="40000"/>
-                </a:schemeClr>
-              </a:solidFill>
-            </a:endParaRPr>
-          </a:p>
-          <a:p>
-            <a:pPr>
-              <a:spcBef>
-                <a:spcPts val="3600"/>
-              </a:spcBef>
-            </a:pPr>
-            <a:r>
-              <a:rPr lang="en-GB" dirty="0"/>
-              <a:t>Widdershins + </a:t>
-            </a:r>
-            <a:r>
-              <a:rPr lang="en-GB" dirty="0" err="1"/>
-              <a:t>Reslate</a:t>
-            </a:r>
-            <a:br>
-              <a:rPr lang="en-GB" dirty="0"/>
-            </a:br>
-            <a:r>
-              <a:rPr lang="en-GB" sz="1600" dirty="0">
-                <a:solidFill>
-                  <a:schemeClr val="accent2">
-                    <a:lumMod val="60000"/>
-                    <a:lumOff val="40000"/>
-                  </a:schemeClr>
-                </a:solidFill>
-              </a:rPr>
-              <a:t>github.com/</a:t>
-            </a:r>
-            <a:r>
-              <a:rPr lang="en-GB" sz="1600" dirty="0" err="1">
-                <a:solidFill>
-                  <a:schemeClr val="accent2">
-                    <a:lumMod val="60000"/>
-                    <a:lumOff val="40000"/>
-                  </a:schemeClr>
-                </a:solidFill>
-              </a:rPr>
-              <a:t>Mermade</a:t>
-            </a:r>
-            <a:r>
-              <a:rPr lang="en-GB" sz="1600" dirty="0">
-                <a:solidFill>
-                  <a:schemeClr val="accent2">
-                    <a:lumMod val="60000"/>
-                    <a:lumOff val="40000"/>
-                  </a:schemeClr>
-                </a:solidFill>
-              </a:rPr>
-              <a:t>/widdershins</a:t>
-            </a:r>
-            <a:endParaRPr lang="en-GB" sz="1600" dirty="0"/>
-          </a:p>
-          <a:p>
-            <a:pPr>
-              <a:spcBef>
-                <a:spcPts val="3600"/>
-              </a:spcBef>
-            </a:pPr>
-            <a:r>
-              <a:rPr lang="en-GB" dirty="0"/>
-              <a:t>Elements</a:t>
-            </a:r>
-            <a:br>
-              <a:rPr lang="en-GB" dirty="0"/>
-            </a:br>
-            <a:r>
-              <a:rPr lang="en-GB" sz="1600" dirty="0">
-                <a:solidFill>
-                  <a:schemeClr val="accent2">
-                    <a:lumMod val="60000"/>
-                    <a:lumOff val="40000"/>
-                  </a:schemeClr>
-                </a:solidFill>
-              </a:rPr>
-              <a:t>stoplight.io/open-source/elements</a:t>
+              <a:t>github.com/OAI/moonwalk</a:t>
             </a:r>
           </a:p>
         </p:txBody>
@@ -6134,7 +6138,7 @@
     </p:spTree>
     <p:extLst>
       <p:ext uri="{BB962C8B-B14F-4D97-AF65-F5344CB8AC3E}">
-        <p14:creationId xmlns:p14="http://schemas.microsoft.com/office/powerpoint/2010/main" val="2893756278"/>
+        <p14:creationId xmlns:p14="http://schemas.microsoft.com/office/powerpoint/2010/main" val="3918987884"/>
       </p:ext>
     </p:extLst>
   </p:cSld>
@@ -6163,10 +6167,10 @@
       </p:grpSpPr>
       <p:sp>
         <p:nvSpPr>
-          <p:cNvPr id="2" name="Title 1">
+          <p:cNvPr id="4" name="Title 3">
             <a:extLst>
               <a:ext uri="{FF2B5EF4-FFF2-40B4-BE49-F238E27FC236}">
-                <a16:creationId xmlns:a16="http://schemas.microsoft.com/office/drawing/2014/main" id="{C4DAB788-8FB0-FF25-28E5-B49FEED02E0C}"/>
+                <a16:creationId xmlns:a16="http://schemas.microsoft.com/office/drawing/2014/main" id="{2078BBAD-DC88-3BD1-7BAB-FB71685E6E24}"/>
               </a:ext>
             </a:extLst>
           </p:cNvPr>
@@ -6183,18 +6187,22 @@
           <a:lstStyle/>
           <a:p>
             <a:r>
+              <a:rPr lang="en-GB" dirty="0" err="1"/>
+              <a:t>OpenAPI</a:t>
+            </a:r>
+            <a:r>
               <a:rPr lang="en-GB" dirty="0"/>
-              <a:t>Bundling</a:t>
+              <a:t> 4.0?</a:t>
             </a:r>
           </a:p>
         </p:txBody>
       </p:sp>
       <p:pic>
         <p:nvPicPr>
-          <p:cNvPr id="5" name="Content Placeholder 4">
+          <p:cNvPr id="7" name="Content Placeholder 6">
             <a:extLst>
               <a:ext uri="{FF2B5EF4-FFF2-40B4-BE49-F238E27FC236}">
-                <a16:creationId xmlns:a16="http://schemas.microsoft.com/office/drawing/2014/main" id="{46D85B33-E466-BB66-4D80-A0E1A1DA39E0}"/>
+                <a16:creationId xmlns:a16="http://schemas.microsoft.com/office/drawing/2014/main" id="{712EAA28-73BE-A017-5164-5C7A1AF1D27A}"/>
               </a:ext>
             </a:extLst>
           </p:cNvPr>
@@ -6206,28 +6214,22 @@
           </p:nvPr>
         </p:nvPicPr>
         <p:blipFill>
-          <a:blip r:embed="rId2">
-            <a:extLst>
-              <a:ext uri="{28A0092B-C50C-407E-A947-70E740481C1C}">
-                <a14:useLocalDpi xmlns:a14="http://schemas.microsoft.com/office/drawing/2010/main" val="0"/>
-              </a:ext>
-            </a:extLst>
-          </a:blip>
+          <a:blip r:embed="rId2"/>
           <a:stretch>
             <a:fillRect/>
           </a:stretch>
         </p:blipFill>
         <p:spPr>
           <a:xfrm>
-            <a:off x="838200" y="2116943"/>
-            <a:ext cx="10515600" cy="3768702"/>
+            <a:off x="2419027" y="948598"/>
+            <a:ext cx="7353945" cy="5813914"/>
           </a:xfrm>
         </p:spPr>
       </p:pic>
     </p:spTree>
     <p:extLst>
       <p:ext uri="{BB962C8B-B14F-4D97-AF65-F5344CB8AC3E}">
-        <p14:creationId xmlns:p14="http://schemas.microsoft.com/office/powerpoint/2010/main" val="3713737075"/>
+        <p14:creationId xmlns:p14="http://schemas.microsoft.com/office/powerpoint/2010/main" val="1780631218"/>
       </p:ext>
     </p:extLst>
   </p:cSld>
@@ -6259,6 +6261,502 @@
           <p:cNvPr id="2" name="Title 1">
             <a:extLst>
               <a:ext uri="{FF2B5EF4-FFF2-40B4-BE49-F238E27FC236}">
+                <a16:creationId xmlns:a16="http://schemas.microsoft.com/office/drawing/2014/main" id="{5592EC0B-A3CD-B223-512D-74AAB33C0BA8}"/>
+              </a:ext>
+            </a:extLst>
+          </p:cNvPr>
+          <p:cNvSpPr>
+            <a:spLocks noGrp="1"/>
+          </p:cNvSpPr>
+          <p:nvPr>
+            <p:ph type="title"/>
+          </p:nvPr>
+        </p:nvSpPr>
+        <p:spPr/>
+        <p:txBody>
+          <a:bodyPr/>
+          <a:lstStyle/>
+          <a:p>
+            <a:r>
+              <a:rPr lang="en-GB" dirty="0"/>
+              <a:t>Tools</a:t>
+            </a:r>
+          </a:p>
+        </p:txBody>
+      </p:sp>
+      <p:sp>
+        <p:nvSpPr>
+          <p:cNvPr id="3" name="Content Placeholder 2">
+            <a:extLst>
+              <a:ext uri="{FF2B5EF4-FFF2-40B4-BE49-F238E27FC236}">
+                <a16:creationId xmlns:a16="http://schemas.microsoft.com/office/drawing/2014/main" id="{71B67435-0E9A-06CE-2486-38134A2A38D4}"/>
+              </a:ext>
+            </a:extLst>
+          </p:cNvPr>
+          <p:cNvSpPr>
+            <a:spLocks noGrp="1"/>
+          </p:cNvSpPr>
+          <p:nvPr>
+            <p:ph idx="1"/>
+          </p:nvPr>
+        </p:nvSpPr>
+        <p:spPr/>
+        <p:txBody>
+          <a:bodyPr>
+            <a:normAutofit/>
+          </a:bodyPr>
+          <a:lstStyle/>
+          <a:p>
+            <a:pPr>
+              <a:spcBef>
+                <a:spcPts val="3600"/>
+              </a:spcBef>
+            </a:pPr>
+            <a:r>
+              <a:rPr lang="en-GB" dirty="0"/>
+              <a:t>Swagger UI</a:t>
+            </a:r>
+          </a:p>
+          <a:p>
+            <a:pPr>
+              <a:spcBef>
+                <a:spcPts val="3600"/>
+              </a:spcBef>
+            </a:pPr>
+            <a:r>
+              <a:rPr lang="en-GB" dirty="0" err="1"/>
+              <a:t>Redoc</a:t>
+            </a:r>
+            <a:br>
+              <a:rPr lang="en-GB" dirty="0"/>
+            </a:br>
+            <a:r>
+              <a:rPr lang="en-GB" sz="1600" dirty="0">
+                <a:solidFill>
+                  <a:schemeClr val="accent2">
+                    <a:lumMod val="60000"/>
+                    <a:lumOff val="40000"/>
+                  </a:schemeClr>
+                </a:solidFill>
+              </a:rPr>
+              <a:t>github.com/</a:t>
+            </a:r>
+            <a:r>
+              <a:rPr lang="en-GB" sz="1600" dirty="0" err="1">
+                <a:solidFill>
+                  <a:schemeClr val="accent2">
+                    <a:lumMod val="60000"/>
+                    <a:lumOff val="40000"/>
+                  </a:schemeClr>
+                </a:solidFill>
+              </a:rPr>
+              <a:t>Redocly</a:t>
+            </a:r>
+            <a:r>
+              <a:rPr lang="en-GB" sz="1600" dirty="0">
+                <a:solidFill>
+                  <a:schemeClr val="accent2">
+                    <a:lumMod val="60000"/>
+                    <a:lumOff val="40000"/>
+                  </a:schemeClr>
+                </a:solidFill>
+              </a:rPr>
+              <a:t>/</a:t>
+            </a:r>
+            <a:r>
+              <a:rPr lang="en-GB" sz="1600" dirty="0" err="1">
+                <a:solidFill>
+                  <a:schemeClr val="accent2">
+                    <a:lumMod val="60000"/>
+                    <a:lumOff val="40000"/>
+                  </a:schemeClr>
+                </a:solidFill>
+              </a:rPr>
+              <a:t>redoc</a:t>
+            </a:r>
+            <a:endParaRPr lang="en-GB" sz="1600" dirty="0">
+              <a:solidFill>
+                <a:schemeClr val="accent2">
+                  <a:lumMod val="60000"/>
+                  <a:lumOff val="40000"/>
+                </a:schemeClr>
+              </a:solidFill>
+            </a:endParaRPr>
+          </a:p>
+          <a:p>
+            <a:pPr>
+              <a:spcBef>
+                <a:spcPts val="3600"/>
+              </a:spcBef>
+            </a:pPr>
+            <a:r>
+              <a:rPr lang="en-GB" dirty="0"/>
+              <a:t>Elements</a:t>
+            </a:r>
+            <a:br>
+              <a:rPr lang="en-GB" dirty="0"/>
+            </a:br>
+            <a:r>
+              <a:rPr lang="en-GB" sz="1600" dirty="0">
+                <a:solidFill>
+                  <a:schemeClr val="accent2">
+                    <a:lumMod val="60000"/>
+                    <a:lumOff val="40000"/>
+                  </a:schemeClr>
+                </a:solidFill>
+              </a:rPr>
+              <a:t>stoplight.io/open-source/elements</a:t>
+            </a:r>
+          </a:p>
+        </p:txBody>
+      </p:sp>
+    </p:spTree>
+    <p:extLst>
+      <p:ext uri="{BB962C8B-B14F-4D97-AF65-F5344CB8AC3E}">
+        <p14:creationId xmlns:p14="http://schemas.microsoft.com/office/powerpoint/2010/main" val="2893756278"/>
+      </p:ext>
+    </p:extLst>
+  </p:cSld>
+  <p:clrMapOvr>
+    <a:masterClrMapping/>
+  </p:clrMapOvr>
+</p:sld>
+</file>
+
+<file path=ppt/slides/slide38.xml><?xml version="1.0" encoding="utf-8"?>
+<p:sld xmlns:a="http://schemas.openxmlformats.org/drawingml/2006/main" xmlns:r="http://schemas.openxmlformats.org/officeDocument/2006/relationships" xmlns:p="http://schemas.openxmlformats.org/presentationml/2006/main">
+  <p:cSld>
+    <p:spTree>
+      <p:nvGrpSpPr>
+        <p:cNvPr id="1" name=""/>
+        <p:cNvGrpSpPr/>
+        <p:nvPr/>
+      </p:nvGrpSpPr>
+      <p:grpSpPr>
+        <a:xfrm>
+          <a:off x="0" y="0"/>
+          <a:ext cx="0" cy="0"/>
+          <a:chOff x="0" y="0"/>
+          <a:chExt cx="0" cy="0"/>
+        </a:xfrm>
+      </p:grpSpPr>
+      <p:sp>
+        <p:nvSpPr>
+          <p:cNvPr id="2" name="Title 1">
+            <a:extLst>
+              <a:ext uri="{FF2B5EF4-FFF2-40B4-BE49-F238E27FC236}">
+                <a16:creationId xmlns:a16="http://schemas.microsoft.com/office/drawing/2014/main" id="{9EEFFF31-7CEF-80C4-C9CC-F13D181784F8}"/>
+              </a:ext>
+            </a:extLst>
+          </p:cNvPr>
+          <p:cNvSpPr>
+            <a:spLocks noGrp="1"/>
+          </p:cNvSpPr>
+          <p:nvPr>
+            <p:ph type="title"/>
+          </p:nvPr>
+        </p:nvSpPr>
+        <p:spPr/>
+        <p:txBody>
+          <a:bodyPr/>
+          <a:lstStyle/>
+          <a:p>
+            <a:r>
+              <a:rPr lang="en-GB" dirty="0"/>
+              <a:t>Plugins</a:t>
+            </a:r>
+          </a:p>
+        </p:txBody>
+      </p:sp>
+      <p:sp>
+        <p:nvSpPr>
+          <p:cNvPr id="3" name="Content Placeholder 2">
+            <a:extLst>
+              <a:ext uri="{FF2B5EF4-FFF2-40B4-BE49-F238E27FC236}">
+                <a16:creationId xmlns:a16="http://schemas.microsoft.com/office/drawing/2014/main" id="{6E1F24E1-6E3B-B7E6-4BB9-1CD5A48B4BBC}"/>
+              </a:ext>
+            </a:extLst>
+          </p:cNvPr>
+          <p:cNvSpPr>
+            <a:spLocks noGrp="1"/>
+          </p:cNvSpPr>
+          <p:nvPr>
+            <p:ph idx="1"/>
+          </p:nvPr>
+        </p:nvSpPr>
+        <p:spPr/>
+        <p:txBody>
+          <a:bodyPr/>
+          <a:lstStyle/>
+          <a:p>
+            <a:r>
+              <a:rPr lang="en-GB" dirty="0"/>
+              <a:t>VS Code: </a:t>
+            </a:r>
+            <a:r>
+              <a:rPr lang="en-GB" dirty="0" err="1"/>
+              <a:t>OpenAPI</a:t>
+            </a:r>
+            <a:r>
+              <a:rPr lang="en-GB" dirty="0"/>
+              <a:t> (Swagger) Editor</a:t>
+            </a:r>
+            <a:br>
+              <a:rPr lang="en-GB" dirty="0"/>
+            </a:br>
+            <a:br>
+              <a:rPr lang="en-GB" sz="1800" dirty="0"/>
+            </a:br>
+            <a:r>
+              <a:rPr lang="en-GB" sz="1800" dirty="0"/>
+              <a:t>marketplace.visualstudio.com/items?itemName=42Crunch.vscode-openapi</a:t>
+            </a:r>
+            <a:br>
+              <a:rPr lang="en-GB" sz="1800" dirty="0"/>
+            </a:br>
+            <a:br>
+              <a:rPr lang="en-GB" dirty="0"/>
+            </a:br>
+            <a:endParaRPr lang="en-GB" dirty="0"/>
+          </a:p>
+          <a:p>
+            <a:r>
+              <a:rPr lang="en-GB" dirty="0"/>
+              <a:t>Rider: </a:t>
+            </a:r>
+            <a:r>
+              <a:rPr lang="en-GB" dirty="0" err="1"/>
+              <a:t>OpenAPI</a:t>
+            </a:r>
+            <a:r>
+              <a:rPr lang="en-GB" dirty="0"/>
+              <a:t> Specifications</a:t>
+            </a:r>
+            <a:br>
+              <a:rPr lang="en-GB" dirty="0"/>
+            </a:br>
+            <a:br>
+              <a:rPr lang="en-GB" sz="1600" dirty="0"/>
+            </a:br>
+            <a:r>
+              <a:rPr lang="en-GB" sz="1600" dirty="0"/>
+              <a:t>Built-in</a:t>
+            </a:r>
+            <a:endParaRPr lang="en-GB" dirty="0"/>
+          </a:p>
+        </p:txBody>
+      </p:sp>
+    </p:spTree>
+    <p:extLst>
+      <p:ext uri="{BB962C8B-B14F-4D97-AF65-F5344CB8AC3E}">
+        <p14:creationId xmlns:p14="http://schemas.microsoft.com/office/powerpoint/2010/main" val="3171114529"/>
+      </p:ext>
+    </p:extLst>
+  </p:cSld>
+  <p:clrMapOvr>
+    <a:masterClrMapping/>
+  </p:clrMapOvr>
+</p:sld>
+</file>
+
+<file path=ppt/slides/slide39.xml><?xml version="1.0" encoding="utf-8"?>
+<p:sld xmlns:a="http://schemas.openxmlformats.org/drawingml/2006/main" xmlns:r="http://schemas.openxmlformats.org/officeDocument/2006/relationships" xmlns:p="http://schemas.openxmlformats.org/presentationml/2006/main">
+  <p:cSld>
+    <p:spTree>
+      <p:nvGrpSpPr>
+        <p:cNvPr id="1" name=""/>
+        <p:cNvGrpSpPr/>
+        <p:nvPr/>
+      </p:nvGrpSpPr>
+      <p:grpSpPr>
+        <a:xfrm>
+          <a:off x="0" y="0"/>
+          <a:ext cx="0" cy="0"/>
+          <a:chOff x="0" y="0"/>
+          <a:chExt cx="0" cy="0"/>
+        </a:xfrm>
+      </p:grpSpPr>
+      <p:sp>
+        <p:nvSpPr>
+          <p:cNvPr id="2" name="Title 1">
+            <a:extLst>
+              <a:ext uri="{FF2B5EF4-FFF2-40B4-BE49-F238E27FC236}">
+                <a16:creationId xmlns:a16="http://schemas.microsoft.com/office/drawing/2014/main" id="{C4DAB788-8FB0-FF25-28E5-B49FEED02E0C}"/>
+              </a:ext>
+            </a:extLst>
+          </p:cNvPr>
+          <p:cNvSpPr>
+            <a:spLocks noGrp="1"/>
+          </p:cNvSpPr>
+          <p:nvPr>
+            <p:ph type="title"/>
+          </p:nvPr>
+        </p:nvSpPr>
+        <p:spPr/>
+        <p:txBody>
+          <a:bodyPr/>
+          <a:lstStyle/>
+          <a:p>
+            <a:r>
+              <a:rPr lang="en-GB" dirty="0"/>
+              <a:t>Bundling</a:t>
+            </a:r>
+          </a:p>
+        </p:txBody>
+      </p:sp>
+      <p:pic>
+        <p:nvPicPr>
+          <p:cNvPr id="5" name="Content Placeholder 4">
+            <a:extLst>
+              <a:ext uri="{FF2B5EF4-FFF2-40B4-BE49-F238E27FC236}">
+                <a16:creationId xmlns:a16="http://schemas.microsoft.com/office/drawing/2014/main" id="{46D85B33-E466-BB66-4D80-A0E1A1DA39E0}"/>
+              </a:ext>
+            </a:extLst>
+          </p:cNvPr>
+          <p:cNvPicPr>
+            <a:picLocks noGrp="1" noChangeAspect="1"/>
+          </p:cNvPicPr>
+          <p:nvPr>
+            <p:ph idx="1"/>
+          </p:nvPr>
+        </p:nvPicPr>
+        <p:blipFill>
+          <a:blip r:embed="rId2">
+            <a:extLst>
+              <a:ext uri="{28A0092B-C50C-407E-A947-70E740481C1C}">
+                <a14:useLocalDpi xmlns:a14="http://schemas.microsoft.com/office/drawing/2010/main" val="0"/>
+              </a:ext>
+            </a:extLst>
+          </a:blip>
+          <a:stretch>
+            <a:fillRect/>
+          </a:stretch>
+        </p:blipFill>
+        <p:spPr>
+          <a:xfrm>
+            <a:off x="838200" y="2116943"/>
+            <a:ext cx="10515600" cy="3768702"/>
+          </a:xfrm>
+        </p:spPr>
+      </p:pic>
+    </p:spTree>
+    <p:extLst>
+      <p:ext uri="{BB962C8B-B14F-4D97-AF65-F5344CB8AC3E}">
+        <p14:creationId xmlns:p14="http://schemas.microsoft.com/office/powerpoint/2010/main" val="3713737075"/>
+      </p:ext>
+    </p:extLst>
+  </p:cSld>
+  <p:clrMapOvr>
+    <a:masterClrMapping/>
+  </p:clrMapOvr>
+</p:sld>
+</file>
+
+<file path=ppt/slides/slide4.xml><?xml version="1.0" encoding="utf-8"?>
+<p:sld xmlns:a="http://schemas.openxmlformats.org/drawingml/2006/main" xmlns:r="http://schemas.openxmlformats.org/officeDocument/2006/relationships" xmlns:p="http://schemas.openxmlformats.org/presentationml/2006/main">
+  <p:cSld>
+    <p:spTree>
+      <p:nvGrpSpPr>
+        <p:cNvPr id="1" name=""/>
+        <p:cNvGrpSpPr/>
+        <p:nvPr/>
+      </p:nvGrpSpPr>
+      <p:grpSpPr>
+        <a:xfrm>
+          <a:off x="0" y="0"/>
+          <a:ext cx="0" cy="0"/>
+          <a:chOff x="0" y="0"/>
+          <a:chExt cx="0" cy="0"/>
+        </a:xfrm>
+      </p:grpSpPr>
+      <p:sp>
+        <p:nvSpPr>
+          <p:cNvPr id="2" name="Title 1">
+            <a:extLst>
+              <a:ext uri="{FF2B5EF4-FFF2-40B4-BE49-F238E27FC236}">
+                <a16:creationId xmlns:a16="http://schemas.microsoft.com/office/drawing/2014/main" id="{30132621-450E-6E79-9289-3B1EF279CECD}"/>
+              </a:ext>
+            </a:extLst>
+          </p:cNvPr>
+          <p:cNvSpPr>
+            <a:spLocks noGrp="1"/>
+          </p:cNvSpPr>
+          <p:nvPr>
+            <p:ph type="title"/>
+          </p:nvPr>
+        </p:nvSpPr>
+        <p:spPr/>
+        <p:txBody>
+          <a:bodyPr/>
+          <a:lstStyle/>
+          <a:p>
+            <a:r>
+              <a:rPr lang="en-GB" dirty="0"/>
+              <a:t>So what is it?</a:t>
+            </a:r>
+          </a:p>
+        </p:txBody>
+      </p:sp>
+      <p:sp>
+        <p:nvSpPr>
+          <p:cNvPr id="3" name="Text Placeholder 2">
+            <a:extLst>
+              <a:ext uri="{FF2B5EF4-FFF2-40B4-BE49-F238E27FC236}">
+                <a16:creationId xmlns:a16="http://schemas.microsoft.com/office/drawing/2014/main" id="{3443668D-AE90-210F-6B9D-A7DE5FD63A16}"/>
+              </a:ext>
+            </a:extLst>
+          </p:cNvPr>
+          <p:cNvSpPr>
+            <a:spLocks noGrp="1"/>
+          </p:cNvSpPr>
+          <p:nvPr>
+            <p:ph type="body" idx="1"/>
+          </p:nvPr>
+        </p:nvSpPr>
+        <p:spPr/>
+        <p:txBody>
+          <a:bodyPr/>
+          <a:lstStyle/>
+          <a:p>
+            <a:endParaRPr lang="en-GB"/>
+          </a:p>
+        </p:txBody>
+      </p:sp>
+    </p:spTree>
+    <p:extLst>
+      <p:ext uri="{BB962C8B-B14F-4D97-AF65-F5344CB8AC3E}">
+        <p14:creationId xmlns:p14="http://schemas.microsoft.com/office/powerpoint/2010/main" val="979219188"/>
+      </p:ext>
+    </p:extLst>
+  </p:cSld>
+  <p:clrMapOvr>
+    <a:masterClrMapping/>
+  </p:clrMapOvr>
+</p:sld>
+</file>
+
+<file path=ppt/slides/slide40.xml><?xml version="1.0" encoding="utf-8"?>
+<p:sld xmlns:a="http://schemas.openxmlformats.org/drawingml/2006/main" xmlns:r="http://schemas.openxmlformats.org/officeDocument/2006/relationships" xmlns:p="http://schemas.openxmlformats.org/presentationml/2006/main">
+  <p:cSld>
+    <p:spTree>
+      <p:nvGrpSpPr>
+        <p:cNvPr id="1" name=""/>
+        <p:cNvGrpSpPr/>
+        <p:nvPr/>
+      </p:nvGrpSpPr>
+      <p:grpSpPr>
+        <a:xfrm>
+          <a:off x="0" y="0"/>
+          <a:ext cx="0" cy="0"/>
+          <a:chOff x="0" y="0"/>
+          <a:chExt cx="0" cy="0"/>
+        </a:xfrm>
+      </p:grpSpPr>
+      <p:sp>
+        <p:nvSpPr>
+          <p:cNvPr id="2" name="Title 1">
+            <a:extLst>
+              <a:ext uri="{FF2B5EF4-FFF2-40B4-BE49-F238E27FC236}">
                 <a16:creationId xmlns:a16="http://schemas.microsoft.com/office/drawing/2014/main" id="{99629F9A-EFA6-715B-2804-5BBE4D49E3EA}"/>
               </a:ext>
             </a:extLst>
@@ -6381,7 +6879,7 @@
 </p:sld>
 </file>
 
-<file path=ppt/slides/slide38.xml><?xml version="1.0" encoding="utf-8"?>
+<file path=ppt/slides/slide41.xml><?xml version="1.0" encoding="utf-8"?>
 <p:sld xmlns:a="http://schemas.openxmlformats.org/drawingml/2006/main" xmlns:r="http://schemas.openxmlformats.org/officeDocument/2006/relationships" xmlns:p="http://schemas.openxmlformats.org/presentationml/2006/main">
   <p:cSld>
     <p:spTree>
@@ -6582,7 +7080,7 @@
 </p:sld>
 </file>
 
-<file path=ppt/slides/slide39.xml><?xml version="1.0" encoding="utf-8"?>
+<file path=ppt/slides/slide42.xml><?xml version="1.0" encoding="utf-8"?>
 <p:sld xmlns:a="http://schemas.openxmlformats.org/drawingml/2006/main" xmlns:r="http://schemas.openxmlformats.org/officeDocument/2006/relationships" xmlns:p="http://schemas.openxmlformats.org/presentationml/2006/main">
   <p:cSld>
     <p:spTree>
@@ -6705,7 +7203,7 @@
             </a:r>
             <a:r>
               <a:rPr lang="en-GB" dirty="0"/>
-              <a:t>/LDNUG2022</a:t>
+              <a:t>/BuildStuff2023</a:t>
             </a:r>
           </a:p>
         </p:txBody>
@@ -6720,494 +7218,6 @@
   <p:clrMapOvr>
     <a:masterClrMapping/>
   </p:clrMapOvr>
-</p:sld>
-</file>
-
-<file path=ppt/slides/slide4.xml><?xml version="1.0" encoding="utf-8"?>
-<p:sld xmlns:a="http://schemas.openxmlformats.org/drawingml/2006/main" xmlns:r="http://schemas.openxmlformats.org/officeDocument/2006/relationships" xmlns:p="http://schemas.openxmlformats.org/presentationml/2006/main">
-  <p:cSld>
-    <p:spTree>
-      <p:nvGrpSpPr>
-        <p:cNvPr id="1" name=""/>
-        <p:cNvGrpSpPr/>
-        <p:nvPr/>
-      </p:nvGrpSpPr>
-      <p:grpSpPr>
-        <a:xfrm>
-          <a:off x="0" y="0"/>
-          <a:ext cx="0" cy="0"/>
-          <a:chOff x="0" y="0"/>
-          <a:chExt cx="0" cy="0"/>
-        </a:xfrm>
-      </p:grpSpPr>
-      <p:sp>
-        <p:nvSpPr>
-          <p:cNvPr id="2" name="Title 1">
-            <a:extLst>
-              <a:ext uri="{FF2B5EF4-FFF2-40B4-BE49-F238E27FC236}">
-                <a16:creationId xmlns:a16="http://schemas.microsoft.com/office/drawing/2014/main" id="{0FAB89F8-0B7C-8B73-E435-AD12AB23BC4F}"/>
-              </a:ext>
-            </a:extLst>
-          </p:cNvPr>
-          <p:cNvSpPr>
-            <a:spLocks noGrp="1"/>
-          </p:cNvSpPr>
-          <p:nvPr>
-            <p:ph type="title"/>
-          </p:nvPr>
-        </p:nvSpPr>
-        <p:spPr/>
-        <p:txBody>
-          <a:bodyPr/>
-          <a:lstStyle/>
-          <a:p>
-            <a:r>
-              <a:rPr lang="en-GB" dirty="0" err="1"/>
-              <a:t>OpenAPI</a:t>
-            </a:r>
-            <a:r>
-              <a:rPr lang="en-GB" dirty="0"/>
-              <a:t> Versions</a:t>
-            </a:r>
-          </a:p>
-        </p:txBody>
-      </p:sp>
-      <p:sp>
-        <p:nvSpPr>
-          <p:cNvPr id="3" name="Content Placeholder 2">
-            <a:extLst>
-              <a:ext uri="{FF2B5EF4-FFF2-40B4-BE49-F238E27FC236}">
-                <a16:creationId xmlns:a16="http://schemas.microsoft.com/office/drawing/2014/main" id="{DDC2E83E-DB3F-6263-0425-79E67BBD5DE5}"/>
-              </a:ext>
-            </a:extLst>
-          </p:cNvPr>
-          <p:cNvSpPr>
-            <a:spLocks noGrp="1"/>
-          </p:cNvSpPr>
-          <p:nvPr>
-            <p:ph idx="1"/>
-          </p:nvPr>
-        </p:nvSpPr>
-        <p:spPr/>
-        <p:txBody>
-          <a:bodyPr/>
-          <a:lstStyle/>
-          <a:p>
-            <a:r>
-              <a:rPr lang="en-GB" dirty="0"/>
-              <a:t>2.0: Swagger</a:t>
-            </a:r>
-            <a:br>
-              <a:rPr lang="en-GB" dirty="0"/>
-            </a:br>
-            <a:endParaRPr lang="en-GB" dirty="0"/>
-          </a:p>
-          <a:p>
-            <a:r>
-              <a:rPr lang="en-GB" dirty="0"/>
-              <a:t>3.0: Current</a:t>
-            </a:r>
-            <a:br>
-              <a:rPr lang="en-GB" dirty="0"/>
-            </a:br>
-            <a:endParaRPr lang="en-GB" dirty="0"/>
-          </a:p>
-          <a:p>
-            <a:r>
-              <a:rPr lang="en-GB" dirty="0"/>
-              <a:t>3.1: New &amp; Improved!</a:t>
-            </a:r>
-          </a:p>
-        </p:txBody>
-      </p:sp>
-    </p:spTree>
-    <p:extLst>
-      <p:ext uri="{BB962C8B-B14F-4D97-AF65-F5344CB8AC3E}">
-        <p14:creationId xmlns:p14="http://schemas.microsoft.com/office/powerpoint/2010/main" val="2802644267"/>
-      </p:ext>
-    </p:extLst>
-  </p:cSld>
-  <p:clrMapOvr>
-    <a:masterClrMapping/>
-  </p:clrMapOvr>
-  <p:timing>
-    <p:tnLst>
-      <p:par>
-        <p:cTn id="1" dur="indefinite" restart="never" nodeType="tmRoot">
-          <p:childTnLst>
-            <p:seq concurrent="1" nextAc="seek">
-              <p:cTn id="2" dur="indefinite" nodeType="mainSeq">
-                <p:childTnLst>
-                  <p:par>
-                    <p:cTn id="3" fill="hold">
-                      <p:stCondLst>
-                        <p:cond delay="indefinite"/>
-                      </p:stCondLst>
-                      <p:childTnLst>
-                        <p:par>
-                          <p:cTn id="4" fill="hold">
-                            <p:stCondLst>
-                              <p:cond delay="0"/>
-                            </p:stCondLst>
-                            <p:childTnLst>
-                              <p:par>
-                                <p:cTn id="5" presetID="42" presetClass="entr" presetSubtype="0" fill="hold" grpId="0" nodeType="clickEffect">
-                                  <p:stCondLst>
-                                    <p:cond delay="0"/>
-                                  </p:stCondLst>
-                                  <p:childTnLst>
-                                    <p:set>
-                                      <p:cBhvr>
-                                        <p:cTn id="6" dur="1" fill="hold">
-                                          <p:stCondLst>
-                                            <p:cond delay="0"/>
-                                          </p:stCondLst>
-                                        </p:cTn>
-                                        <p:tgtEl>
-                                          <p:spTgt spid="3">
-                                            <p:txEl>
-                                              <p:pRg st="0" end="0"/>
-                                            </p:txEl>
-                                          </p:spTgt>
-                                        </p:tgtEl>
-                                        <p:attrNameLst>
-                                          <p:attrName>style.visibility</p:attrName>
-                                        </p:attrNameLst>
-                                      </p:cBhvr>
-                                      <p:to>
-                                        <p:strVal val="visible"/>
-                                      </p:to>
-                                    </p:set>
-                                    <p:animEffect transition="in" filter="fade">
-                                      <p:cBhvr>
-                                        <p:cTn id="7" dur="1000"/>
-                                        <p:tgtEl>
-                                          <p:spTgt spid="3">
-                                            <p:txEl>
-                                              <p:pRg st="0" end="0"/>
-                                            </p:txEl>
-                                          </p:spTgt>
-                                        </p:tgtEl>
-                                      </p:cBhvr>
-                                    </p:animEffect>
-                                    <p:anim calcmode="lin" valueType="num">
-                                      <p:cBhvr>
-                                        <p:cTn id="8" dur="1000" fill="hold"/>
-                                        <p:tgtEl>
-                                          <p:spTgt spid="3">
-                                            <p:txEl>
-                                              <p:pRg st="0" end="0"/>
-                                            </p:txEl>
-                                          </p:spTgt>
-                                        </p:tgtEl>
-                                        <p:attrNameLst>
-                                          <p:attrName>ppt_x</p:attrName>
-                                        </p:attrNameLst>
-                                      </p:cBhvr>
-                                      <p:tavLst>
-                                        <p:tav tm="0">
-                                          <p:val>
-                                            <p:strVal val="#ppt_x"/>
-                                          </p:val>
-                                        </p:tav>
-                                        <p:tav tm="100000">
-                                          <p:val>
-                                            <p:strVal val="#ppt_x"/>
-                                          </p:val>
-                                        </p:tav>
-                                      </p:tavLst>
-                                    </p:anim>
-                                    <p:anim calcmode="lin" valueType="num">
-                                      <p:cBhvr>
-                                        <p:cTn id="9" dur="1000" fill="hold"/>
-                                        <p:tgtEl>
-                                          <p:spTgt spid="3">
-                                            <p:txEl>
-                                              <p:pRg st="0" end="0"/>
-                                            </p:txEl>
-                                          </p:spTgt>
-                                        </p:tgtEl>
-                                        <p:attrNameLst>
-                                          <p:attrName>ppt_y</p:attrName>
-                                        </p:attrNameLst>
-                                      </p:cBhvr>
-                                      <p:tavLst>
-                                        <p:tav tm="0">
-                                          <p:val>
-                                            <p:strVal val="#ppt_y+.1"/>
-                                          </p:val>
-                                        </p:tav>
-                                        <p:tav tm="100000">
-                                          <p:val>
-                                            <p:strVal val="#ppt_y"/>
-                                          </p:val>
-                                        </p:tav>
-                                      </p:tavLst>
-                                    </p:anim>
-                                  </p:childTnLst>
-                                </p:cTn>
-                              </p:par>
-                            </p:childTnLst>
-                          </p:cTn>
-                        </p:par>
-                      </p:childTnLst>
-                    </p:cTn>
-                  </p:par>
-                  <p:par>
-                    <p:cTn id="10" fill="hold">
-                      <p:stCondLst>
-                        <p:cond delay="indefinite"/>
-                      </p:stCondLst>
-                      <p:childTnLst>
-                        <p:par>
-                          <p:cTn id="11" fill="hold">
-                            <p:stCondLst>
-                              <p:cond delay="0"/>
-                            </p:stCondLst>
-                            <p:childTnLst>
-                              <p:par>
-                                <p:cTn id="12" presetID="42" presetClass="entr" presetSubtype="0" fill="hold" grpId="0" nodeType="clickEffect">
-                                  <p:stCondLst>
-                                    <p:cond delay="0"/>
-                                  </p:stCondLst>
-                                  <p:childTnLst>
-                                    <p:set>
-                                      <p:cBhvr>
-                                        <p:cTn id="13" dur="1" fill="hold">
-                                          <p:stCondLst>
-                                            <p:cond delay="0"/>
-                                          </p:stCondLst>
-                                        </p:cTn>
-                                        <p:tgtEl>
-                                          <p:spTgt spid="3">
-                                            <p:txEl>
-                                              <p:pRg st="1" end="1"/>
-                                            </p:txEl>
-                                          </p:spTgt>
-                                        </p:tgtEl>
-                                        <p:attrNameLst>
-                                          <p:attrName>style.visibility</p:attrName>
-                                        </p:attrNameLst>
-                                      </p:cBhvr>
-                                      <p:to>
-                                        <p:strVal val="visible"/>
-                                      </p:to>
-                                    </p:set>
-                                    <p:animEffect transition="in" filter="fade">
-                                      <p:cBhvr>
-                                        <p:cTn id="14" dur="1000"/>
-                                        <p:tgtEl>
-                                          <p:spTgt spid="3">
-                                            <p:txEl>
-                                              <p:pRg st="1" end="1"/>
-                                            </p:txEl>
-                                          </p:spTgt>
-                                        </p:tgtEl>
-                                      </p:cBhvr>
-                                    </p:animEffect>
-                                    <p:anim calcmode="lin" valueType="num">
-                                      <p:cBhvr>
-                                        <p:cTn id="15" dur="1000" fill="hold"/>
-                                        <p:tgtEl>
-                                          <p:spTgt spid="3">
-                                            <p:txEl>
-                                              <p:pRg st="1" end="1"/>
-                                            </p:txEl>
-                                          </p:spTgt>
-                                        </p:tgtEl>
-                                        <p:attrNameLst>
-                                          <p:attrName>ppt_x</p:attrName>
-                                        </p:attrNameLst>
-                                      </p:cBhvr>
-                                      <p:tavLst>
-                                        <p:tav tm="0">
-                                          <p:val>
-                                            <p:strVal val="#ppt_x"/>
-                                          </p:val>
-                                        </p:tav>
-                                        <p:tav tm="100000">
-                                          <p:val>
-                                            <p:strVal val="#ppt_x"/>
-                                          </p:val>
-                                        </p:tav>
-                                      </p:tavLst>
-                                    </p:anim>
-                                    <p:anim calcmode="lin" valueType="num">
-                                      <p:cBhvr>
-                                        <p:cTn id="16" dur="1000" fill="hold"/>
-                                        <p:tgtEl>
-                                          <p:spTgt spid="3">
-                                            <p:txEl>
-                                              <p:pRg st="1" end="1"/>
-                                            </p:txEl>
-                                          </p:spTgt>
-                                        </p:tgtEl>
-                                        <p:attrNameLst>
-                                          <p:attrName>ppt_y</p:attrName>
-                                        </p:attrNameLst>
-                                      </p:cBhvr>
-                                      <p:tavLst>
-                                        <p:tav tm="0">
-                                          <p:val>
-                                            <p:strVal val="#ppt_y+.1"/>
-                                          </p:val>
-                                        </p:tav>
-                                        <p:tav tm="100000">
-                                          <p:val>
-                                            <p:strVal val="#ppt_y"/>
-                                          </p:val>
-                                        </p:tav>
-                                      </p:tavLst>
-                                    </p:anim>
-                                  </p:childTnLst>
-                                </p:cTn>
-                              </p:par>
-                            </p:childTnLst>
-                          </p:cTn>
-                        </p:par>
-                      </p:childTnLst>
-                    </p:cTn>
-                  </p:par>
-                  <p:par>
-                    <p:cTn id="17" fill="hold">
-                      <p:stCondLst>
-                        <p:cond delay="indefinite"/>
-                      </p:stCondLst>
-                      <p:childTnLst>
-                        <p:par>
-                          <p:cTn id="18" fill="hold">
-                            <p:stCondLst>
-                              <p:cond delay="0"/>
-                            </p:stCondLst>
-                            <p:childTnLst>
-                              <p:par>
-                                <p:cTn id="19" presetID="42" presetClass="entr" presetSubtype="0" fill="hold" grpId="0" nodeType="clickEffect">
-                                  <p:stCondLst>
-                                    <p:cond delay="0"/>
-                                  </p:stCondLst>
-                                  <p:childTnLst>
-                                    <p:set>
-                                      <p:cBhvr>
-                                        <p:cTn id="20" dur="1" fill="hold">
-                                          <p:stCondLst>
-                                            <p:cond delay="0"/>
-                                          </p:stCondLst>
-                                        </p:cTn>
-                                        <p:tgtEl>
-                                          <p:spTgt spid="3">
-                                            <p:txEl>
-                                              <p:pRg st="2" end="2"/>
-                                            </p:txEl>
-                                          </p:spTgt>
-                                        </p:tgtEl>
-                                        <p:attrNameLst>
-                                          <p:attrName>style.visibility</p:attrName>
-                                        </p:attrNameLst>
-                                      </p:cBhvr>
-                                      <p:to>
-                                        <p:strVal val="visible"/>
-                                      </p:to>
-                                    </p:set>
-                                    <p:animEffect transition="in" filter="fade">
-                                      <p:cBhvr>
-                                        <p:cTn id="21" dur="1000"/>
-                                        <p:tgtEl>
-                                          <p:spTgt spid="3">
-                                            <p:txEl>
-                                              <p:pRg st="2" end="2"/>
-                                            </p:txEl>
-                                          </p:spTgt>
-                                        </p:tgtEl>
-                                      </p:cBhvr>
-                                    </p:animEffect>
-                                    <p:anim calcmode="lin" valueType="num">
-                                      <p:cBhvr>
-                                        <p:cTn id="22" dur="1000" fill="hold"/>
-                                        <p:tgtEl>
-                                          <p:spTgt spid="3">
-                                            <p:txEl>
-                                              <p:pRg st="2" end="2"/>
-                                            </p:txEl>
-                                          </p:spTgt>
-                                        </p:tgtEl>
-                                        <p:attrNameLst>
-                                          <p:attrName>ppt_x</p:attrName>
-                                        </p:attrNameLst>
-                                      </p:cBhvr>
-                                      <p:tavLst>
-                                        <p:tav tm="0">
-                                          <p:val>
-                                            <p:strVal val="#ppt_x"/>
-                                          </p:val>
-                                        </p:tav>
-                                        <p:tav tm="100000">
-                                          <p:val>
-                                            <p:strVal val="#ppt_x"/>
-                                          </p:val>
-                                        </p:tav>
-                                      </p:tavLst>
-                                    </p:anim>
-                                    <p:anim calcmode="lin" valueType="num">
-                                      <p:cBhvr>
-                                        <p:cTn id="23" dur="1000" fill="hold"/>
-                                        <p:tgtEl>
-                                          <p:spTgt spid="3">
-                                            <p:txEl>
-                                              <p:pRg st="2" end="2"/>
-                                            </p:txEl>
-                                          </p:spTgt>
-                                        </p:tgtEl>
-                                        <p:attrNameLst>
-                                          <p:attrName>ppt_y</p:attrName>
-                                        </p:attrNameLst>
-                                      </p:cBhvr>
-                                      <p:tavLst>
-                                        <p:tav tm="0">
-                                          <p:val>
-                                            <p:strVal val="#ppt_y+.1"/>
-                                          </p:val>
-                                        </p:tav>
-                                        <p:tav tm="100000">
-                                          <p:val>
-                                            <p:strVal val="#ppt_y"/>
-                                          </p:val>
-                                        </p:tav>
-                                      </p:tavLst>
-                                    </p:anim>
-                                  </p:childTnLst>
-                                </p:cTn>
-                              </p:par>
-                            </p:childTnLst>
-                          </p:cTn>
-                        </p:par>
-                      </p:childTnLst>
-                    </p:cTn>
-                  </p:par>
-                </p:childTnLst>
-              </p:cTn>
-              <p:prevCondLst>
-                <p:cond evt="onPrev" delay="0">
-                  <p:tgtEl>
-                    <p:sldTgt/>
-                  </p:tgtEl>
-                </p:cond>
-              </p:prevCondLst>
-              <p:nextCondLst>
-                <p:cond evt="onNext" delay="0">
-                  <p:tgtEl>
-                    <p:sldTgt/>
-                  </p:tgtEl>
-                </p:cond>
-              </p:nextCondLst>
-            </p:seq>
-          </p:childTnLst>
-        </p:cTn>
-      </p:par>
-    </p:tnLst>
-    <p:bldLst>
-      <p:bldP spid="3" grpId="0" build="p"/>
-    </p:bldLst>
-  </p:timing>
 </p:sld>
 </file>
 
@@ -7308,93 +7318,10 @@
           </a:p>
         </p:txBody>
       </p:sp>
-      <p:sp>
-        <p:nvSpPr>
-          <p:cNvPr id="4" name="TextBox 3">
-            <a:extLst>
-              <a:ext uri="{FF2B5EF4-FFF2-40B4-BE49-F238E27FC236}">
-                <a16:creationId xmlns:a16="http://schemas.microsoft.com/office/drawing/2014/main" id="{E8BEE1E8-4F67-51B1-A039-D842BF8072DE}"/>
-              </a:ext>
-            </a:extLst>
-          </p:cNvPr>
-          <p:cNvSpPr txBox="1"/>
-          <p:nvPr/>
-        </p:nvSpPr>
-        <p:spPr>
-          <a:xfrm>
-            <a:off x="8349673" y="2447637"/>
-            <a:ext cx="2262909" cy="584775"/>
-          </a:xfrm>
-          <a:prstGeom prst="rect">
-            <a:avLst/>
-          </a:prstGeom>
-          <a:noFill/>
-        </p:spPr>
-        <p:txBody>
-          <a:bodyPr wrap="square" rtlCol="0">
-            <a:spAutoFit/>
-          </a:bodyPr>
-          <a:lstStyle/>
-          <a:p>
-            <a:r>
-              <a:rPr lang="en-GB" sz="3200" b="1" dirty="0">
-                <a:solidFill>
-                  <a:srgbClr val="FFC000"/>
-                </a:solidFill>
-                <a:latin typeface="Dreaming Outloud Pro" panose="020B0604020202020204" pitchFamily="66" charset="0"/>
-                <a:cs typeface="Dreaming Outloud Pro" panose="020B0604020202020204" pitchFamily="66" charset="0"/>
-              </a:rPr>
-              <a:t>Use this one</a:t>
-            </a:r>
-          </a:p>
-        </p:txBody>
-      </p:sp>
-      <p:cxnSp>
-        <p:nvCxnSpPr>
-          <p:cNvPr id="6" name="Straight Arrow Connector 5">
-            <a:extLst>
-              <a:ext uri="{FF2B5EF4-FFF2-40B4-BE49-F238E27FC236}">
-                <a16:creationId xmlns:a16="http://schemas.microsoft.com/office/drawing/2014/main" id="{DDEE6529-350E-B192-9514-DA7239143A1C}"/>
-              </a:ext>
-            </a:extLst>
-          </p:cNvPr>
-          <p:cNvCxnSpPr>
-            <a:cxnSpLocks/>
-            <a:stCxn id="4" idx="1"/>
-          </p:cNvCxnSpPr>
-          <p:nvPr/>
-        </p:nvCxnSpPr>
-        <p:spPr>
-          <a:xfrm flipH="1">
-            <a:off x="7610764" y="2740025"/>
-            <a:ext cx="738909" cy="95539"/>
-          </a:xfrm>
-          <a:prstGeom prst="straightConnector1">
-            <a:avLst/>
-          </a:prstGeom>
-          <a:ln w="63500">
-            <a:tailEnd type="triangle"/>
-          </a:ln>
-        </p:spPr>
-        <p:style>
-          <a:lnRef idx="3">
-            <a:schemeClr val="accent4"/>
-          </a:lnRef>
-          <a:fillRef idx="0">
-            <a:schemeClr val="accent4"/>
-          </a:fillRef>
-          <a:effectRef idx="2">
-            <a:schemeClr val="accent4"/>
-          </a:effectRef>
-          <a:fontRef idx="minor">
-            <a:schemeClr val="tx1"/>
-          </a:fontRef>
-        </p:style>
-      </p:cxnSp>
     </p:spTree>
     <p:extLst>
       <p:ext uri="{BB962C8B-B14F-4D97-AF65-F5344CB8AC3E}">
-        <p14:creationId xmlns:p14="http://schemas.microsoft.com/office/powerpoint/2010/main" val="529572658"/>
+        <p14:creationId xmlns:p14="http://schemas.microsoft.com/office/powerpoint/2010/main" val="2802644267"/>
       </p:ext>
     </p:extLst>
   </p:cSld>
@@ -7804,7 +7731,7 @@
           <p:cNvPr id="2" name="Title 1">
             <a:extLst>
               <a:ext uri="{FF2B5EF4-FFF2-40B4-BE49-F238E27FC236}">
-                <a16:creationId xmlns:a16="http://schemas.microsoft.com/office/drawing/2014/main" id="{9DFD2610-0983-0787-4D39-A74FAFE77550}"/>
+                <a16:creationId xmlns:a16="http://schemas.microsoft.com/office/drawing/2014/main" id="{0FAB89F8-0B7C-8B73-E435-AD12AB23BC4F}"/>
               </a:ext>
             </a:extLst>
           </p:cNvPr>
@@ -7821,18 +7748,22 @@
           <a:lstStyle/>
           <a:p>
             <a:r>
+              <a:rPr lang="en-GB" dirty="0" err="1"/>
+              <a:t>OpenAPI</a:t>
+            </a:r>
+            <a:r>
               <a:rPr lang="en-GB" dirty="0"/>
-              <a:t>Implementation</a:t>
-            </a:r>
-          </a:p>
-        </p:txBody>
-      </p:sp>
-      <p:sp>
-        <p:nvSpPr>
-          <p:cNvPr id="3" name="Text Placeholder 2">
+              <a:t> Versions</a:t>
+            </a:r>
+          </a:p>
+        </p:txBody>
+      </p:sp>
+      <p:sp>
+        <p:nvSpPr>
+          <p:cNvPr id="3" name="Content Placeholder 2">
             <a:extLst>
               <a:ext uri="{FF2B5EF4-FFF2-40B4-BE49-F238E27FC236}">
-                <a16:creationId xmlns:a16="http://schemas.microsoft.com/office/drawing/2014/main" id="{69AA8414-64BE-09C9-0E7A-B891BDA4E28C}"/>
+                <a16:creationId xmlns:a16="http://schemas.microsoft.com/office/drawing/2014/main" id="{DDC2E83E-DB3F-6263-0425-79E67BBD5DE5}"/>
               </a:ext>
             </a:extLst>
           </p:cNvPr>
@@ -7840,22 +7771,128 @@
             <a:spLocks noGrp="1"/>
           </p:cNvSpPr>
           <p:nvPr>
-            <p:ph type="body" idx="1"/>
-          </p:nvPr>
-        </p:nvSpPr>
-        <p:spPr/>
-        <p:txBody>
-          <a:bodyPr/>
-          <a:lstStyle/>
-          <a:p>
-            <a:endParaRPr lang="en-GB"/>
-          </a:p>
-        </p:txBody>
-      </p:sp>
+            <p:ph idx="1"/>
+          </p:nvPr>
+        </p:nvSpPr>
+        <p:spPr/>
+        <p:txBody>
+          <a:bodyPr/>
+          <a:lstStyle/>
+          <a:p>
+            <a:r>
+              <a:rPr lang="en-GB" dirty="0"/>
+              <a:t>2.0: Swagger</a:t>
+            </a:r>
+            <a:br>
+              <a:rPr lang="en-GB" dirty="0"/>
+            </a:br>
+            <a:endParaRPr lang="en-GB" dirty="0"/>
+          </a:p>
+          <a:p>
+            <a:r>
+              <a:rPr lang="en-GB" dirty="0"/>
+              <a:t>3.0: Current</a:t>
+            </a:r>
+            <a:br>
+              <a:rPr lang="en-GB" dirty="0"/>
+            </a:br>
+            <a:endParaRPr lang="en-GB" dirty="0"/>
+          </a:p>
+          <a:p>
+            <a:r>
+              <a:rPr lang="en-GB" dirty="0"/>
+              <a:t>3.1: New &amp; Improved!</a:t>
+            </a:r>
+          </a:p>
+        </p:txBody>
+      </p:sp>
+      <p:sp>
+        <p:nvSpPr>
+          <p:cNvPr id="4" name="TextBox 3">
+            <a:extLst>
+              <a:ext uri="{FF2B5EF4-FFF2-40B4-BE49-F238E27FC236}">
+                <a16:creationId xmlns:a16="http://schemas.microsoft.com/office/drawing/2014/main" id="{E8BEE1E8-4F67-51B1-A039-D842BF8072DE}"/>
+              </a:ext>
+            </a:extLst>
+          </p:cNvPr>
+          <p:cNvSpPr txBox="1"/>
+          <p:nvPr/>
+        </p:nvSpPr>
+        <p:spPr>
+          <a:xfrm>
+            <a:off x="8349673" y="2447637"/>
+            <a:ext cx="2262909" cy="584775"/>
+          </a:xfrm>
+          <a:prstGeom prst="rect">
+            <a:avLst/>
+          </a:prstGeom>
+          <a:noFill/>
+        </p:spPr>
+        <p:txBody>
+          <a:bodyPr wrap="square" rtlCol="0">
+            <a:spAutoFit/>
+          </a:bodyPr>
+          <a:lstStyle/>
+          <a:p>
+            <a:r>
+              <a:rPr lang="en-GB" sz="3200" b="1" dirty="0">
+                <a:solidFill>
+                  <a:srgbClr val="FFC000"/>
+                </a:solidFill>
+                <a:latin typeface="Dreaming Outloud Pro" panose="020B0604020202020204" pitchFamily="66" charset="0"/>
+                <a:cs typeface="Dreaming Outloud Pro" panose="020B0604020202020204" pitchFamily="66" charset="0"/>
+              </a:rPr>
+              <a:t>Use this one</a:t>
+            </a:r>
+          </a:p>
+        </p:txBody>
+      </p:sp>
+      <p:cxnSp>
+        <p:nvCxnSpPr>
+          <p:cNvPr id="6" name="Straight Arrow Connector 5">
+            <a:extLst>
+              <a:ext uri="{FF2B5EF4-FFF2-40B4-BE49-F238E27FC236}">
+                <a16:creationId xmlns:a16="http://schemas.microsoft.com/office/drawing/2014/main" id="{DDEE6529-350E-B192-9514-DA7239143A1C}"/>
+              </a:ext>
+            </a:extLst>
+          </p:cNvPr>
+          <p:cNvCxnSpPr>
+            <a:cxnSpLocks/>
+            <a:stCxn id="4" idx="1"/>
+          </p:cNvCxnSpPr>
+          <p:nvPr/>
+        </p:nvCxnSpPr>
+        <p:spPr>
+          <a:xfrm flipH="1">
+            <a:off x="7610764" y="2740025"/>
+            <a:ext cx="738909" cy="95539"/>
+          </a:xfrm>
+          <a:prstGeom prst="straightConnector1">
+            <a:avLst/>
+          </a:prstGeom>
+          <a:ln w="63500">
+            <a:tailEnd type="triangle"/>
+          </a:ln>
+        </p:spPr>
+        <p:style>
+          <a:lnRef idx="3">
+            <a:schemeClr val="accent4"/>
+          </a:lnRef>
+          <a:fillRef idx="0">
+            <a:schemeClr val="accent4"/>
+          </a:fillRef>
+          <a:effectRef idx="2">
+            <a:schemeClr val="accent4"/>
+          </a:effectRef>
+          <a:fontRef idx="minor">
+            <a:schemeClr val="tx1"/>
+          </a:fontRef>
+        </p:style>
+      </p:cxnSp>
     </p:spTree>
     <p:extLst>
       <p:ext uri="{BB962C8B-B14F-4D97-AF65-F5344CB8AC3E}">
-        <p14:creationId xmlns:p14="http://schemas.microsoft.com/office/powerpoint/2010/main" val="3611666907"/>
+        <p14:creationId xmlns:p14="http://schemas.microsoft.com/office/powerpoint/2010/main" val="529572658"/>
       </p:ext>
     </p:extLst>
   </p:cSld>
@@ -7887,7 +7924,7 @@
           <p:cNvPr id="2" name="Title 1">
             <a:extLst>
               <a:ext uri="{FF2B5EF4-FFF2-40B4-BE49-F238E27FC236}">
-                <a16:creationId xmlns:a16="http://schemas.microsoft.com/office/drawing/2014/main" id="{CFB46E0B-2E84-CC69-2AC9-036C69EC152B}"/>
+                <a16:creationId xmlns:a16="http://schemas.microsoft.com/office/drawing/2014/main" id="{9DFD2610-0983-0787-4D39-A74FAFE77550}"/>
               </a:ext>
             </a:extLst>
           </p:cNvPr>
@@ -7904,22 +7941,18 @@
           <a:lstStyle/>
           <a:p>
             <a:r>
-              <a:rPr lang="en-GB" dirty="0" err="1"/>
-              <a:t>OpenAPI</a:t>
-            </a:r>
-            <a:r>
               <a:rPr lang="en-GB" dirty="0"/>
-              <a:t> in .NET</a:t>
-            </a:r>
-          </a:p>
-        </p:txBody>
-      </p:sp>
-      <p:sp>
-        <p:nvSpPr>
-          <p:cNvPr id="3" name="Content Placeholder 2">
+              <a:t>Implementation</a:t>
+            </a:r>
+          </a:p>
+        </p:txBody>
+      </p:sp>
+      <p:sp>
+        <p:nvSpPr>
+          <p:cNvPr id="3" name="Text Placeholder 2">
             <a:extLst>
               <a:ext uri="{FF2B5EF4-FFF2-40B4-BE49-F238E27FC236}">
-                <a16:creationId xmlns:a16="http://schemas.microsoft.com/office/drawing/2014/main" id="{BC657EE2-72E8-3CCF-1062-9466CACBB8DB}"/>
+                <a16:creationId xmlns:a16="http://schemas.microsoft.com/office/drawing/2014/main" id="{69AA8414-64BE-09C9-0E7A-B891BDA4E28C}"/>
               </a:ext>
             </a:extLst>
           </p:cNvPr>
@@ -7927,33 +7960,22 @@
             <a:spLocks noGrp="1"/>
           </p:cNvSpPr>
           <p:nvPr>
-            <p:ph idx="1"/>
-          </p:nvPr>
-        </p:nvSpPr>
-        <p:spPr/>
-        <p:txBody>
-          <a:bodyPr/>
-          <a:lstStyle/>
-          <a:p>
-            <a:r>
-              <a:rPr lang="en-GB" dirty="0" err="1"/>
-              <a:t>Swashbuckle</a:t>
-            </a:r>
-            <a:endParaRPr lang="en-GB" dirty="0"/>
-          </a:p>
-          <a:p>
-            <a:r>
-              <a:rPr lang="en-GB" dirty="0" err="1"/>
-              <a:t>NSwag</a:t>
-            </a:r>
-            <a:endParaRPr lang="en-GB" dirty="0"/>
+            <p:ph type="body" idx="1"/>
+          </p:nvPr>
+        </p:nvSpPr>
+        <p:spPr/>
+        <p:txBody>
+          <a:bodyPr/>
+          <a:lstStyle/>
+          <a:p>
+            <a:endParaRPr lang="en-GB"/>
           </a:p>
         </p:txBody>
       </p:sp>
     </p:spTree>
     <p:extLst>
       <p:ext uri="{BB962C8B-B14F-4D97-AF65-F5344CB8AC3E}">
-        <p14:creationId xmlns:p14="http://schemas.microsoft.com/office/powerpoint/2010/main" val="2133295142"/>
+        <p14:creationId xmlns:p14="http://schemas.microsoft.com/office/powerpoint/2010/main" val="3611666907"/>
       </p:ext>
     </p:extLst>
   </p:cSld>
@@ -8012,46 +8034,46 @@
           </a:p>
         </p:txBody>
       </p:sp>
-      <p:pic>
-        <p:nvPicPr>
-          <p:cNvPr id="7" name="Picture 6" descr="Text&#10;&#10;Description automatically generated">
+      <p:sp>
+        <p:nvSpPr>
+          <p:cNvPr id="3" name="Content Placeholder 2">
             <a:extLst>
               <a:ext uri="{FF2B5EF4-FFF2-40B4-BE49-F238E27FC236}">
-                <a16:creationId xmlns:a16="http://schemas.microsoft.com/office/drawing/2014/main" id="{076E1BC3-DA7E-7138-B3B9-A458578F93B5}"/>
+                <a16:creationId xmlns:a16="http://schemas.microsoft.com/office/drawing/2014/main" id="{BC657EE2-72E8-3CCF-1062-9466CACBB8DB}"/>
               </a:ext>
             </a:extLst>
           </p:cNvPr>
-          <p:cNvPicPr>
-            <a:picLocks noChangeAspect="1"/>
-          </p:cNvPicPr>
-          <p:nvPr/>
-        </p:nvPicPr>
-        <p:blipFill>
-          <a:blip r:embed="rId2">
-            <a:extLst>
-              <a:ext uri="{28A0092B-C50C-407E-A947-70E740481C1C}">
-                <a14:useLocalDpi xmlns:a14="http://schemas.microsoft.com/office/drawing/2010/main" val="0"/>
-              </a:ext>
-            </a:extLst>
-          </a:blip>
-          <a:stretch>
-            <a:fillRect/>
-          </a:stretch>
-        </p:blipFill>
-        <p:spPr>
-          <a:xfrm>
-            <a:off x="1089890" y="1027906"/>
-            <a:ext cx="10155016" cy="5979836"/>
-          </a:xfrm>
-          <a:prstGeom prst="rect">
-            <a:avLst/>
-          </a:prstGeom>
-        </p:spPr>
-      </p:pic>
+          <p:cNvSpPr>
+            <a:spLocks noGrp="1"/>
+          </p:cNvSpPr>
+          <p:nvPr>
+            <p:ph idx="1"/>
+          </p:nvPr>
+        </p:nvSpPr>
+        <p:spPr/>
+        <p:txBody>
+          <a:bodyPr/>
+          <a:lstStyle/>
+          <a:p>
+            <a:r>
+              <a:rPr lang="en-GB" dirty="0" err="1"/>
+              <a:t>Swashbuckle</a:t>
+            </a:r>
+            <a:endParaRPr lang="en-GB" dirty="0"/>
+          </a:p>
+          <a:p>
+            <a:r>
+              <a:rPr lang="en-GB" dirty="0" err="1"/>
+              <a:t>NSwag</a:t>
+            </a:r>
+            <a:endParaRPr lang="en-GB" dirty="0"/>
+          </a:p>
+        </p:txBody>
+      </p:sp>
     </p:spTree>
     <p:extLst>
       <p:ext uri="{BB962C8B-B14F-4D97-AF65-F5344CB8AC3E}">
-        <p14:creationId xmlns:p14="http://schemas.microsoft.com/office/powerpoint/2010/main" val="1399433709"/>
+        <p14:creationId xmlns:p14="http://schemas.microsoft.com/office/powerpoint/2010/main" val="2133295142"/>
       </p:ext>
     </p:extLst>
   </p:cSld>
@@ -8083,7 +8105,7 @@
           <p:cNvPr id="2" name="Title 1">
             <a:extLst>
               <a:ext uri="{FF2B5EF4-FFF2-40B4-BE49-F238E27FC236}">
-                <a16:creationId xmlns:a16="http://schemas.microsoft.com/office/drawing/2014/main" id="{785C56BE-15F6-5C42-D5C4-4B56BBC6CFCD}"/>
+                <a16:creationId xmlns:a16="http://schemas.microsoft.com/office/drawing/2014/main" id="{CFB46E0B-2E84-CC69-2AC9-036C69EC152B}"/>
               </a:ext>
             </a:extLst>
           </p:cNvPr>
@@ -8105,17 +8127,17 @@
             </a:r>
             <a:r>
               <a:rPr lang="en-GB" dirty="0"/>
-              <a:t> everywhere else</a:t>
+              <a:t> in .NET</a:t>
             </a:r>
           </a:p>
         </p:txBody>
       </p:sp>
       <p:pic>
         <p:nvPicPr>
-          <p:cNvPr id="13" name="Picture 12">
+          <p:cNvPr id="7" name="Picture 6" descr="Text&#10;&#10;Description automatically generated">
             <a:extLst>
               <a:ext uri="{FF2B5EF4-FFF2-40B4-BE49-F238E27FC236}">
-                <a16:creationId xmlns:a16="http://schemas.microsoft.com/office/drawing/2014/main" id="{73AA5683-AC1D-BAD9-FD88-4B6942286EDC}"/>
+                <a16:creationId xmlns:a16="http://schemas.microsoft.com/office/drawing/2014/main" id="{076E1BC3-DA7E-7138-B3B9-A458578F93B5}"/>
               </a:ext>
             </a:extLst>
           </p:cNvPr>
@@ -8138,8 +8160,8 @@
         </p:blipFill>
         <p:spPr>
           <a:xfrm>
-            <a:off x="2412675" y="497305"/>
-            <a:ext cx="7366650" cy="6858000"/>
+            <a:off x="1089890" y="1027906"/>
+            <a:ext cx="10155016" cy="5979836"/>
           </a:xfrm>
           <a:prstGeom prst="rect">
             <a:avLst/>
@@ -8149,7 +8171,7 @@
     </p:spTree>
     <p:extLst>
       <p:ext uri="{BB962C8B-B14F-4D97-AF65-F5344CB8AC3E}">
-        <p14:creationId xmlns:p14="http://schemas.microsoft.com/office/powerpoint/2010/main" val="4175986621"/>
+        <p14:creationId xmlns:p14="http://schemas.microsoft.com/office/powerpoint/2010/main" val="1399433709"/>
       </p:ext>
     </p:extLst>
   </p:cSld>

--- a/OpenAPI.pptx
+++ b/OpenAPI.pptx
@@ -17,36 +17,37 @@
     <p:sldId id="258" r:id="rId11"/>
     <p:sldId id="260" r:id="rId12"/>
     <p:sldId id="261" r:id="rId13"/>
-    <p:sldId id="259" r:id="rId14"/>
-    <p:sldId id="287" r:id="rId15"/>
-    <p:sldId id="293" r:id="rId16"/>
-    <p:sldId id="263" r:id="rId17"/>
-    <p:sldId id="264" r:id="rId18"/>
-    <p:sldId id="274" r:id="rId19"/>
-    <p:sldId id="265" r:id="rId20"/>
-    <p:sldId id="277" r:id="rId21"/>
-    <p:sldId id="273" r:id="rId22"/>
-    <p:sldId id="276" r:id="rId23"/>
-    <p:sldId id="275" r:id="rId24"/>
-    <p:sldId id="267" r:id="rId25"/>
-    <p:sldId id="285" r:id="rId26"/>
-    <p:sldId id="286" r:id="rId27"/>
-    <p:sldId id="271" r:id="rId28"/>
-    <p:sldId id="284" r:id="rId29"/>
-    <p:sldId id="272" r:id="rId30"/>
-    <p:sldId id="278" r:id="rId31"/>
-    <p:sldId id="283" r:id="rId32"/>
-    <p:sldId id="268" r:id="rId33"/>
-    <p:sldId id="279" r:id="rId34"/>
-    <p:sldId id="280" r:id="rId35"/>
-    <p:sldId id="298" r:id="rId36"/>
-    <p:sldId id="301" r:id="rId37"/>
-    <p:sldId id="269" r:id="rId38"/>
-    <p:sldId id="299" r:id="rId39"/>
-    <p:sldId id="281" r:id="rId40"/>
-    <p:sldId id="270" r:id="rId41"/>
-    <p:sldId id="295" r:id="rId42"/>
-    <p:sldId id="294" r:id="rId43"/>
+    <p:sldId id="302" r:id="rId14"/>
+    <p:sldId id="259" r:id="rId15"/>
+    <p:sldId id="287" r:id="rId16"/>
+    <p:sldId id="293" r:id="rId17"/>
+    <p:sldId id="263" r:id="rId18"/>
+    <p:sldId id="264" r:id="rId19"/>
+    <p:sldId id="274" r:id="rId20"/>
+    <p:sldId id="265" r:id="rId21"/>
+    <p:sldId id="277" r:id="rId22"/>
+    <p:sldId id="273" r:id="rId23"/>
+    <p:sldId id="276" r:id="rId24"/>
+    <p:sldId id="275" r:id="rId25"/>
+    <p:sldId id="267" r:id="rId26"/>
+    <p:sldId id="285" r:id="rId27"/>
+    <p:sldId id="286" r:id="rId28"/>
+    <p:sldId id="271" r:id="rId29"/>
+    <p:sldId id="284" r:id="rId30"/>
+    <p:sldId id="272" r:id="rId31"/>
+    <p:sldId id="278" r:id="rId32"/>
+    <p:sldId id="283" r:id="rId33"/>
+    <p:sldId id="268" r:id="rId34"/>
+    <p:sldId id="279" r:id="rId35"/>
+    <p:sldId id="280" r:id="rId36"/>
+    <p:sldId id="298" r:id="rId37"/>
+    <p:sldId id="301" r:id="rId38"/>
+    <p:sldId id="269" r:id="rId39"/>
+    <p:sldId id="299" r:id="rId40"/>
+    <p:sldId id="281" r:id="rId41"/>
+    <p:sldId id="270" r:id="rId42"/>
+    <p:sldId id="295" r:id="rId43"/>
+    <p:sldId id="294" r:id="rId44"/>
   </p:sldIdLst>
   <p:sldSz cx="12192000" cy="6858000"/>
   <p:notesSz cx="6858000" cy="9144000"/>
@@ -284,7 +285,7 @@
           <a:p>
             <a:fld id="{CAA94819-728F-480F-A909-E4598EC91444}" type="datetimeFigureOut">
               <a:rPr lang="en-GB" smtClean="0"/>
-              <a:t>13/11/2023</a:t>
+              <a:t>17/11/2023</a:t>
             </a:fld>
             <a:endParaRPr lang="en-GB"/>
           </a:p>
@@ -454,7 +455,7 @@
           <a:p>
             <a:fld id="{CAA94819-728F-480F-A909-E4598EC91444}" type="datetimeFigureOut">
               <a:rPr lang="en-GB" smtClean="0"/>
-              <a:t>13/11/2023</a:t>
+              <a:t>17/11/2023</a:t>
             </a:fld>
             <a:endParaRPr lang="en-GB"/>
           </a:p>
@@ -634,7 +635,7 @@
           <a:p>
             <a:fld id="{CAA94819-728F-480F-A909-E4598EC91444}" type="datetimeFigureOut">
               <a:rPr lang="en-GB" smtClean="0"/>
-              <a:t>13/11/2023</a:t>
+              <a:t>17/11/2023</a:t>
             </a:fld>
             <a:endParaRPr lang="en-GB"/>
           </a:p>
@@ -804,7 +805,7 @@
           <a:p>
             <a:fld id="{CAA94819-728F-480F-A909-E4598EC91444}" type="datetimeFigureOut">
               <a:rPr lang="en-GB" smtClean="0"/>
-              <a:t>13/11/2023</a:t>
+              <a:t>17/11/2023</a:t>
             </a:fld>
             <a:endParaRPr lang="en-GB"/>
           </a:p>
@@ -1050,7 +1051,7 @@
           <a:p>
             <a:fld id="{CAA94819-728F-480F-A909-E4598EC91444}" type="datetimeFigureOut">
               <a:rPr lang="en-GB" smtClean="0"/>
-              <a:t>13/11/2023</a:t>
+              <a:t>17/11/2023</a:t>
             </a:fld>
             <a:endParaRPr lang="en-GB"/>
           </a:p>
@@ -1282,7 +1283,7 @@
           <a:p>
             <a:fld id="{CAA94819-728F-480F-A909-E4598EC91444}" type="datetimeFigureOut">
               <a:rPr lang="en-GB" smtClean="0"/>
-              <a:t>13/11/2023</a:t>
+              <a:t>17/11/2023</a:t>
             </a:fld>
             <a:endParaRPr lang="en-GB"/>
           </a:p>
@@ -1649,7 +1650,7 @@
           <a:p>
             <a:fld id="{CAA94819-728F-480F-A909-E4598EC91444}" type="datetimeFigureOut">
               <a:rPr lang="en-GB" smtClean="0"/>
-              <a:t>13/11/2023</a:t>
+              <a:t>17/11/2023</a:t>
             </a:fld>
             <a:endParaRPr lang="en-GB"/>
           </a:p>
@@ -1767,7 +1768,7 @@
           <a:p>
             <a:fld id="{CAA94819-728F-480F-A909-E4598EC91444}" type="datetimeFigureOut">
               <a:rPr lang="en-GB" smtClean="0"/>
-              <a:t>13/11/2023</a:t>
+              <a:t>17/11/2023</a:t>
             </a:fld>
             <a:endParaRPr lang="en-GB"/>
           </a:p>
@@ -1862,7 +1863,7 @@
           <a:p>
             <a:fld id="{CAA94819-728F-480F-A909-E4598EC91444}" type="datetimeFigureOut">
               <a:rPr lang="en-GB" smtClean="0"/>
-              <a:t>13/11/2023</a:t>
+              <a:t>17/11/2023</a:t>
             </a:fld>
             <a:endParaRPr lang="en-GB"/>
           </a:p>
@@ -2139,7 +2140,7 @@
           <a:p>
             <a:fld id="{CAA94819-728F-480F-A909-E4598EC91444}" type="datetimeFigureOut">
               <a:rPr lang="en-GB" smtClean="0"/>
-              <a:t>13/11/2023</a:t>
+              <a:t>17/11/2023</a:t>
             </a:fld>
             <a:endParaRPr lang="en-GB"/>
           </a:p>
@@ -2396,7 +2397,7 @@
           <a:p>
             <a:fld id="{CAA94819-728F-480F-A909-E4598EC91444}" type="datetimeFigureOut">
               <a:rPr lang="en-GB" smtClean="0"/>
-              <a:t>13/11/2023</a:t>
+              <a:t>17/11/2023</a:t>
             </a:fld>
             <a:endParaRPr lang="en-GB"/>
           </a:p>
@@ -2607,7 +2608,7 @@
           <a:p>
             <a:fld id="{CAA94819-728F-480F-A909-E4598EC91444}" type="datetimeFigureOut">
               <a:rPr lang="en-GB" smtClean="0"/>
-              <a:t>13/11/2023</a:t>
+              <a:t>17/11/2023</a:t>
             </a:fld>
             <a:endParaRPr lang="en-GB"/>
           </a:p>
@@ -3470,6 +3471,89 @@
 <file path=ppt/slides/slide13.xml><?xml version="1.0" encoding="utf-8"?>
 <p:sld xmlns:a="http://schemas.openxmlformats.org/drawingml/2006/main" xmlns:r="http://schemas.openxmlformats.org/officeDocument/2006/relationships" xmlns:p="http://schemas.openxmlformats.org/presentationml/2006/main">
   <p:cSld>
+    <p:spTree>
+      <p:nvGrpSpPr>
+        <p:cNvPr id="1" name=""/>
+        <p:cNvGrpSpPr/>
+        <p:nvPr/>
+      </p:nvGrpSpPr>
+      <p:grpSpPr>
+        <a:xfrm>
+          <a:off x="0" y="0"/>
+          <a:ext cx="0" cy="0"/>
+          <a:chOff x="0" y="0"/>
+          <a:chExt cx="0" cy="0"/>
+        </a:xfrm>
+      </p:grpSpPr>
+      <p:sp>
+        <p:nvSpPr>
+          <p:cNvPr id="2" name="Title 1">
+            <a:extLst>
+              <a:ext uri="{FF2B5EF4-FFF2-40B4-BE49-F238E27FC236}">
+                <a16:creationId xmlns:a16="http://schemas.microsoft.com/office/drawing/2014/main" id="{3E2592AF-3A09-0703-F280-417285D7E308}"/>
+              </a:ext>
+            </a:extLst>
+          </p:cNvPr>
+          <p:cNvSpPr>
+            <a:spLocks noGrp="1"/>
+          </p:cNvSpPr>
+          <p:nvPr>
+            <p:ph type="title"/>
+          </p:nvPr>
+        </p:nvSpPr>
+        <p:spPr/>
+        <p:txBody>
+          <a:bodyPr/>
+          <a:lstStyle/>
+          <a:p>
+            <a:r>
+              <a:rPr lang="en-GB" dirty="0"/>
+              <a:t>I am getting old</a:t>
+            </a:r>
+          </a:p>
+        </p:txBody>
+      </p:sp>
+      <p:sp>
+        <p:nvSpPr>
+          <p:cNvPr id="3" name="Text Placeholder 2">
+            <a:extLst>
+              <a:ext uri="{FF2B5EF4-FFF2-40B4-BE49-F238E27FC236}">
+                <a16:creationId xmlns:a16="http://schemas.microsoft.com/office/drawing/2014/main" id="{7F07B8AD-C0C4-4F0E-9589-66CDA08342D5}"/>
+              </a:ext>
+            </a:extLst>
+          </p:cNvPr>
+          <p:cNvSpPr>
+            <a:spLocks noGrp="1"/>
+          </p:cNvSpPr>
+          <p:nvPr>
+            <p:ph type="body" idx="1"/>
+          </p:nvPr>
+        </p:nvSpPr>
+        <p:spPr/>
+        <p:txBody>
+          <a:bodyPr/>
+          <a:lstStyle/>
+          <a:p>
+            <a:endParaRPr lang="en-GB"/>
+          </a:p>
+        </p:txBody>
+      </p:sp>
+    </p:spTree>
+    <p:extLst>
+      <p:ext uri="{BB962C8B-B14F-4D97-AF65-F5344CB8AC3E}">
+        <p14:creationId xmlns:p14="http://schemas.microsoft.com/office/powerpoint/2010/main" val="4043463641"/>
+      </p:ext>
+    </p:extLst>
+  </p:cSld>
+  <p:clrMapOvr>
+    <a:masterClrMapping/>
+  </p:clrMapOvr>
+</p:sld>
+</file>
+
+<file path=ppt/slides/slide14.xml><?xml version="1.0" encoding="utf-8"?>
+<p:sld xmlns:a="http://schemas.openxmlformats.org/drawingml/2006/main" xmlns:r="http://schemas.openxmlformats.org/officeDocument/2006/relationships" xmlns:p="http://schemas.openxmlformats.org/presentationml/2006/main">
+  <p:cSld>
     <p:bg>
       <p:bgPr>
         <a:solidFill>
@@ -3552,7 +3636,7 @@
 </p:sld>
 </file>
 
-<file path=ppt/slides/slide14.xml><?xml version="1.0" encoding="utf-8"?>
+<file path=ppt/slides/slide15.xml><?xml version="1.0" encoding="utf-8"?>
 <p:sld xmlns:a="http://schemas.openxmlformats.org/drawingml/2006/main" xmlns:r="http://schemas.openxmlformats.org/officeDocument/2006/relationships" xmlns:p="http://schemas.openxmlformats.org/presentationml/2006/main">
   <p:cSld>
     <p:spTree>
@@ -4161,7 +4245,7 @@
 </p:sld>
 </file>
 
-<file path=ppt/slides/slide15.xml><?xml version="1.0" encoding="utf-8"?>
+<file path=ppt/slides/slide16.xml><?xml version="1.0" encoding="utf-8"?>
 <p:sld xmlns:a="http://schemas.openxmlformats.org/drawingml/2006/main" xmlns:r="http://schemas.openxmlformats.org/officeDocument/2006/relationships" xmlns:p="http://schemas.openxmlformats.org/presentationml/2006/main">
   <p:cSld>
     <p:spTree>
@@ -4256,7 +4340,7 @@
 </p:sld>
 </file>
 
-<file path=ppt/slides/slide16.xml><?xml version="1.0" encoding="utf-8"?>
+<file path=ppt/slides/slide17.xml><?xml version="1.0" encoding="utf-8"?>
 <p:sld xmlns:a="http://schemas.openxmlformats.org/drawingml/2006/main" xmlns:r="http://schemas.openxmlformats.org/officeDocument/2006/relationships" xmlns:p="http://schemas.openxmlformats.org/presentationml/2006/main">
   <p:cSld>
     <p:spTree>
@@ -4351,89 +4435,6 @@
 </p:sld>
 </file>
 
-<file path=ppt/slides/slide17.xml><?xml version="1.0" encoding="utf-8"?>
-<p:sld xmlns:a="http://schemas.openxmlformats.org/drawingml/2006/main" xmlns:r="http://schemas.openxmlformats.org/officeDocument/2006/relationships" xmlns:p="http://schemas.openxmlformats.org/presentationml/2006/main">
-  <p:cSld>
-    <p:spTree>
-      <p:nvGrpSpPr>
-        <p:cNvPr id="1" name=""/>
-        <p:cNvGrpSpPr/>
-        <p:nvPr/>
-      </p:nvGrpSpPr>
-      <p:grpSpPr>
-        <a:xfrm>
-          <a:off x="0" y="0"/>
-          <a:ext cx="0" cy="0"/>
-          <a:chOff x="0" y="0"/>
-          <a:chExt cx="0" cy="0"/>
-        </a:xfrm>
-      </p:grpSpPr>
-      <p:sp>
-        <p:nvSpPr>
-          <p:cNvPr id="2" name="Title 1">
-            <a:extLst>
-              <a:ext uri="{FF2B5EF4-FFF2-40B4-BE49-F238E27FC236}">
-                <a16:creationId xmlns:a16="http://schemas.microsoft.com/office/drawing/2014/main" id="{4EF03EDA-FD97-7B63-8C42-0AC11307F9C0}"/>
-              </a:ext>
-            </a:extLst>
-          </p:cNvPr>
-          <p:cNvSpPr>
-            <a:spLocks noGrp="1"/>
-          </p:cNvSpPr>
-          <p:nvPr>
-            <p:ph type="title"/>
-          </p:nvPr>
-        </p:nvSpPr>
-        <p:spPr/>
-        <p:txBody>
-          <a:bodyPr/>
-          <a:lstStyle/>
-          <a:p>
-            <a:r>
-              <a:rPr lang="en-GB" dirty="0"/>
-              <a:t>Paths</a:t>
-            </a:r>
-          </a:p>
-        </p:txBody>
-      </p:sp>
-      <p:sp>
-        <p:nvSpPr>
-          <p:cNvPr id="3" name="Text Placeholder 2">
-            <a:extLst>
-              <a:ext uri="{FF2B5EF4-FFF2-40B4-BE49-F238E27FC236}">
-                <a16:creationId xmlns:a16="http://schemas.microsoft.com/office/drawing/2014/main" id="{9F84FDAE-B33C-F8A9-4254-8999ACD6B548}"/>
-              </a:ext>
-            </a:extLst>
-          </p:cNvPr>
-          <p:cNvSpPr>
-            <a:spLocks noGrp="1"/>
-          </p:cNvSpPr>
-          <p:nvPr>
-            <p:ph type="body" idx="1"/>
-          </p:nvPr>
-        </p:nvSpPr>
-        <p:spPr/>
-        <p:txBody>
-          <a:bodyPr/>
-          <a:lstStyle/>
-          <a:p>
-            <a:endParaRPr lang="en-GB"/>
-          </a:p>
-        </p:txBody>
-      </p:sp>
-    </p:spTree>
-    <p:extLst>
-      <p:ext uri="{BB962C8B-B14F-4D97-AF65-F5344CB8AC3E}">
-        <p14:creationId xmlns:p14="http://schemas.microsoft.com/office/powerpoint/2010/main" val="1077859955"/>
-      </p:ext>
-    </p:extLst>
-  </p:cSld>
-  <p:clrMapOvr>
-    <a:masterClrMapping/>
-  </p:clrMapOvr>
-</p:sld>
-</file>
-
 <file path=ppt/slides/slide18.xml><?xml version="1.0" encoding="utf-8"?>
 <p:sld xmlns:a="http://schemas.openxmlformats.org/drawingml/2006/main" xmlns:r="http://schemas.openxmlformats.org/officeDocument/2006/relationships" xmlns:p="http://schemas.openxmlformats.org/presentationml/2006/main">
   <p:cSld>
@@ -4451,46 +4452,63 @@
           <a:chExt cx="0" cy="0"/>
         </a:xfrm>
       </p:grpSpPr>
-      <p:pic>
-        <p:nvPicPr>
-          <p:cNvPr id="3" name="Picture 2">
+      <p:sp>
+        <p:nvSpPr>
+          <p:cNvPr id="2" name="Title 1">
             <a:extLst>
               <a:ext uri="{FF2B5EF4-FFF2-40B4-BE49-F238E27FC236}">
-                <a16:creationId xmlns:a16="http://schemas.microsoft.com/office/drawing/2014/main" id="{20278691-2C7B-9B6B-6C83-27419A65A770}"/>
+                <a16:creationId xmlns:a16="http://schemas.microsoft.com/office/drawing/2014/main" id="{4EF03EDA-FD97-7B63-8C42-0AC11307F9C0}"/>
               </a:ext>
             </a:extLst>
           </p:cNvPr>
-          <p:cNvPicPr>
-            <a:picLocks noChangeAspect="1"/>
-          </p:cNvPicPr>
-          <p:nvPr/>
-        </p:nvPicPr>
-        <p:blipFill>
-          <a:blip r:embed="rId2">
-            <a:extLst>
-              <a:ext uri="{28A0092B-C50C-407E-A947-70E740481C1C}">
-                <a14:useLocalDpi xmlns:a14="http://schemas.microsoft.com/office/drawing/2010/main" val="0"/>
-              </a:ext>
-            </a:extLst>
-          </a:blip>
-          <a:stretch>
-            <a:fillRect/>
-          </a:stretch>
-        </p:blipFill>
-        <p:spPr>
-          <a:xfrm>
-            <a:off x="1450258" y="0"/>
-            <a:ext cx="9291484" cy="6858000"/>
-          </a:xfrm>
-          <a:prstGeom prst="rect">
-            <a:avLst/>
-          </a:prstGeom>
-        </p:spPr>
-      </p:pic>
+          <p:cNvSpPr>
+            <a:spLocks noGrp="1"/>
+          </p:cNvSpPr>
+          <p:nvPr>
+            <p:ph type="title"/>
+          </p:nvPr>
+        </p:nvSpPr>
+        <p:spPr/>
+        <p:txBody>
+          <a:bodyPr/>
+          <a:lstStyle/>
+          <a:p>
+            <a:r>
+              <a:rPr lang="en-GB" dirty="0"/>
+              <a:t>Paths</a:t>
+            </a:r>
+          </a:p>
+        </p:txBody>
+      </p:sp>
+      <p:sp>
+        <p:nvSpPr>
+          <p:cNvPr id="3" name="Text Placeholder 2">
+            <a:extLst>
+              <a:ext uri="{FF2B5EF4-FFF2-40B4-BE49-F238E27FC236}">
+                <a16:creationId xmlns:a16="http://schemas.microsoft.com/office/drawing/2014/main" id="{9F84FDAE-B33C-F8A9-4254-8999ACD6B548}"/>
+              </a:ext>
+            </a:extLst>
+          </p:cNvPr>
+          <p:cNvSpPr>
+            <a:spLocks noGrp="1"/>
+          </p:cNvSpPr>
+          <p:nvPr>
+            <p:ph type="body" idx="1"/>
+          </p:nvPr>
+        </p:nvSpPr>
+        <p:spPr/>
+        <p:txBody>
+          <a:bodyPr/>
+          <a:lstStyle/>
+          <a:p>
+            <a:endParaRPr lang="en-GB"/>
+          </a:p>
+        </p:txBody>
+      </p:sp>
     </p:spTree>
     <p:extLst>
       <p:ext uri="{BB962C8B-B14F-4D97-AF65-F5344CB8AC3E}">
-        <p14:creationId xmlns:p14="http://schemas.microsoft.com/office/powerpoint/2010/main" val="3452205298"/>
+        <p14:creationId xmlns:p14="http://schemas.microsoft.com/office/powerpoint/2010/main" val="1077859955"/>
       </p:ext>
     </p:extLst>
   </p:cSld>
@@ -4517,63 +4535,46 @@
           <a:chExt cx="0" cy="0"/>
         </a:xfrm>
       </p:grpSpPr>
-      <p:sp>
-        <p:nvSpPr>
-          <p:cNvPr id="2" name="Title 1">
+      <p:pic>
+        <p:nvPicPr>
+          <p:cNvPr id="3" name="Picture 2">
             <a:extLst>
               <a:ext uri="{FF2B5EF4-FFF2-40B4-BE49-F238E27FC236}">
-                <a16:creationId xmlns:a16="http://schemas.microsoft.com/office/drawing/2014/main" id="{74E7A29E-F7CB-8F90-FB6C-97500FBD8504}"/>
+                <a16:creationId xmlns:a16="http://schemas.microsoft.com/office/drawing/2014/main" id="{20278691-2C7B-9B6B-6C83-27419A65A770}"/>
               </a:ext>
             </a:extLst>
           </p:cNvPr>
-          <p:cNvSpPr>
-            <a:spLocks noGrp="1"/>
-          </p:cNvSpPr>
-          <p:nvPr>
-            <p:ph type="title"/>
-          </p:nvPr>
-        </p:nvSpPr>
-        <p:spPr/>
-        <p:txBody>
-          <a:bodyPr/>
-          <a:lstStyle/>
-          <a:p>
-            <a:r>
-              <a:rPr lang="en-GB" dirty="0"/>
-              <a:t>Responses</a:t>
-            </a:r>
-          </a:p>
-        </p:txBody>
-      </p:sp>
-      <p:sp>
-        <p:nvSpPr>
-          <p:cNvPr id="3" name="Text Placeholder 2">
-            <a:extLst>
-              <a:ext uri="{FF2B5EF4-FFF2-40B4-BE49-F238E27FC236}">
-                <a16:creationId xmlns:a16="http://schemas.microsoft.com/office/drawing/2014/main" id="{DE9F0BB5-4BC2-DB44-7F24-D05A668584E1}"/>
-              </a:ext>
-            </a:extLst>
-          </p:cNvPr>
-          <p:cNvSpPr>
-            <a:spLocks noGrp="1"/>
-          </p:cNvSpPr>
-          <p:nvPr>
-            <p:ph type="body" idx="1"/>
-          </p:nvPr>
-        </p:nvSpPr>
-        <p:spPr/>
-        <p:txBody>
-          <a:bodyPr/>
-          <a:lstStyle/>
-          <a:p>
-            <a:endParaRPr lang="en-GB"/>
-          </a:p>
-        </p:txBody>
-      </p:sp>
+          <p:cNvPicPr>
+            <a:picLocks noChangeAspect="1"/>
+          </p:cNvPicPr>
+          <p:nvPr/>
+        </p:nvPicPr>
+        <p:blipFill>
+          <a:blip r:embed="rId2">
+            <a:extLst>
+              <a:ext uri="{28A0092B-C50C-407E-A947-70E740481C1C}">
+                <a14:useLocalDpi xmlns:a14="http://schemas.microsoft.com/office/drawing/2010/main" val="0"/>
+              </a:ext>
+            </a:extLst>
+          </a:blip>
+          <a:stretch>
+            <a:fillRect/>
+          </a:stretch>
+        </p:blipFill>
+        <p:spPr>
+          <a:xfrm>
+            <a:off x="1450258" y="0"/>
+            <a:ext cx="9291484" cy="6858000"/>
+          </a:xfrm>
+          <a:prstGeom prst="rect">
+            <a:avLst/>
+          </a:prstGeom>
+        </p:spPr>
+      </p:pic>
     </p:spTree>
     <p:extLst>
       <p:ext uri="{BB962C8B-B14F-4D97-AF65-F5344CB8AC3E}">
-        <p14:creationId xmlns:p14="http://schemas.microsoft.com/office/powerpoint/2010/main" val="4142005799"/>
+        <p14:creationId xmlns:p14="http://schemas.microsoft.com/office/powerpoint/2010/main" val="3452205298"/>
       </p:ext>
     </p:extLst>
   </p:cSld>
@@ -4756,46 +4757,63 @@
           <a:chExt cx="0" cy="0"/>
         </a:xfrm>
       </p:grpSpPr>
-      <p:pic>
-        <p:nvPicPr>
-          <p:cNvPr id="3" name="Picture 2">
+      <p:sp>
+        <p:nvSpPr>
+          <p:cNvPr id="2" name="Title 1">
             <a:extLst>
               <a:ext uri="{FF2B5EF4-FFF2-40B4-BE49-F238E27FC236}">
-                <a16:creationId xmlns:a16="http://schemas.microsoft.com/office/drawing/2014/main" id="{A31B2884-4ED8-201A-D2EB-02390A12C3C5}"/>
+                <a16:creationId xmlns:a16="http://schemas.microsoft.com/office/drawing/2014/main" id="{74E7A29E-F7CB-8F90-FB6C-97500FBD8504}"/>
               </a:ext>
             </a:extLst>
           </p:cNvPr>
-          <p:cNvPicPr>
-            <a:picLocks noChangeAspect="1"/>
-          </p:cNvPicPr>
-          <p:nvPr/>
-        </p:nvPicPr>
-        <p:blipFill>
-          <a:blip r:embed="rId2">
-            <a:extLst>
-              <a:ext uri="{28A0092B-C50C-407E-A947-70E740481C1C}">
-                <a14:useLocalDpi xmlns:a14="http://schemas.microsoft.com/office/drawing/2010/main" val="0"/>
-              </a:ext>
-            </a:extLst>
-          </a:blip>
-          <a:stretch>
-            <a:fillRect/>
-          </a:stretch>
-        </p:blipFill>
-        <p:spPr>
-          <a:xfrm>
-            <a:off x="3288591" y="0"/>
-            <a:ext cx="5614817" cy="6858000"/>
-          </a:xfrm>
-          <a:prstGeom prst="rect">
-            <a:avLst/>
-          </a:prstGeom>
-        </p:spPr>
-      </p:pic>
+          <p:cNvSpPr>
+            <a:spLocks noGrp="1"/>
+          </p:cNvSpPr>
+          <p:nvPr>
+            <p:ph type="title"/>
+          </p:nvPr>
+        </p:nvSpPr>
+        <p:spPr/>
+        <p:txBody>
+          <a:bodyPr/>
+          <a:lstStyle/>
+          <a:p>
+            <a:r>
+              <a:rPr lang="en-GB" dirty="0"/>
+              <a:t>Responses</a:t>
+            </a:r>
+          </a:p>
+        </p:txBody>
+      </p:sp>
+      <p:sp>
+        <p:nvSpPr>
+          <p:cNvPr id="3" name="Text Placeholder 2">
+            <a:extLst>
+              <a:ext uri="{FF2B5EF4-FFF2-40B4-BE49-F238E27FC236}">
+                <a16:creationId xmlns:a16="http://schemas.microsoft.com/office/drawing/2014/main" id="{DE9F0BB5-4BC2-DB44-7F24-D05A668584E1}"/>
+              </a:ext>
+            </a:extLst>
+          </p:cNvPr>
+          <p:cNvSpPr>
+            <a:spLocks noGrp="1"/>
+          </p:cNvSpPr>
+          <p:nvPr>
+            <p:ph type="body" idx="1"/>
+          </p:nvPr>
+        </p:nvSpPr>
+        <p:spPr/>
+        <p:txBody>
+          <a:bodyPr/>
+          <a:lstStyle/>
+          <a:p>
+            <a:endParaRPr lang="en-GB"/>
+          </a:p>
+        </p:txBody>
+      </p:sp>
     </p:spTree>
     <p:extLst>
       <p:ext uri="{BB962C8B-B14F-4D97-AF65-F5344CB8AC3E}">
-        <p14:creationId xmlns:p14="http://schemas.microsoft.com/office/powerpoint/2010/main" val="218749938"/>
+        <p14:creationId xmlns:p14="http://schemas.microsoft.com/office/powerpoint/2010/main" val="4142005799"/>
       </p:ext>
     </p:extLst>
   </p:cSld>
@@ -4827,6 +4845,72 @@
           <p:cNvPr id="3" name="Picture 2">
             <a:extLst>
               <a:ext uri="{FF2B5EF4-FFF2-40B4-BE49-F238E27FC236}">
+                <a16:creationId xmlns:a16="http://schemas.microsoft.com/office/drawing/2014/main" id="{A31B2884-4ED8-201A-D2EB-02390A12C3C5}"/>
+              </a:ext>
+            </a:extLst>
+          </p:cNvPr>
+          <p:cNvPicPr>
+            <a:picLocks noChangeAspect="1"/>
+          </p:cNvPicPr>
+          <p:nvPr/>
+        </p:nvPicPr>
+        <p:blipFill>
+          <a:blip r:embed="rId2">
+            <a:extLst>
+              <a:ext uri="{28A0092B-C50C-407E-A947-70E740481C1C}">
+                <a14:useLocalDpi xmlns:a14="http://schemas.microsoft.com/office/drawing/2010/main" val="0"/>
+              </a:ext>
+            </a:extLst>
+          </a:blip>
+          <a:stretch>
+            <a:fillRect/>
+          </a:stretch>
+        </p:blipFill>
+        <p:spPr>
+          <a:xfrm>
+            <a:off x="3288591" y="0"/>
+            <a:ext cx="5614817" cy="6858000"/>
+          </a:xfrm>
+          <a:prstGeom prst="rect">
+            <a:avLst/>
+          </a:prstGeom>
+        </p:spPr>
+      </p:pic>
+    </p:spTree>
+    <p:extLst>
+      <p:ext uri="{BB962C8B-B14F-4D97-AF65-F5344CB8AC3E}">
+        <p14:creationId xmlns:p14="http://schemas.microsoft.com/office/powerpoint/2010/main" val="218749938"/>
+      </p:ext>
+    </p:extLst>
+  </p:cSld>
+  <p:clrMapOvr>
+    <a:masterClrMapping/>
+  </p:clrMapOvr>
+</p:sld>
+</file>
+
+<file path=ppt/slides/slide22.xml><?xml version="1.0" encoding="utf-8"?>
+<p:sld xmlns:a="http://schemas.openxmlformats.org/drawingml/2006/main" xmlns:r="http://schemas.openxmlformats.org/officeDocument/2006/relationships" xmlns:p="http://schemas.openxmlformats.org/presentationml/2006/main">
+  <p:cSld>
+    <p:spTree>
+      <p:nvGrpSpPr>
+        <p:cNvPr id="1" name=""/>
+        <p:cNvGrpSpPr/>
+        <p:nvPr/>
+      </p:nvGrpSpPr>
+      <p:grpSpPr>
+        <a:xfrm>
+          <a:off x="0" y="0"/>
+          <a:ext cx="0" cy="0"/>
+          <a:chOff x="0" y="0"/>
+          <a:chExt cx="0" cy="0"/>
+        </a:xfrm>
+      </p:grpSpPr>
+      <p:pic>
+        <p:nvPicPr>
+          <p:cNvPr id="3" name="Picture 2">
+            <a:extLst>
+              <a:ext uri="{FF2B5EF4-FFF2-40B4-BE49-F238E27FC236}">
                 <a16:creationId xmlns:a16="http://schemas.microsoft.com/office/drawing/2014/main" id="{29A5000D-954B-BB73-21C5-D7B483BAA07B}"/>
               </a:ext>
             </a:extLst>
@@ -4871,7 +4955,7 @@
 </p:sld>
 </file>
 
-<file path=ppt/slides/slide22.xml><?xml version="1.0" encoding="utf-8"?>
+<file path=ppt/slides/slide23.xml><?xml version="1.0" encoding="utf-8"?>
 <p:sld xmlns:a="http://schemas.openxmlformats.org/drawingml/2006/main" xmlns:r="http://schemas.openxmlformats.org/officeDocument/2006/relationships" xmlns:p="http://schemas.openxmlformats.org/presentationml/2006/main">
   <p:cSld>
     <p:spTree>
@@ -4954,7 +5038,7 @@
 </p:sld>
 </file>
 
-<file path=ppt/slides/slide23.xml><?xml version="1.0" encoding="utf-8"?>
+<file path=ppt/slides/slide24.xml><?xml version="1.0" encoding="utf-8"?>
 <p:sld xmlns:a="http://schemas.openxmlformats.org/drawingml/2006/main" xmlns:r="http://schemas.openxmlformats.org/officeDocument/2006/relationships" xmlns:p="http://schemas.openxmlformats.org/presentationml/2006/main">
   <p:cSld>
     <p:spTree>
@@ -5020,89 +5104,6 @@
 </p:sld>
 </file>
 
-<file path=ppt/slides/slide24.xml><?xml version="1.0" encoding="utf-8"?>
-<p:sld xmlns:a="http://schemas.openxmlformats.org/drawingml/2006/main" xmlns:r="http://schemas.openxmlformats.org/officeDocument/2006/relationships" xmlns:p="http://schemas.openxmlformats.org/presentationml/2006/main">
-  <p:cSld>
-    <p:spTree>
-      <p:nvGrpSpPr>
-        <p:cNvPr id="1" name=""/>
-        <p:cNvGrpSpPr/>
-        <p:nvPr/>
-      </p:nvGrpSpPr>
-      <p:grpSpPr>
-        <a:xfrm>
-          <a:off x="0" y="0"/>
-          <a:ext cx="0" cy="0"/>
-          <a:chOff x="0" y="0"/>
-          <a:chExt cx="0" cy="0"/>
-        </a:xfrm>
-      </p:grpSpPr>
-      <p:sp>
-        <p:nvSpPr>
-          <p:cNvPr id="2" name="Title 1">
-            <a:extLst>
-              <a:ext uri="{FF2B5EF4-FFF2-40B4-BE49-F238E27FC236}">
-                <a16:creationId xmlns:a16="http://schemas.microsoft.com/office/drawing/2014/main" id="{F881F197-D92A-5587-514A-AE6EA11B47F2}"/>
-              </a:ext>
-            </a:extLst>
-          </p:cNvPr>
-          <p:cNvSpPr>
-            <a:spLocks noGrp="1"/>
-          </p:cNvSpPr>
-          <p:nvPr>
-            <p:ph type="title"/>
-          </p:nvPr>
-        </p:nvSpPr>
-        <p:spPr/>
-        <p:txBody>
-          <a:bodyPr/>
-          <a:lstStyle/>
-          <a:p>
-            <a:r>
-              <a:rPr lang="en-GB" dirty="0"/>
-              <a:t>Requests</a:t>
-            </a:r>
-          </a:p>
-        </p:txBody>
-      </p:sp>
-      <p:sp>
-        <p:nvSpPr>
-          <p:cNvPr id="3" name="Text Placeholder 2">
-            <a:extLst>
-              <a:ext uri="{FF2B5EF4-FFF2-40B4-BE49-F238E27FC236}">
-                <a16:creationId xmlns:a16="http://schemas.microsoft.com/office/drawing/2014/main" id="{68BD869B-2C74-3285-8002-08C7D0ADF9A0}"/>
-              </a:ext>
-            </a:extLst>
-          </p:cNvPr>
-          <p:cNvSpPr>
-            <a:spLocks noGrp="1"/>
-          </p:cNvSpPr>
-          <p:nvPr>
-            <p:ph type="body" idx="1"/>
-          </p:nvPr>
-        </p:nvSpPr>
-        <p:spPr/>
-        <p:txBody>
-          <a:bodyPr/>
-          <a:lstStyle/>
-          <a:p>
-            <a:endParaRPr lang="en-GB"/>
-          </a:p>
-        </p:txBody>
-      </p:sp>
-    </p:spTree>
-    <p:extLst>
-      <p:ext uri="{BB962C8B-B14F-4D97-AF65-F5344CB8AC3E}">
-        <p14:creationId xmlns:p14="http://schemas.microsoft.com/office/powerpoint/2010/main" val="3718225382"/>
-      </p:ext>
-    </p:extLst>
-  </p:cSld>
-  <p:clrMapOvr>
-    <a:masterClrMapping/>
-  </p:clrMapOvr>
-</p:sld>
-</file>
-
 <file path=ppt/slides/slide25.xml><?xml version="1.0" encoding="utf-8"?>
 <p:sld xmlns:a="http://schemas.openxmlformats.org/drawingml/2006/main" xmlns:r="http://schemas.openxmlformats.org/officeDocument/2006/relationships" xmlns:p="http://schemas.openxmlformats.org/presentationml/2006/main">
   <p:cSld>
@@ -5120,46 +5121,63 @@
           <a:chExt cx="0" cy="0"/>
         </a:xfrm>
       </p:grpSpPr>
-      <p:pic>
-        <p:nvPicPr>
-          <p:cNvPr id="7" name="Picture 6" descr="Text&#10;&#10;Description automatically generated">
+      <p:sp>
+        <p:nvSpPr>
+          <p:cNvPr id="2" name="Title 1">
             <a:extLst>
               <a:ext uri="{FF2B5EF4-FFF2-40B4-BE49-F238E27FC236}">
-                <a16:creationId xmlns:a16="http://schemas.microsoft.com/office/drawing/2014/main" id="{E16CFAC7-075C-156B-F358-A73D8E12E098}"/>
+                <a16:creationId xmlns:a16="http://schemas.microsoft.com/office/drawing/2014/main" id="{F881F197-D92A-5587-514A-AE6EA11B47F2}"/>
               </a:ext>
             </a:extLst>
           </p:cNvPr>
-          <p:cNvPicPr>
-            <a:picLocks noChangeAspect="1"/>
-          </p:cNvPicPr>
-          <p:nvPr/>
-        </p:nvPicPr>
-        <p:blipFill>
-          <a:blip r:embed="rId2">
-            <a:extLst>
-              <a:ext uri="{28A0092B-C50C-407E-A947-70E740481C1C}">
-                <a14:useLocalDpi xmlns:a14="http://schemas.microsoft.com/office/drawing/2010/main" val="0"/>
-              </a:ext>
-            </a:extLst>
-          </a:blip>
-          <a:stretch>
-            <a:fillRect/>
-          </a:stretch>
-        </p:blipFill>
-        <p:spPr>
-          <a:xfrm>
-            <a:off x="3055313" y="0"/>
-            <a:ext cx="6081374" cy="6858000"/>
-          </a:xfrm>
-          <a:prstGeom prst="rect">
-            <a:avLst/>
-          </a:prstGeom>
-        </p:spPr>
-      </p:pic>
+          <p:cNvSpPr>
+            <a:spLocks noGrp="1"/>
+          </p:cNvSpPr>
+          <p:nvPr>
+            <p:ph type="title"/>
+          </p:nvPr>
+        </p:nvSpPr>
+        <p:spPr/>
+        <p:txBody>
+          <a:bodyPr/>
+          <a:lstStyle/>
+          <a:p>
+            <a:r>
+              <a:rPr lang="en-GB" dirty="0"/>
+              <a:t>Requests</a:t>
+            </a:r>
+          </a:p>
+        </p:txBody>
+      </p:sp>
+      <p:sp>
+        <p:nvSpPr>
+          <p:cNvPr id="3" name="Text Placeholder 2">
+            <a:extLst>
+              <a:ext uri="{FF2B5EF4-FFF2-40B4-BE49-F238E27FC236}">
+                <a16:creationId xmlns:a16="http://schemas.microsoft.com/office/drawing/2014/main" id="{68BD869B-2C74-3285-8002-08C7D0ADF9A0}"/>
+              </a:ext>
+            </a:extLst>
+          </p:cNvPr>
+          <p:cNvSpPr>
+            <a:spLocks noGrp="1"/>
+          </p:cNvSpPr>
+          <p:nvPr>
+            <p:ph type="body" idx="1"/>
+          </p:nvPr>
+        </p:nvSpPr>
+        <p:spPr/>
+        <p:txBody>
+          <a:bodyPr/>
+          <a:lstStyle/>
+          <a:p>
+            <a:endParaRPr lang="en-GB"/>
+          </a:p>
+        </p:txBody>
+      </p:sp>
     </p:spTree>
     <p:extLst>
       <p:ext uri="{BB962C8B-B14F-4D97-AF65-F5344CB8AC3E}">
-        <p14:creationId xmlns:p14="http://schemas.microsoft.com/office/powerpoint/2010/main" val="2225673593"/>
+        <p14:creationId xmlns:p14="http://schemas.microsoft.com/office/powerpoint/2010/main" val="3718225382"/>
       </p:ext>
     </p:extLst>
   </p:cSld>
@@ -5186,63 +5204,40 @@
           <a:chExt cx="0" cy="0"/>
         </a:xfrm>
       </p:grpSpPr>
-      <p:sp>
-        <p:nvSpPr>
-          <p:cNvPr id="2" name="Title 1">
+      <p:pic>
+        <p:nvPicPr>
+          <p:cNvPr id="3" name="Picture 2">
             <a:extLst>
               <a:ext uri="{FF2B5EF4-FFF2-40B4-BE49-F238E27FC236}">
-                <a16:creationId xmlns:a16="http://schemas.microsoft.com/office/drawing/2014/main" id="{AB1909BC-ECAC-9925-6834-0233827C568D}"/>
+                <a16:creationId xmlns:a16="http://schemas.microsoft.com/office/drawing/2014/main" id="{4AA8FFAC-5062-7074-7EFD-20CBA29BDD4C}"/>
               </a:ext>
             </a:extLst>
           </p:cNvPr>
-          <p:cNvSpPr>
-            <a:spLocks noGrp="1"/>
-          </p:cNvSpPr>
-          <p:nvPr>
-            <p:ph type="title"/>
-          </p:nvPr>
-        </p:nvSpPr>
-        <p:spPr/>
-        <p:txBody>
-          <a:bodyPr/>
-          <a:lstStyle/>
-          <a:p>
-            <a:r>
-              <a:rPr lang="en-GB" dirty="0"/>
-              <a:t>Components</a:t>
-            </a:r>
-          </a:p>
-        </p:txBody>
-      </p:sp>
-      <p:sp>
-        <p:nvSpPr>
-          <p:cNvPr id="3" name="Text Placeholder 2">
-            <a:extLst>
-              <a:ext uri="{FF2B5EF4-FFF2-40B4-BE49-F238E27FC236}">
-                <a16:creationId xmlns:a16="http://schemas.microsoft.com/office/drawing/2014/main" id="{C318A013-F4FB-B134-BDCB-3BCE6963A496}"/>
-              </a:ext>
-            </a:extLst>
-          </p:cNvPr>
-          <p:cNvSpPr>
-            <a:spLocks noGrp="1"/>
-          </p:cNvSpPr>
-          <p:nvPr>
-            <p:ph type="body" idx="1"/>
-          </p:nvPr>
-        </p:nvSpPr>
-        <p:spPr/>
-        <p:txBody>
-          <a:bodyPr/>
-          <a:lstStyle/>
-          <a:p>
-            <a:endParaRPr lang="en-GB"/>
-          </a:p>
-        </p:txBody>
-      </p:sp>
+          <p:cNvPicPr>
+            <a:picLocks noChangeAspect="1"/>
+          </p:cNvPicPr>
+          <p:nvPr/>
+        </p:nvPicPr>
+        <p:blipFill>
+          <a:blip r:embed="rId2"/>
+          <a:stretch>
+            <a:fillRect/>
+          </a:stretch>
+        </p:blipFill>
+        <p:spPr>
+          <a:xfrm>
+            <a:off x="3398520" y="0"/>
+            <a:ext cx="5394960" cy="6858000"/>
+          </a:xfrm>
+          <a:prstGeom prst="rect">
+            <a:avLst/>
+          </a:prstGeom>
+        </p:spPr>
+      </p:pic>
     </p:spTree>
     <p:extLst>
       <p:ext uri="{BB962C8B-B14F-4D97-AF65-F5344CB8AC3E}">
-        <p14:creationId xmlns:p14="http://schemas.microsoft.com/office/powerpoint/2010/main" val="1897774868"/>
+        <p14:creationId xmlns:p14="http://schemas.microsoft.com/office/powerpoint/2010/main" val="2225673593"/>
       </p:ext>
     </p:extLst>
   </p:cSld>
@@ -5274,7 +5269,7 @@
           <p:cNvPr id="2" name="Title 1">
             <a:extLst>
               <a:ext uri="{FF2B5EF4-FFF2-40B4-BE49-F238E27FC236}">
-                <a16:creationId xmlns:a16="http://schemas.microsoft.com/office/drawing/2014/main" id="{B33D1E5F-D66B-7876-C363-1BA90D8996F0}"/>
+                <a16:creationId xmlns:a16="http://schemas.microsoft.com/office/drawing/2014/main" id="{AB1909BC-ECAC-9925-6834-0233827C568D}"/>
               </a:ext>
             </a:extLst>
           </p:cNvPr>
@@ -5299,10 +5294,10 @@
       </p:sp>
       <p:sp>
         <p:nvSpPr>
-          <p:cNvPr id="3" name="Content Placeholder 2">
+          <p:cNvPr id="3" name="Text Placeholder 2">
             <a:extLst>
               <a:ext uri="{FF2B5EF4-FFF2-40B4-BE49-F238E27FC236}">
-                <a16:creationId xmlns:a16="http://schemas.microsoft.com/office/drawing/2014/main" id="{8A2AA6D6-83A8-7AFF-1C05-0AA103E996DF}"/>
+                <a16:creationId xmlns:a16="http://schemas.microsoft.com/office/drawing/2014/main" id="{C318A013-F4FB-B134-BDCB-3BCE6963A496}"/>
               </a:ext>
             </a:extLst>
           </p:cNvPr>
@@ -5310,81 +5305,22 @@
             <a:spLocks noGrp="1"/>
           </p:cNvSpPr>
           <p:nvPr>
-            <p:ph idx="1"/>
-          </p:nvPr>
-        </p:nvSpPr>
-        <p:spPr/>
-        <p:txBody>
-          <a:bodyPr>
-            <a:normAutofit lnSpcReduction="10000"/>
-          </a:bodyPr>
-          <a:lstStyle/>
-          <a:p>
-            <a:r>
-              <a:rPr lang="en-GB" dirty="0"/>
-              <a:t>schemas</a:t>
-            </a:r>
-          </a:p>
-          <a:p>
-            <a:r>
-              <a:rPr lang="en-GB" dirty="0"/>
-              <a:t>responses</a:t>
-            </a:r>
-          </a:p>
-          <a:p>
-            <a:r>
-              <a:rPr lang="en-GB" dirty="0" err="1"/>
-              <a:t>requestBodies</a:t>
-            </a:r>
-            <a:endParaRPr lang="en-GB" dirty="0"/>
-          </a:p>
-          <a:p>
-            <a:r>
-              <a:rPr lang="en-GB" dirty="0"/>
-              <a:t>parameters</a:t>
-            </a:r>
-          </a:p>
-          <a:p>
-            <a:r>
-              <a:rPr lang="en-GB" dirty="0"/>
-              <a:t>headers</a:t>
-            </a:r>
-          </a:p>
-          <a:p>
-            <a:r>
-              <a:rPr lang="en-GB" dirty="0" err="1"/>
-              <a:t>securitySchemes</a:t>
-            </a:r>
-            <a:endParaRPr lang="en-GB" dirty="0"/>
-          </a:p>
-          <a:p>
-            <a:r>
-              <a:rPr lang="en-GB" dirty="0"/>
-              <a:t>examples</a:t>
-            </a:r>
-          </a:p>
-          <a:p>
-            <a:r>
-              <a:rPr lang="en-GB" dirty="0"/>
-              <a:t>links</a:t>
-            </a:r>
-          </a:p>
-          <a:p>
-            <a:r>
-              <a:rPr lang="en-GB" dirty="0" err="1"/>
-              <a:t>callbacks</a:t>
-            </a:r>
-            <a:endParaRPr lang="en-GB" dirty="0"/>
-          </a:p>
-          <a:p>
-            <a:endParaRPr lang="en-GB" dirty="0"/>
+            <p:ph type="body" idx="1"/>
+          </p:nvPr>
+        </p:nvSpPr>
+        <p:spPr/>
+        <p:txBody>
+          <a:bodyPr/>
+          <a:lstStyle/>
+          <a:p>
+            <a:endParaRPr lang="en-GB"/>
           </a:p>
         </p:txBody>
       </p:sp>
     </p:spTree>
     <p:extLst>
       <p:ext uri="{BB962C8B-B14F-4D97-AF65-F5344CB8AC3E}">
-        <p14:creationId xmlns:p14="http://schemas.microsoft.com/office/powerpoint/2010/main" val="2550684943"/>
+        <p14:creationId xmlns:p14="http://schemas.microsoft.com/office/powerpoint/2010/main" val="1897774868"/>
       </p:ext>
     </p:extLst>
   </p:cSld>
@@ -5411,46 +5347,122 @@
           <a:chExt cx="0" cy="0"/>
         </a:xfrm>
       </p:grpSpPr>
-      <p:pic>
-        <p:nvPicPr>
-          <p:cNvPr id="3" name="Picture 2" descr="Text&#10;&#10;Description automatically generated">
+      <p:sp>
+        <p:nvSpPr>
+          <p:cNvPr id="2" name="Title 1">
             <a:extLst>
               <a:ext uri="{FF2B5EF4-FFF2-40B4-BE49-F238E27FC236}">
-                <a16:creationId xmlns:a16="http://schemas.microsoft.com/office/drawing/2014/main" id="{E442CA6F-8CA7-684C-3037-D31F02EC1A4F}"/>
+                <a16:creationId xmlns:a16="http://schemas.microsoft.com/office/drawing/2014/main" id="{B33D1E5F-D66B-7876-C363-1BA90D8996F0}"/>
               </a:ext>
             </a:extLst>
           </p:cNvPr>
-          <p:cNvPicPr>
-            <a:picLocks noChangeAspect="1"/>
-          </p:cNvPicPr>
-          <p:nvPr/>
-        </p:nvPicPr>
-        <p:blipFill>
-          <a:blip r:embed="rId2">
-            <a:extLst>
-              <a:ext uri="{28A0092B-C50C-407E-A947-70E740481C1C}">
-                <a14:useLocalDpi xmlns:a14="http://schemas.microsoft.com/office/drawing/2010/main" val="0"/>
-              </a:ext>
-            </a:extLst>
-          </a:blip>
-          <a:stretch>
-            <a:fillRect/>
-          </a:stretch>
-        </p:blipFill>
-        <p:spPr>
-          <a:xfrm>
-            <a:off x="2926900" y="0"/>
-            <a:ext cx="6338200" cy="6858000"/>
-          </a:xfrm>
-          <a:prstGeom prst="rect">
-            <a:avLst/>
-          </a:prstGeom>
-        </p:spPr>
-      </p:pic>
+          <p:cNvSpPr>
+            <a:spLocks noGrp="1"/>
+          </p:cNvSpPr>
+          <p:nvPr>
+            <p:ph type="title"/>
+          </p:nvPr>
+        </p:nvSpPr>
+        <p:spPr/>
+        <p:txBody>
+          <a:bodyPr/>
+          <a:lstStyle/>
+          <a:p>
+            <a:r>
+              <a:rPr lang="en-GB" dirty="0"/>
+              <a:t>Components</a:t>
+            </a:r>
+          </a:p>
+        </p:txBody>
+      </p:sp>
+      <p:sp>
+        <p:nvSpPr>
+          <p:cNvPr id="3" name="Content Placeholder 2">
+            <a:extLst>
+              <a:ext uri="{FF2B5EF4-FFF2-40B4-BE49-F238E27FC236}">
+                <a16:creationId xmlns:a16="http://schemas.microsoft.com/office/drawing/2014/main" id="{8A2AA6D6-83A8-7AFF-1C05-0AA103E996DF}"/>
+              </a:ext>
+            </a:extLst>
+          </p:cNvPr>
+          <p:cNvSpPr>
+            <a:spLocks noGrp="1"/>
+          </p:cNvSpPr>
+          <p:nvPr>
+            <p:ph idx="1"/>
+          </p:nvPr>
+        </p:nvSpPr>
+        <p:spPr/>
+        <p:txBody>
+          <a:bodyPr>
+            <a:normAutofit lnSpcReduction="10000"/>
+          </a:bodyPr>
+          <a:lstStyle/>
+          <a:p>
+            <a:r>
+              <a:rPr lang="en-GB" dirty="0"/>
+              <a:t>schemas</a:t>
+            </a:r>
+          </a:p>
+          <a:p>
+            <a:r>
+              <a:rPr lang="en-GB" dirty="0"/>
+              <a:t>responses</a:t>
+            </a:r>
+          </a:p>
+          <a:p>
+            <a:r>
+              <a:rPr lang="en-GB" dirty="0" err="1"/>
+              <a:t>requestBodies</a:t>
+            </a:r>
+            <a:endParaRPr lang="en-GB" dirty="0"/>
+          </a:p>
+          <a:p>
+            <a:r>
+              <a:rPr lang="en-GB" dirty="0"/>
+              <a:t>parameters</a:t>
+            </a:r>
+          </a:p>
+          <a:p>
+            <a:r>
+              <a:rPr lang="en-GB" dirty="0"/>
+              <a:t>headers</a:t>
+            </a:r>
+          </a:p>
+          <a:p>
+            <a:r>
+              <a:rPr lang="en-GB" dirty="0" err="1"/>
+              <a:t>securitySchemes</a:t>
+            </a:r>
+            <a:endParaRPr lang="en-GB" dirty="0"/>
+          </a:p>
+          <a:p>
+            <a:r>
+              <a:rPr lang="en-GB" dirty="0"/>
+              <a:t>examples</a:t>
+            </a:r>
+          </a:p>
+          <a:p>
+            <a:r>
+              <a:rPr lang="en-GB" dirty="0"/>
+              <a:t>links</a:t>
+            </a:r>
+          </a:p>
+          <a:p>
+            <a:r>
+              <a:rPr lang="en-GB" dirty="0" err="1"/>
+              <a:t>callbacks</a:t>
+            </a:r>
+            <a:endParaRPr lang="en-GB" dirty="0"/>
+          </a:p>
+          <a:p>
+            <a:endParaRPr lang="en-GB" dirty="0"/>
+          </a:p>
+        </p:txBody>
+      </p:sp>
     </p:spTree>
     <p:extLst>
       <p:ext uri="{BB962C8B-B14F-4D97-AF65-F5344CB8AC3E}">
-        <p14:creationId xmlns:p14="http://schemas.microsoft.com/office/powerpoint/2010/main" val="957555142"/>
+        <p14:creationId xmlns:p14="http://schemas.microsoft.com/office/powerpoint/2010/main" val="2550684943"/>
       </p:ext>
     </p:extLst>
   </p:cSld>
@@ -5477,63 +5489,46 @@
           <a:chExt cx="0" cy="0"/>
         </a:xfrm>
       </p:grpSpPr>
-      <p:sp>
-        <p:nvSpPr>
-          <p:cNvPr id="2" name="Title 1">
+      <p:pic>
+        <p:nvPicPr>
+          <p:cNvPr id="3" name="Picture 2" descr="Text&#10;&#10;Description automatically generated">
             <a:extLst>
               <a:ext uri="{FF2B5EF4-FFF2-40B4-BE49-F238E27FC236}">
-                <a16:creationId xmlns:a16="http://schemas.microsoft.com/office/drawing/2014/main" id="{C28B94A2-9E9A-E136-741D-D279A3BCBF17}"/>
+                <a16:creationId xmlns:a16="http://schemas.microsoft.com/office/drawing/2014/main" id="{E442CA6F-8CA7-684C-3037-D31F02EC1A4F}"/>
               </a:ext>
             </a:extLst>
           </p:cNvPr>
-          <p:cNvSpPr>
-            <a:spLocks noGrp="1"/>
-          </p:cNvSpPr>
-          <p:nvPr>
-            <p:ph type="title"/>
-          </p:nvPr>
-        </p:nvSpPr>
-        <p:spPr/>
-        <p:txBody>
-          <a:bodyPr/>
-          <a:lstStyle/>
-          <a:p>
-            <a:r>
-              <a:rPr lang="en-GB" dirty="0"/>
-              <a:t>References</a:t>
-            </a:r>
-          </a:p>
-        </p:txBody>
-      </p:sp>
-      <p:sp>
-        <p:nvSpPr>
-          <p:cNvPr id="6" name="Text Placeholder 5">
-            <a:extLst>
-              <a:ext uri="{FF2B5EF4-FFF2-40B4-BE49-F238E27FC236}">
-                <a16:creationId xmlns:a16="http://schemas.microsoft.com/office/drawing/2014/main" id="{67A09604-DFFF-AB48-52D4-AA5824847FD4}"/>
-              </a:ext>
-            </a:extLst>
-          </p:cNvPr>
-          <p:cNvSpPr>
-            <a:spLocks noGrp="1"/>
-          </p:cNvSpPr>
-          <p:nvPr>
-            <p:ph type="body" idx="1"/>
-          </p:nvPr>
-        </p:nvSpPr>
-        <p:spPr/>
-        <p:txBody>
-          <a:bodyPr/>
-          <a:lstStyle/>
-          <a:p>
-            <a:endParaRPr lang="en-GB"/>
-          </a:p>
-        </p:txBody>
-      </p:sp>
+          <p:cNvPicPr>
+            <a:picLocks noChangeAspect="1"/>
+          </p:cNvPicPr>
+          <p:nvPr/>
+        </p:nvPicPr>
+        <p:blipFill>
+          <a:blip r:embed="rId2">
+            <a:extLst>
+              <a:ext uri="{28A0092B-C50C-407E-A947-70E740481C1C}">
+                <a14:useLocalDpi xmlns:a14="http://schemas.microsoft.com/office/drawing/2010/main" val="0"/>
+              </a:ext>
+            </a:extLst>
+          </a:blip>
+          <a:stretch>
+            <a:fillRect/>
+          </a:stretch>
+        </p:blipFill>
+        <p:spPr>
+          <a:xfrm>
+            <a:off x="2926900" y="0"/>
+            <a:ext cx="6338200" cy="6858000"/>
+          </a:xfrm>
+          <a:prstGeom prst="rect">
+            <a:avLst/>
+          </a:prstGeom>
+        </p:spPr>
+      </p:pic>
     </p:spTree>
     <p:extLst>
       <p:ext uri="{BB962C8B-B14F-4D97-AF65-F5344CB8AC3E}">
-        <p14:creationId xmlns:p14="http://schemas.microsoft.com/office/powerpoint/2010/main" val="836469107"/>
+        <p14:creationId xmlns:p14="http://schemas.microsoft.com/office/powerpoint/2010/main" val="957555142"/>
       </p:ext>
     </p:extLst>
   </p:cSld>
@@ -5697,6 +5692,89 @@
           <a:chExt cx="0" cy="0"/>
         </a:xfrm>
       </p:grpSpPr>
+      <p:sp>
+        <p:nvSpPr>
+          <p:cNvPr id="2" name="Title 1">
+            <a:extLst>
+              <a:ext uri="{FF2B5EF4-FFF2-40B4-BE49-F238E27FC236}">
+                <a16:creationId xmlns:a16="http://schemas.microsoft.com/office/drawing/2014/main" id="{C28B94A2-9E9A-E136-741D-D279A3BCBF17}"/>
+              </a:ext>
+            </a:extLst>
+          </p:cNvPr>
+          <p:cNvSpPr>
+            <a:spLocks noGrp="1"/>
+          </p:cNvSpPr>
+          <p:nvPr>
+            <p:ph type="title"/>
+          </p:nvPr>
+        </p:nvSpPr>
+        <p:spPr/>
+        <p:txBody>
+          <a:bodyPr/>
+          <a:lstStyle/>
+          <a:p>
+            <a:r>
+              <a:rPr lang="en-GB" dirty="0"/>
+              <a:t>References</a:t>
+            </a:r>
+          </a:p>
+        </p:txBody>
+      </p:sp>
+      <p:sp>
+        <p:nvSpPr>
+          <p:cNvPr id="6" name="Text Placeholder 5">
+            <a:extLst>
+              <a:ext uri="{FF2B5EF4-FFF2-40B4-BE49-F238E27FC236}">
+                <a16:creationId xmlns:a16="http://schemas.microsoft.com/office/drawing/2014/main" id="{67A09604-DFFF-AB48-52D4-AA5824847FD4}"/>
+              </a:ext>
+            </a:extLst>
+          </p:cNvPr>
+          <p:cNvSpPr>
+            <a:spLocks noGrp="1"/>
+          </p:cNvSpPr>
+          <p:nvPr>
+            <p:ph type="body" idx="1"/>
+          </p:nvPr>
+        </p:nvSpPr>
+        <p:spPr/>
+        <p:txBody>
+          <a:bodyPr/>
+          <a:lstStyle/>
+          <a:p>
+            <a:endParaRPr lang="en-GB"/>
+          </a:p>
+        </p:txBody>
+      </p:sp>
+    </p:spTree>
+    <p:extLst>
+      <p:ext uri="{BB962C8B-B14F-4D97-AF65-F5344CB8AC3E}">
+        <p14:creationId xmlns:p14="http://schemas.microsoft.com/office/powerpoint/2010/main" val="836469107"/>
+      </p:ext>
+    </p:extLst>
+  </p:cSld>
+  <p:clrMapOvr>
+    <a:masterClrMapping/>
+  </p:clrMapOvr>
+</p:sld>
+</file>
+
+<file path=ppt/slides/slide31.xml><?xml version="1.0" encoding="utf-8"?>
+<p:sld xmlns:a="http://schemas.openxmlformats.org/drawingml/2006/main" xmlns:r="http://schemas.openxmlformats.org/officeDocument/2006/relationships" xmlns:p="http://schemas.openxmlformats.org/presentationml/2006/main">
+  <p:cSld>
+    <p:spTree>
+      <p:nvGrpSpPr>
+        <p:cNvPr id="1" name=""/>
+        <p:cNvGrpSpPr/>
+        <p:nvPr/>
+      </p:nvGrpSpPr>
+      <p:grpSpPr>
+        <a:xfrm>
+          <a:off x="0" y="0"/>
+          <a:ext cx="0" cy="0"/>
+          <a:chOff x="0" y="0"/>
+          <a:chExt cx="0" cy="0"/>
+        </a:xfrm>
+      </p:grpSpPr>
       <p:pic>
         <p:nvPicPr>
           <p:cNvPr id="3" name="Picture 2" descr="Text&#10;&#10;Description automatically generated">
@@ -5746,7 +5824,7 @@
 </p:sld>
 </file>
 
-<file path=ppt/slides/slide31.xml><?xml version="1.0" encoding="utf-8"?>
+<file path=ppt/slides/slide32.xml><?xml version="1.0" encoding="utf-8"?>
 <p:sld xmlns:a="http://schemas.openxmlformats.org/drawingml/2006/main" xmlns:r="http://schemas.openxmlformats.org/officeDocument/2006/relationships" xmlns:p="http://schemas.openxmlformats.org/presentationml/2006/main">
   <p:cSld>
     <p:spTree>
@@ -5812,89 +5890,6 @@
 </p:sld>
 </file>
 
-<file path=ppt/slides/slide32.xml><?xml version="1.0" encoding="utf-8"?>
-<p:sld xmlns:a="http://schemas.openxmlformats.org/drawingml/2006/main" xmlns:r="http://schemas.openxmlformats.org/officeDocument/2006/relationships" xmlns:p="http://schemas.openxmlformats.org/presentationml/2006/main">
-  <p:cSld>
-    <p:spTree>
-      <p:nvGrpSpPr>
-        <p:cNvPr id="1" name=""/>
-        <p:cNvGrpSpPr/>
-        <p:nvPr/>
-      </p:nvGrpSpPr>
-      <p:grpSpPr>
-        <a:xfrm>
-          <a:off x="0" y="0"/>
-          <a:ext cx="0" cy="0"/>
-          <a:chOff x="0" y="0"/>
-          <a:chExt cx="0" cy="0"/>
-        </a:xfrm>
-      </p:grpSpPr>
-      <p:sp>
-        <p:nvSpPr>
-          <p:cNvPr id="2" name="Title 1">
-            <a:extLst>
-              <a:ext uri="{FF2B5EF4-FFF2-40B4-BE49-F238E27FC236}">
-                <a16:creationId xmlns:a16="http://schemas.microsoft.com/office/drawing/2014/main" id="{787A6BFD-B42C-E42B-054B-EFA0989B5BEC}"/>
-              </a:ext>
-            </a:extLst>
-          </p:cNvPr>
-          <p:cNvSpPr>
-            <a:spLocks noGrp="1"/>
-          </p:cNvSpPr>
-          <p:nvPr>
-            <p:ph type="title"/>
-          </p:nvPr>
-        </p:nvSpPr>
-        <p:spPr/>
-        <p:txBody>
-          <a:bodyPr/>
-          <a:lstStyle/>
-          <a:p>
-            <a:r>
-              <a:rPr lang="en-GB" dirty="0"/>
-              <a:t>Security</a:t>
-            </a:r>
-          </a:p>
-        </p:txBody>
-      </p:sp>
-      <p:sp>
-        <p:nvSpPr>
-          <p:cNvPr id="3" name="Text Placeholder 2">
-            <a:extLst>
-              <a:ext uri="{FF2B5EF4-FFF2-40B4-BE49-F238E27FC236}">
-                <a16:creationId xmlns:a16="http://schemas.microsoft.com/office/drawing/2014/main" id="{6DDA6758-E10D-5B4C-E3F3-303B0E768AA4}"/>
-              </a:ext>
-            </a:extLst>
-          </p:cNvPr>
-          <p:cNvSpPr>
-            <a:spLocks noGrp="1"/>
-          </p:cNvSpPr>
-          <p:nvPr>
-            <p:ph type="body" idx="1"/>
-          </p:nvPr>
-        </p:nvSpPr>
-        <p:spPr/>
-        <p:txBody>
-          <a:bodyPr/>
-          <a:lstStyle/>
-          <a:p>
-            <a:endParaRPr lang="en-GB"/>
-          </a:p>
-        </p:txBody>
-      </p:sp>
-    </p:spTree>
-    <p:extLst>
-      <p:ext uri="{BB962C8B-B14F-4D97-AF65-F5344CB8AC3E}">
-        <p14:creationId xmlns:p14="http://schemas.microsoft.com/office/powerpoint/2010/main" val="4241548109"/>
-      </p:ext>
-    </p:extLst>
-  </p:cSld>
-  <p:clrMapOvr>
-    <a:masterClrMapping/>
-  </p:clrMapOvr>
-</p:sld>
-</file>
-
 <file path=ppt/slides/slide33.xml><?xml version="1.0" encoding="utf-8"?>
 <p:sld xmlns:a="http://schemas.openxmlformats.org/drawingml/2006/main" xmlns:r="http://schemas.openxmlformats.org/officeDocument/2006/relationships" xmlns:p="http://schemas.openxmlformats.org/presentationml/2006/main">
   <p:cSld>
@@ -5917,6 +5912,89 @@
           <p:cNvPr id="2" name="Title 1">
             <a:extLst>
               <a:ext uri="{FF2B5EF4-FFF2-40B4-BE49-F238E27FC236}">
+                <a16:creationId xmlns:a16="http://schemas.microsoft.com/office/drawing/2014/main" id="{787A6BFD-B42C-E42B-054B-EFA0989B5BEC}"/>
+              </a:ext>
+            </a:extLst>
+          </p:cNvPr>
+          <p:cNvSpPr>
+            <a:spLocks noGrp="1"/>
+          </p:cNvSpPr>
+          <p:nvPr>
+            <p:ph type="title"/>
+          </p:nvPr>
+        </p:nvSpPr>
+        <p:spPr/>
+        <p:txBody>
+          <a:bodyPr/>
+          <a:lstStyle/>
+          <a:p>
+            <a:r>
+              <a:rPr lang="en-GB" dirty="0"/>
+              <a:t>Security</a:t>
+            </a:r>
+          </a:p>
+        </p:txBody>
+      </p:sp>
+      <p:sp>
+        <p:nvSpPr>
+          <p:cNvPr id="3" name="Text Placeholder 2">
+            <a:extLst>
+              <a:ext uri="{FF2B5EF4-FFF2-40B4-BE49-F238E27FC236}">
+                <a16:creationId xmlns:a16="http://schemas.microsoft.com/office/drawing/2014/main" id="{6DDA6758-E10D-5B4C-E3F3-303B0E768AA4}"/>
+              </a:ext>
+            </a:extLst>
+          </p:cNvPr>
+          <p:cNvSpPr>
+            <a:spLocks noGrp="1"/>
+          </p:cNvSpPr>
+          <p:nvPr>
+            <p:ph type="body" idx="1"/>
+          </p:nvPr>
+        </p:nvSpPr>
+        <p:spPr/>
+        <p:txBody>
+          <a:bodyPr/>
+          <a:lstStyle/>
+          <a:p>
+            <a:endParaRPr lang="en-GB"/>
+          </a:p>
+        </p:txBody>
+      </p:sp>
+    </p:spTree>
+    <p:extLst>
+      <p:ext uri="{BB962C8B-B14F-4D97-AF65-F5344CB8AC3E}">
+        <p14:creationId xmlns:p14="http://schemas.microsoft.com/office/powerpoint/2010/main" val="4241548109"/>
+      </p:ext>
+    </p:extLst>
+  </p:cSld>
+  <p:clrMapOvr>
+    <a:masterClrMapping/>
+  </p:clrMapOvr>
+</p:sld>
+</file>
+
+<file path=ppt/slides/slide34.xml><?xml version="1.0" encoding="utf-8"?>
+<p:sld xmlns:a="http://schemas.openxmlformats.org/drawingml/2006/main" xmlns:r="http://schemas.openxmlformats.org/officeDocument/2006/relationships" xmlns:p="http://schemas.openxmlformats.org/presentationml/2006/main">
+  <p:cSld>
+    <p:spTree>
+      <p:nvGrpSpPr>
+        <p:cNvPr id="1" name=""/>
+        <p:cNvGrpSpPr/>
+        <p:nvPr/>
+      </p:nvGrpSpPr>
+      <p:grpSpPr>
+        <a:xfrm>
+          <a:off x="0" y="0"/>
+          <a:ext cx="0" cy="0"/>
+          <a:chOff x="0" y="0"/>
+          <a:chExt cx="0" cy="0"/>
+        </a:xfrm>
+      </p:grpSpPr>
+      <p:sp>
+        <p:nvSpPr>
+          <p:cNvPr id="2" name="Title 1">
+            <a:extLst>
+              <a:ext uri="{FF2B5EF4-FFF2-40B4-BE49-F238E27FC236}">
                 <a16:creationId xmlns:a16="http://schemas.microsoft.com/office/drawing/2014/main" id="{3FE8459F-EB23-263C-3E56-239970E55B52}"/>
               </a:ext>
             </a:extLst>
@@ -5986,7 +6064,7 @@
 </p:sld>
 </file>
 
-<file path=ppt/slides/slide34.xml><?xml version="1.0" encoding="utf-8"?>
+<file path=ppt/slides/slide35.xml><?xml version="1.0" encoding="utf-8"?>
 <p:sld xmlns:a="http://schemas.openxmlformats.org/drawingml/2006/main" xmlns:r="http://schemas.openxmlformats.org/officeDocument/2006/relationships" xmlns:p="http://schemas.openxmlformats.org/presentationml/2006/main">
   <p:cSld>
     <p:spTree>
@@ -6052,7 +6130,7 @@
 </p:sld>
 </file>
 
-<file path=ppt/slides/slide35.xml><?xml version="1.0" encoding="utf-8"?>
+<file path=ppt/slides/slide36.xml><?xml version="1.0" encoding="utf-8"?>
 <p:sld xmlns:a="http://schemas.openxmlformats.org/drawingml/2006/main" xmlns:r="http://schemas.openxmlformats.org/officeDocument/2006/relationships" xmlns:p="http://schemas.openxmlformats.org/presentationml/2006/main">
   <p:cSld>
     <p:spTree>
@@ -6148,7 +6226,7 @@
 </p:sld>
 </file>
 
-<file path=ppt/slides/slide36.xml><?xml version="1.0" encoding="utf-8"?>
+<file path=ppt/slides/slide37.xml><?xml version="1.0" encoding="utf-8"?>
 <p:sld xmlns:a="http://schemas.openxmlformats.org/drawingml/2006/main" xmlns:r="http://schemas.openxmlformats.org/officeDocument/2006/relationships" xmlns:p="http://schemas.openxmlformats.org/presentationml/2006/main">
   <p:cSld>
     <p:spTree>
@@ -6239,190 +6317,6 @@
 </p:sld>
 </file>
 
-<file path=ppt/slides/slide37.xml><?xml version="1.0" encoding="utf-8"?>
-<p:sld xmlns:a="http://schemas.openxmlformats.org/drawingml/2006/main" xmlns:r="http://schemas.openxmlformats.org/officeDocument/2006/relationships" xmlns:p="http://schemas.openxmlformats.org/presentationml/2006/main">
-  <p:cSld>
-    <p:spTree>
-      <p:nvGrpSpPr>
-        <p:cNvPr id="1" name=""/>
-        <p:cNvGrpSpPr/>
-        <p:nvPr/>
-      </p:nvGrpSpPr>
-      <p:grpSpPr>
-        <a:xfrm>
-          <a:off x="0" y="0"/>
-          <a:ext cx="0" cy="0"/>
-          <a:chOff x="0" y="0"/>
-          <a:chExt cx="0" cy="0"/>
-        </a:xfrm>
-      </p:grpSpPr>
-      <p:sp>
-        <p:nvSpPr>
-          <p:cNvPr id="2" name="Title 1">
-            <a:extLst>
-              <a:ext uri="{FF2B5EF4-FFF2-40B4-BE49-F238E27FC236}">
-                <a16:creationId xmlns:a16="http://schemas.microsoft.com/office/drawing/2014/main" id="{5592EC0B-A3CD-B223-512D-74AAB33C0BA8}"/>
-              </a:ext>
-            </a:extLst>
-          </p:cNvPr>
-          <p:cNvSpPr>
-            <a:spLocks noGrp="1"/>
-          </p:cNvSpPr>
-          <p:nvPr>
-            <p:ph type="title"/>
-          </p:nvPr>
-        </p:nvSpPr>
-        <p:spPr/>
-        <p:txBody>
-          <a:bodyPr/>
-          <a:lstStyle/>
-          <a:p>
-            <a:r>
-              <a:rPr lang="en-GB" dirty="0"/>
-              <a:t>Tools</a:t>
-            </a:r>
-          </a:p>
-        </p:txBody>
-      </p:sp>
-      <p:sp>
-        <p:nvSpPr>
-          <p:cNvPr id="3" name="Content Placeholder 2">
-            <a:extLst>
-              <a:ext uri="{FF2B5EF4-FFF2-40B4-BE49-F238E27FC236}">
-                <a16:creationId xmlns:a16="http://schemas.microsoft.com/office/drawing/2014/main" id="{71B67435-0E9A-06CE-2486-38134A2A38D4}"/>
-              </a:ext>
-            </a:extLst>
-          </p:cNvPr>
-          <p:cNvSpPr>
-            <a:spLocks noGrp="1"/>
-          </p:cNvSpPr>
-          <p:nvPr>
-            <p:ph idx="1"/>
-          </p:nvPr>
-        </p:nvSpPr>
-        <p:spPr/>
-        <p:txBody>
-          <a:bodyPr>
-            <a:normAutofit/>
-          </a:bodyPr>
-          <a:lstStyle/>
-          <a:p>
-            <a:pPr>
-              <a:spcBef>
-                <a:spcPts val="3600"/>
-              </a:spcBef>
-            </a:pPr>
-            <a:r>
-              <a:rPr lang="en-GB" dirty="0"/>
-              <a:t>Swagger UI</a:t>
-            </a:r>
-          </a:p>
-          <a:p>
-            <a:pPr>
-              <a:spcBef>
-                <a:spcPts val="3600"/>
-              </a:spcBef>
-            </a:pPr>
-            <a:r>
-              <a:rPr lang="en-GB" dirty="0" err="1"/>
-              <a:t>Redoc</a:t>
-            </a:r>
-            <a:br>
-              <a:rPr lang="en-GB" dirty="0"/>
-            </a:br>
-            <a:r>
-              <a:rPr lang="en-GB" sz="1600" dirty="0">
-                <a:solidFill>
-                  <a:schemeClr val="accent2">
-                    <a:lumMod val="60000"/>
-                    <a:lumOff val="40000"/>
-                  </a:schemeClr>
-                </a:solidFill>
-              </a:rPr>
-              <a:t>github.com/</a:t>
-            </a:r>
-            <a:r>
-              <a:rPr lang="en-GB" sz="1600" dirty="0" err="1">
-                <a:solidFill>
-                  <a:schemeClr val="accent2">
-                    <a:lumMod val="60000"/>
-                    <a:lumOff val="40000"/>
-                  </a:schemeClr>
-                </a:solidFill>
-              </a:rPr>
-              <a:t>Redocly</a:t>
-            </a:r>
-            <a:r>
-              <a:rPr lang="en-GB" sz="1600" dirty="0">
-                <a:solidFill>
-                  <a:schemeClr val="accent2">
-                    <a:lumMod val="60000"/>
-                    <a:lumOff val="40000"/>
-                  </a:schemeClr>
-                </a:solidFill>
-              </a:rPr>
-              <a:t>/</a:t>
-            </a:r>
-            <a:r>
-              <a:rPr lang="en-GB" sz="1600" dirty="0" err="1">
-                <a:solidFill>
-                  <a:schemeClr val="accent2">
-                    <a:lumMod val="60000"/>
-                    <a:lumOff val="40000"/>
-                  </a:schemeClr>
-                </a:solidFill>
-              </a:rPr>
-              <a:t>redoc</a:t>
-            </a:r>
-            <a:endParaRPr lang="en-GB" sz="1600" dirty="0">
-              <a:solidFill>
-                <a:schemeClr val="accent2">
-                  <a:lumMod val="60000"/>
-                  <a:lumOff val="40000"/>
-                </a:schemeClr>
-              </a:solidFill>
-            </a:endParaRPr>
-          </a:p>
-          <a:p>
-            <a:pPr>
-              <a:spcBef>
-                <a:spcPts val="3600"/>
-              </a:spcBef>
-            </a:pPr>
-            <a:r>
-              <a:rPr lang="en-GB" dirty="0"/>
-              <a:t>Elements</a:t>
-            </a:r>
-            <a:br>
-              <a:rPr lang="en-GB" dirty="0"/>
-            </a:br>
-            <a:r>
-              <a:rPr lang="en-GB" sz="1600" dirty="0">
-                <a:solidFill>
-                  <a:schemeClr val="accent2">
-                    <a:lumMod val="60000"/>
-                    <a:lumOff val="40000"/>
-                  </a:schemeClr>
-                </a:solidFill>
-              </a:rPr>
-              <a:t>stoplight.io/open-source/elements</a:t>
-            </a:r>
-          </a:p>
-        </p:txBody>
-      </p:sp>
-    </p:spTree>
-    <p:extLst>
-      <p:ext uri="{BB962C8B-B14F-4D97-AF65-F5344CB8AC3E}">
-        <p14:creationId xmlns:p14="http://schemas.microsoft.com/office/powerpoint/2010/main" val="2893756278"/>
-      </p:ext>
-    </p:extLst>
-  </p:cSld>
-  <p:clrMapOvr>
-    <a:masterClrMapping/>
-  </p:clrMapOvr>
-</p:sld>
-</file>
-
 <file path=ppt/slides/slide38.xml><?xml version="1.0" encoding="utf-8"?>
 <p:sld xmlns:a="http://schemas.openxmlformats.org/drawingml/2006/main" xmlns:r="http://schemas.openxmlformats.org/officeDocument/2006/relationships" xmlns:p="http://schemas.openxmlformats.org/presentationml/2006/main">
   <p:cSld>
@@ -6445,7 +6339,7 @@
           <p:cNvPr id="2" name="Title 1">
             <a:extLst>
               <a:ext uri="{FF2B5EF4-FFF2-40B4-BE49-F238E27FC236}">
-                <a16:creationId xmlns:a16="http://schemas.microsoft.com/office/drawing/2014/main" id="{9EEFFF31-7CEF-80C4-C9CC-F13D181784F8}"/>
+                <a16:creationId xmlns:a16="http://schemas.microsoft.com/office/drawing/2014/main" id="{5592EC0B-A3CD-B223-512D-74AAB33C0BA8}"/>
               </a:ext>
             </a:extLst>
           </p:cNvPr>
@@ -6463,7 +6357,7 @@
           <a:p>
             <a:r>
               <a:rPr lang="en-GB" dirty="0"/>
-              <a:t>Plugins</a:t>
+              <a:t>Tools</a:t>
             </a:r>
           </a:p>
         </p:txBody>
@@ -6473,7 +6367,7 @@
           <p:cNvPr id="3" name="Content Placeholder 2">
             <a:extLst>
               <a:ext uri="{FF2B5EF4-FFF2-40B4-BE49-F238E27FC236}">
-                <a16:creationId xmlns:a16="http://schemas.microsoft.com/office/drawing/2014/main" id="{6E1F24E1-6E3B-B7E6-4BB9-1CD5A48B4BBC}"/>
+                <a16:creationId xmlns:a16="http://schemas.microsoft.com/office/drawing/2014/main" id="{71B67435-0E9A-06CE-2486-38134A2A38D4}"/>
               </a:ext>
             </a:extLst>
           </p:cNvPr>
@@ -6486,70 +6380,118 @@
         </p:nvSpPr>
         <p:spPr/>
         <p:txBody>
-          <a:bodyPr/>
-          <a:lstStyle/>
-          <a:p>
+          <a:bodyPr>
+            <a:normAutofit/>
+          </a:bodyPr>
+          <a:lstStyle/>
+          <a:p>
+            <a:pPr>
+              <a:spcBef>
+                <a:spcPts val="3600"/>
+              </a:spcBef>
+            </a:pPr>
             <a:r>
               <a:rPr lang="en-GB" dirty="0"/>
-              <a:t>VS Code: </a:t>
-            </a:r>
+              <a:t>Swagger UI</a:t>
+            </a:r>
+          </a:p>
+          <a:p>
+            <a:pPr>
+              <a:spcBef>
+                <a:spcPts val="3600"/>
+              </a:spcBef>
+            </a:pPr>
             <a:r>
               <a:rPr lang="en-GB" dirty="0" err="1"/>
-              <a:t>OpenAPI</a:t>
-            </a:r>
-            <a:r>
-              <a:rPr lang="en-GB" dirty="0"/>
-              <a:t> (Swagger) Editor</a:t>
+              <a:t>Redoc</a:t>
             </a:r>
             <a:br>
               <a:rPr lang="en-GB" dirty="0"/>
             </a:br>
-            <a:br>
-              <a:rPr lang="en-GB" sz="1800" dirty="0"/>
-            </a:br>
-            <a:r>
-              <a:rPr lang="en-GB" sz="1800" dirty="0"/>
-              <a:t>marketplace.visualstudio.com/items?itemName=42Crunch.vscode-openapi</a:t>
-            </a:r>
-            <a:br>
-              <a:rPr lang="en-GB" sz="1800" dirty="0"/>
-            </a:br>
+            <a:r>
+              <a:rPr lang="en-GB" sz="1600" dirty="0">
+                <a:solidFill>
+                  <a:schemeClr val="accent2">
+                    <a:lumMod val="60000"/>
+                    <a:lumOff val="40000"/>
+                  </a:schemeClr>
+                </a:solidFill>
+              </a:rPr>
+              <a:t>github.com/</a:t>
+            </a:r>
+            <a:r>
+              <a:rPr lang="en-GB" sz="1600" dirty="0" err="1">
+                <a:solidFill>
+                  <a:schemeClr val="accent2">
+                    <a:lumMod val="60000"/>
+                    <a:lumOff val="40000"/>
+                  </a:schemeClr>
+                </a:solidFill>
+              </a:rPr>
+              <a:t>Redocly</a:t>
+            </a:r>
+            <a:r>
+              <a:rPr lang="en-GB" sz="1600" dirty="0">
+                <a:solidFill>
+                  <a:schemeClr val="accent2">
+                    <a:lumMod val="60000"/>
+                    <a:lumOff val="40000"/>
+                  </a:schemeClr>
+                </a:solidFill>
+              </a:rPr>
+              <a:t>/</a:t>
+            </a:r>
+            <a:r>
+              <a:rPr lang="en-GB" sz="1600" dirty="0" err="1">
+                <a:solidFill>
+                  <a:schemeClr val="accent2">
+                    <a:lumMod val="60000"/>
+                    <a:lumOff val="40000"/>
+                  </a:schemeClr>
+                </a:solidFill>
+              </a:rPr>
+              <a:t>redoc</a:t>
+            </a:r>
+            <a:endParaRPr lang="en-GB" sz="1600" dirty="0">
+              <a:solidFill>
+                <a:schemeClr val="accent2">
+                  <a:lumMod val="60000"/>
+                  <a:lumOff val="40000"/>
+                </a:schemeClr>
+              </a:solidFill>
+            </a:endParaRPr>
+          </a:p>
+          <a:p>
+            <a:pPr>
+              <a:spcBef>
+                <a:spcPts val="3600"/>
+              </a:spcBef>
+            </a:pPr>
+            <a:r>
+              <a:rPr lang="en-GB" dirty="0"/>
+              <a:t>Elements</a:t>
+            </a:r>
             <a:br>
               <a:rPr lang="en-GB" dirty="0"/>
             </a:br>
-            <a:endParaRPr lang="en-GB" dirty="0"/>
-          </a:p>
-          <a:p>
-            <a:r>
-              <a:rPr lang="en-GB" dirty="0"/>
-              <a:t>Rider: </a:t>
-            </a:r>
-            <a:r>
-              <a:rPr lang="en-GB" dirty="0" err="1"/>
-              <a:t>OpenAPI</a:t>
-            </a:r>
-            <a:r>
-              <a:rPr lang="en-GB" dirty="0"/>
-              <a:t> Specifications</a:t>
-            </a:r>
-            <a:br>
-              <a:rPr lang="en-GB" dirty="0"/>
-            </a:br>
-            <a:br>
-              <a:rPr lang="en-GB" sz="1600" dirty="0"/>
-            </a:br>
-            <a:r>
-              <a:rPr lang="en-GB" sz="1600" dirty="0"/>
-              <a:t>Built-in</a:t>
-            </a:r>
-            <a:endParaRPr lang="en-GB" dirty="0"/>
+            <a:r>
+              <a:rPr lang="en-GB" sz="1600" dirty="0">
+                <a:solidFill>
+                  <a:schemeClr val="accent2">
+                    <a:lumMod val="60000"/>
+                    <a:lumOff val="40000"/>
+                  </a:schemeClr>
+                </a:solidFill>
+              </a:rPr>
+              <a:t>stoplight.io/open-source/elements</a:t>
+            </a:r>
           </a:p>
         </p:txBody>
       </p:sp>
     </p:spTree>
     <p:extLst>
       <p:ext uri="{BB962C8B-B14F-4D97-AF65-F5344CB8AC3E}">
-        <p14:creationId xmlns:p14="http://schemas.microsoft.com/office/powerpoint/2010/main" val="3171114529"/>
+        <p14:creationId xmlns:p14="http://schemas.microsoft.com/office/powerpoint/2010/main" val="2893756278"/>
       </p:ext>
     </p:extLst>
   </p:cSld>
@@ -6581,7 +6523,7 @@
           <p:cNvPr id="2" name="Title 1">
             <a:extLst>
               <a:ext uri="{FF2B5EF4-FFF2-40B4-BE49-F238E27FC236}">
-                <a16:creationId xmlns:a16="http://schemas.microsoft.com/office/drawing/2014/main" id="{C4DAB788-8FB0-FF25-28E5-B49FEED02E0C}"/>
+                <a16:creationId xmlns:a16="http://schemas.microsoft.com/office/drawing/2014/main" id="{9EEFFF31-7CEF-80C4-C9CC-F13D181784F8}"/>
               </a:ext>
             </a:extLst>
           </p:cNvPr>
@@ -6599,50 +6541,93 @@
           <a:p>
             <a:r>
               <a:rPr lang="en-GB" dirty="0"/>
-              <a:t>Bundling</a:t>
-            </a:r>
-          </a:p>
-        </p:txBody>
-      </p:sp>
-      <p:pic>
-        <p:nvPicPr>
-          <p:cNvPr id="5" name="Content Placeholder 4">
+              <a:t>Plugins</a:t>
+            </a:r>
+          </a:p>
+        </p:txBody>
+      </p:sp>
+      <p:sp>
+        <p:nvSpPr>
+          <p:cNvPr id="3" name="Content Placeholder 2">
             <a:extLst>
               <a:ext uri="{FF2B5EF4-FFF2-40B4-BE49-F238E27FC236}">
-                <a16:creationId xmlns:a16="http://schemas.microsoft.com/office/drawing/2014/main" id="{46D85B33-E466-BB66-4D80-A0E1A1DA39E0}"/>
+                <a16:creationId xmlns:a16="http://schemas.microsoft.com/office/drawing/2014/main" id="{6E1F24E1-6E3B-B7E6-4BB9-1CD5A48B4BBC}"/>
               </a:ext>
             </a:extLst>
           </p:cNvPr>
-          <p:cNvPicPr>
-            <a:picLocks noGrp="1" noChangeAspect="1"/>
-          </p:cNvPicPr>
+          <p:cNvSpPr>
+            <a:spLocks noGrp="1"/>
+          </p:cNvSpPr>
           <p:nvPr>
             <p:ph idx="1"/>
           </p:nvPr>
-        </p:nvPicPr>
-        <p:blipFill>
-          <a:blip r:embed="rId2">
-            <a:extLst>
-              <a:ext uri="{28A0092B-C50C-407E-A947-70E740481C1C}">
-                <a14:useLocalDpi xmlns:a14="http://schemas.microsoft.com/office/drawing/2010/main" val="0"/>
-              </a:ext>
-            </a:extLst>
-          </a:blip>
-          <a:stretch>
-            <a:fillRect/>
-          </a:stretch>
-        </p:blipFill>
-        <p:spPr>
-          <a:xfrm>
-            <a:off x="838200" y="2116943"/>
-            <a:ext cx="10515600" cy="3768702"/>
-          </a:xfrm>
-        </p:spPr>
-      </p:pic>
+        </p:nvSpPr>
+        <p:spPr/>
+        <p:txBody>
+          <a:bodyPr/>
+          <a:lstStyle/>
+          <a:p>
+            <a:r>
+              <a:rPr lang="en-GB" dirty="0"/>
+              <a:t>VS Code: </a:t>
+            </a:r>
+            <a:r>
+              <a:rPr lang="en-GB" dirty="0" err="1"/>
+              <a:t>OpenAPI</a:t>
+            </a:r>
+            <a:r>
+              <a:rPr lang="en-GB" dirty="0"/>
+              <a:t> (Swagger) Editor</a:t>
+            </a:r>
+            <a:br>
+              <a:rPr lang="en-GB" dirty="0"/>
+            </a:br>
+            <a:br>
+              <a:rPr lang="en-GB" sz="1800" dirty="0"/>
+            </a:br>
+            <a:r>
+              <a:rPr lang="en-GB" sz="1800" dirty="0"/>
+              <a:t>marketplace.visualstudio.com/items?itemName=42Crunch.vscode-openapi</a:t>
+            </a:r>
+            <a:br>
+              <a:rPr lang="en-GB" sz="1800" dirty="0"/>
+            </a:br>
+            <a:br>
+              <a:rPr lang="en-GB" dirty="0"/>
+            </a:br>
+            <a:endParaRPr lang="en-GB" dirty="0"/>
+          </a:p>
+          <a:p>
+            <a:r>
+              <a:rPr lang="en-GB" dirty="0"/>
+              <a:t>Rider: </a:t>
+            </a:r>
+            <a:r>
+              <a:rPr lang="en-GB" dirty="0" err="1"/>
+              <a:t>OpenAPI</a:t>
+            </a:r>
+            <a:r>
+              <a:rPr lang="en-GB" dirty="0"/>
+              <a:t> Specifications</a:t>
+            </a:r>
+            <a:br>
+              <a:rPr lang="en-GB" dirty="0"/>
+            </a:br>
+            <a:br>
+              <a:rPr lang="en-GB" sz="1600" dirty="0"/>
+            </a:br>
+            <a:r>
+              <a:rPr lang="en-GB" sz="1600" dirty="0"/>
+              <a:t>Built-in</a:t>
+            </a:r>
+            <a:endParaRPr lang="en-GB" dirty="0"/>
+          </a:p>
+        </p:txBody>
+      </p:sp>
     </p:spTree>
     <p:extLst>
       <p:ext uri="{BB962C8B-B14F-4D97-AF65-F5344CB8AC3E}">
-        <p14:creationId xmlns:p14="http://schemas.microsoft.com/office/powerpoint/2010/main" val="3713737075"/>
+        <p14:creationId xmlns:p14="http://schemas.microsoft.com/office/powerpoint/2010/main" val="3171114529"/>
       </p:ext>
     </p:extLst>
   </p:cSld>
@@ -6757,6 +6742,99 @@
           <p:cNvPr id="2" name="Title 1">
             <a:extLst>
               <a:ext uri="{FF2B5EF4-FFF2-40B4-BE49-F238E27FC236}">
+                <a16:creationId xmlns:a16="http://schemas.microsoft.com/office/drawing/2014/main" id="{C4DAB788-8FB0-FF25-28E5-B49FEED02E0C}"/>
+              </a:ext>
+            </a:extLst>
+          </p:cNvPr>
+          <p:cNvSpPr>
+            <a:spLocks noGrp="1"/>
+          </p:cNvSpPr>
+          <p:nvPr>
+            <p:ph type="title"/>
+          </p:nvPr>
+        </p:nvSpPr>
+        <p:spPr/>
+        <p:txBody>
+          <a:bodyPr/>
+          <a:lstStyle/>
+          <a:p>
+            <a:r>
+              <a:rPr lang="en-GB" dirty="0"/>
+              <a:t>Bundling</a:t>
+            </a:r>
+          </a:p>
+        </p:txBody>
+      </p:sp>
+      <p:pic>
+        <p:nvPicPr>
+          <p:cNvPr id="5" name="Content Placeholder 4">
+            <a:extLst>
+              <a:ext uri="{FF2B5EF4-FFF2-40B4-BE49-F238E27FC236}">
+                <a16:creationId xmlns:a16="http://schemas.microsoft.com/office/drawing/2014/main" id="{46D85B33-E466-BB66-4D80-A0E1A1DA39E0}"/>
+              </a:ext>
+            </a:extLst>
+          </p:cNvPr>
+          <p:cNvPicPr>
+            <a:picLocks noGrp="1" noChangeAspect="1"/>
+          </p:cNvPicPr>
+          <p:nvPr>
+            <p:ph idx="1"/>
+          </p:nvPr>
+        </p:nvPicPr>
+        <p:blipFill>
+          <a:blip r:embed="rId2">
+            <a:extLst>
+              <a:ext uri="{28A0092B-C50C-407E-A947-70E740481C1C}">
+                <a14:useLocalDpi xmlns:a14="http://schemas.microsoft.com/office/drawing/2010/main" val="0"/>
+              </a:ext>
+            </a:extLst>
+          </a:blip>
+          <a:stretch>
+            <a:fillRect/>
+          </a:stretch>
+        </p:blipFill>
+        <p:spPr>
+          <a:xfrm>
+            <a:off x="838200" y="2116943"/>
+            <a:ext cx="10515600" cy="3768702"/>
+          </a:xfrm>
+        </p:spPr>
+      </p:pic>
+    </p:spTree>
+    <p:extLst>
+      <p:ext uri="{BB962C8B-B14F-4D97-AF65-F5344CB8AC3E}">
+        <p14:creationId xmlns:p14="http://schemas.microsoft.com/office/powerpoint/2010/main" val="3713737075"/>
+      </p:ext>
+    </p:extLst>
+  </p:cSld>
+  <p:clrMapOvr>
+    <a:masterClrMapping/>
+  </p:clrMapOvr>
+</p:sld>
+</file>
+
+<file path=ppt/slides/slide41.xml><?xml version="1.0" encoding="utf-8"?>
+<p:sld xmlns:a="http://schemas.openxmlformats.org/drawingml/2006/main" xmlns:r="http://schemas.openxmlformats.org/officeDocument/2006/relationships" xmlns:p="http://schemas.openxmlformats.org/presentationml/2006/main">
+  <p:cSld>
+    <p:spTree>
+      <p:nvGrpSpPr>
+        <p:cNvPr id="1" name=""/>
+        <p:cNvGrpSpPr/>
+        <p:nvPr/>
+      </p:nvGrpSpPr>
+      <p:grpSpPr>
+        <a:xfrm>
+          <a:off x="0" y="0"/>
+          <a:ext cx="0" cy="0"/>
+          <a:chOff x="0" y="0"/>
+          <a:chExt cx="0" cy="0"/>
+        </a:xfrm>
+      </p:grpSpPr>
+      <p:sp>
+        <p:nvSpPr>
+          <p:cNvPr id="2" name="Title 1">
+            <a:extLst>
+              <a:ext uri="{FF2B5EF4-FFF2-40B4-BE49-F238E27FC236}">
                 <a16:creationId xmlns:a16="http://schemas.microsoft.com/office/drawing/2014/main" id="{99629F9A-EFA6-715B-2804-5BBE4D49E3EA}"/>
               </a:ext>
             </a:extLst>
@@ -6879,7 +6957,7 @@
 </p:sld>
 </file>
 
-<file path=ppt/slides/slide41.xml><?xml version="1.0" encoding="utf-8"?>
+<file path=ppt/slides/slide42.xml><?xml version="1.0" encoding="utf-8"?>
 <p:sld xmlns:a="http://schemas.openxmlformats.org/drawingml/2006/main" xmlns:r="http://schemas.openxmlformats.org/officeDocument/2006/relationships" xmlns:p="http://schemas.openxmlformats.org/presentationml/2006/main">
   <p:cSld>
     <p:spTree>
@@ -7080,7 +7158,7 @@
 </p:sld>
 </file>
 
-<file path=ppt/slides/slide42.xml><?xml version="1.0" encoding="utf-8"?>
+<file path=ppt/slides/slide43.xml><?xml version="1.0" encoding="utf-8"?>
 <p:sld xmlns:a="http://schemas.openxmlformats.org/drawingml/2006/main" xmlns:r="http://schemas.openxmlformats.org/officeDocument/2006/relationships" xmlns:p="http://schemas.openxmlformats.org/presentationml/2006/main">
   <p:cSld>
     <p:spTree>

--- a/OpenAPI.pptx
+++ b/OpenAPI.pptx
@@ -7898,7 +7898,7 @@
         </p:nvSpPr>
         <p:spPr>
           <a:xfrm>
-            <a:off x="8349673" y="2447637"/>
+            <a:off x="9090891" y="3277288"/>
             <a:ext cx="2262909" cy="584775"/>
           </a:xfrm>
           <a:prstGeom prst="rect">
@@ -7942,7 +7942,7 @@
         </p:nvCxnSpPr>
         <p:spPr>
           <a:xfrm flipH="1">
-            <a:off x="7610764" y="2740025"/>
+            <a:off x="8351982" y="3569676"/>
             <a:ext cx="738909" cy="95539"/>
           </a:xfrm>
           <a:prstGeom prst="straightConnector1">
